--- a/Capstone_Project/presentation/Capstone presentation.pptx
+++ b/Capstone_Project/presentation/Capstone presentation.pptx
@@ -31,16 +31,25 @@
     <p:sldId id="276" r:id="rId26"/>
     <p:sldId id="277" r:id="rId27"/>
     <p:sldId id="278" r:id="rId28"/>
+    <p:sldId id="279" r:id="rId29"/>
+    <p:sldId id="280" r:id="rId30"/>
   </p:sldIdLst>
   <p:sldSz cy="5143500" cx="9144000"/>
   <p:notesSz cx="6858000" cy="9144000"/>
   <p:embeddedFontLst>
     <p:embeddedFont>
+      <p:font typeface="Roboto"/>
+      <p:regular r:id="rId31"/>
+      <p:bold r:id="rId32"/>
+      <p:italic r:id="rId33"/>
+      <p:boldItalic r:id="rId34"/>
+    </p:embeddedFont>
+    <p:embeddedFont>
       <p:font typeface="Merriweather"/>
-      <p:regular r:id="rId29"/>
-      <p:bold r:id="rId30"/>
-      <p:italic r:id="rId31"/>
-      <p:boldItalic r:id="rId32"/>
+      <p:regular r:id="rId35"/>
+      <p:bold r:id="rId36"/>
+      <p:italic r:id="rId37"/>
+      <p:boldItalic r:id="rId38"/>
     </p:embeddedFont>
   </p:embeddedFontLst>
   <p:defaultTextStyle>
@@ -821,7 +830,7 @@
   <p:cSld>
     <p:spTree>
       <p:nvGrpSpPr>
-        <p:cNvPr id="112" name="Shape 112"/>
+        <p:cNvPr id="110" name="Shape 110"/>
         <p:cNvGrpSpPr/>
         <p:nvPr/>
       </p:nvGrpSpPr>
@@ -835,7 +844,7 @@
       </p:grpSpPr>
       <p:sp>
         <p:nvSpPr>
-          <p:cNvPr id="113" name="Google Shape;113;g117bc05ecae_0_75:notes"/>
+          <p:cNvPr id="111" name="Google Shape;111;g117bc05ecae_0_31:notes"/>
           <p:cNvSpPr/>
           <p:nvPr>
             <p:ph idx="2" type="sldImg"/>
@@ -870,7 +879,7 @@
       </p:sp>
       <p:sp>
         <p:nvSpPr>
-          <p:cNvPr id="114" name="Google Shape;114;g117bc05ecae_0_75:notes"/>
+          <p:cNvPr id="112" name="Google Shape;112;g117bc05ecae_0_31:notes"/>
           <p:cNvSpPr txBox="1"/>
           <p:nvPr>
             <p:ph idx="1" type="body"/>
@@ -920,7 +929,7 @@
   <p:cSld>
     <p:spTree>
       <p:nvGrpSpPr>
-        <p:cNvPr id="120" name="Shape 120"/>
+        <p:cNvPr id="117" name="Shape 117"/>
         <p:cNvGrpSpPr/>
         <p:nvPr/>
       </p:nvGrpSpPr>
@@ -934,7 +943,7 @@
       </p:grpSpPr>
       <p:sp>
         <p:nvSpPr>
-          <p:cNvPr id="121" name="Google Shape;121;g117bc05ecae_0_83:notes"/>
+          <p:cNvPr id="118" name="Google Shape;118;g117bc05ecae_0_60:notes"/>
           <p:cNvSpPr/>
           <p:nvPr>
             <p:ph idx="2" type="sldImg"/>
@@ -969,7 +978,7 @@
       </p:sp>
       <p:sp>
         <p:nvSpPr>
-          <p:cNvPr id="122" name="Google Shape;122;g117bc05ecae_0_83:notes"/>
+          <p:cNvPr id="119" name="Google Shape;119;g117bc05ecae_0_60:notes"/>
           <p:cNvSpPr txBox="1"/>
           <p:nvPr>
             <p:ph idx="1" type="body"/>
@@ -1019,7 +1028,7 @@
   <p:cSld>
     <p:spTree>
       <p:nvGrpSpPr>
-        <p:cNvPr id="128" name="Shape 128"/>
+        <p:cNvPr id="125" name="Shape 125"/>
         <p:cNvGrpSpPr/>
         <p:nvPr/>
       </p:nvGrpSpPr>
@@ -1033,7 +1042,7 @@
       </p:grpSpPr>
       <p:sp>
         <p:nvSpPr>
-          <p:cNvPr id="129" name="Google Shape;129;g117bc05ecae_0_36:notes"/>
+          <p:cNvPr id="126" name="Google Shape;126;g117bc05ecae_0_75:notes"/>
           <p:cNvSpPr/>
           <p:nvPr>
             <p:ph idx="2" type="sldImg"/>
@@ -1068,7 +1077,7 @@
       </p:sp>
       <p:sp>
         <p:nvSpPr>
-          <p:cNvPr id="130" name="Google Shape;130;g117bc05ecae_0_36:notes"/>
+          <p:cNvPr id="127" name="Google Shape;127;g117bc05ecae_0_75:notes"/>
           <p:cNvSpPr txBox="1"/>
           <p:nvPr>
             <p:ph idx="1" type="body"/>
@@ -1118,7 +1127,7 @@
   <p:cSld>
     <p:spTree>
       <p:nvGrpSpPr>
-        <p:cNvPr id="134" name="Shape 134"/>
+        <p:cNvPr id="133" name="Shape 133"/>
         <p:cNvGrpSpPr/>
         <p:nvPr/>
       </p:nvGrpSpPr>
@@ -1132,7 +1141,7 @@
       </p:grpSpPr>
       <p:sp>
         <p:nvSpPr>
-          <p:cNvPr id="135" name="Google Shape;135;g117bc05ecae_0_51:notes"/>
+          <p:cNvPr id="134" name="Google Shape;134;g117bc05ecae_0_83:notes"/>
           <p:cNvSpPr/>
           <p:nvPr>
             <p:ph idx="2" type="sldImg"/>
@@ -1167,7 +1176,7 @@
       </p:sp>
       <p:sp>
         <p:nvSpPr>
-          <p:cNvPr id="136" name="Google Shape;136;g117bc05ecae_0_51:notes"/>
+          <p:cNvPr id="135" name="Google Shape;135;g117bc05ecae_0_83:notes"/>
           <p:cNvSpPr txBox="1"/>
           <p:nvPr>
             <p:ph idx="1" type="body"/>
@@ -1231,7 +1240,7 @@
       </p:grpSpPr>
       <p:sp>
         <p:nvSpPr>
-          <p:cNvPr id="142" name="Google Shape;142;g117bc05ecae_0_41:notes"/>
+          <p:cNvPr id="142" name="Google Shape;142;g117bc05ecae_0_36:notes"/>
           <p:cNvSpPr/>
           <p:nvPr>
             <p:ph idx="2" type="sldImg"/>
@@ -1266,7 +1275,7 @@
       </p:sp>
       <p:sp>
         <p:nvSpPr>
-          <p:cNvPr id="143" name="Google Shape;143;g117bc05ecae_0_41:notes"/>
+          <p:cNvPr id="143" name="Google Shape;143;g117bc05ecae_0_36:notes"/>
           <p:cNvSpPr txBox="1"/>
           <p:nvPr>
             <p:ph idx="1" type="body"/>
@@ -1316,7 +1325,7 @@
   <p:cSld>
     <p:spTree>
       <p:nvGrpSpPr>
-        <p:cNvPr id="149" name="Shape 149"/>
+        <p:cNvPr id="147" name="Shape 147"/>
         <p:cNvGrpSpPr/>
         <p:nvPr/>
       </p:nvGrpSpPr>
@@ -1330,7 +1339,7 @@
       </p:grpSpPr>
       <p:sp>
         <p:nvSpPr>
-          <p:cNvPr id="150" name="Google Shape;150;g117bc05ecae_0_125:notes"/>
+          <p:cNvPr id="148" name="Google Shape;148;g117bc05ecae_0_51:notes"/>
           <p:cNvSpPr/>
           <p:nvPr>
             <p:ph idx="2" type="sldImg"/>
@@ -1365,7 +1374,7 @@
       </p:sp>
       <p:sp>
         <p:nvSpPr>
-          <p:cNvPr id="151" name="Google Shape;151;g117bc05ecae_0_125:notes"/>
+          <p:cNvPr id="149" name="Google Shape;149;g117bc05ecae_0_51:notes"/>
           <p:cNvSpPr txBox="1"/>
           <p:nvPr>
             <p:ph idx="1" type="body"/>
@@ -1415,7 +1424,7 @@
   <p:cSld>
     <p:spTree>
       <p:nvGrpSpPr>
-        <p:cNvPr id="157" name="Shape 157"/>
+        <p:cNvPr id="155" name="Shape 155"/>
         <p:cNvGrpSpPr/>
         <p:nvPr/>
       </p:nvGrpSpPr>
@@ -1429,7 +1438,7 @@
       </p:grpSpPr>
       <p:sp>
         <p:nvSpPr>
-          <p:cNvPr id="158" name="Google Shape;158;g117bc05ecae_0_134:notes"/>
+          <p:cNvPr id="156" name="Google Shape;156;g117bc05ecae_0_41:notes"/>
           <p:cNvSpPr/>
           <p:nvPr>
             <p:ph idx="2" type="sldImg"/>
@@ -1464,7 +1473,7 @@
       </p:sp>
       <p:sp>
         <p:nvSpPr>
-          <p:cNvPr id="159" name="Google Shape;159;g117bc05ecae_0_134:notes"/>
+          <p:cNvPr id="157" name="Google Shape;157;g117bc05ecae_0_41:notes"/>
           <p:cNvSpPr txBox="1"/>
           <p:nvPr>
             <p:ph idx="1" type="body"/>
@@ -1528,7 +1537,7 @@
       </p:grpSpPr>
       <p:sp>
         <p:nvSpPr>
-          <p:cNvPr id="164" name="Google Shape;164;g117bc05ecae_0_139:notes"/>
+          <p:cNvPr id="164" name="Google Shape;164;g117bc05ecae_0_125:notes"/>
           <p:cNvSpPr/>
           <p:nvPr>
             <p:ph idx="2" type="sldImg"/>
@@ -1563,7 +1572,7 @@
       </p:sp>
       <p:sp>
         <p:nvSpPr>
-          <p:cNvPr id="165" name="Google Shape;165;g117bc05ecae_0_139:notes"/>
+          <p:cNvPr id="165" name="Google Shape;165;g117bc05ecae_0_125:notes"/>
           <p:cNvSpPr txBox="1"/>
           <p:nvPr>
             <p:ph idx="1" type="body"/>
@@ -1627,7 +1636,7 @@
       </p:grpSpPr>
       <p:sp>
         <p:nvSpPr>
-          <p:cNvPr id="172" name="Google Shape;172;g117bc05ecae_0_147:notes"/>
+          <p:cNvPr id="172" name="Google Shape;172;g117bc05ecae_0_134:notes"/>
           <p:cNvSpPr/>
           <p:nvPr>
             <p:ph idx="2" type="sldImg"/>
@@ -1662,7 +1671,7 @@
       </p:sp>
       <p:sp>
         <p:nvSpPr>
-          <p:cNvPr id="173" name="Google Shape;173;g117bc05ecae_0_147:notes"/>
+          <p:cNvPr id="173" name="Google Shape;173;g117bc05ecae_0_134:notes"/>
           <p:cNvSpPr txBox="1"/>
           <p:nvPr>
             <p:ph idx="1" type="body"/>
@@ -1726,7 +1735,7 @@
       </p:grpSpPr>
       <p:sp>
         <p:nvSpPr>
-          <p:cNvPr id="178" name="Google Shape;178;g117bc05ecae_0_155:notes"/>
+          <p:cNvPr id="178" name="Google Shape;178;g117bc05ecae_0_139:notes"/>
           <p:cNvSpPr/>
           <p:nvPr>
             <p:ph idx="2" type="sldImg"/>
@@ -1761,7 +1770,7 @@
       </p:sp>
       <p:sp>
         <p:nvSpPr>
-          <p:cNvPr id="179" name="Google Shape;179;g117bc05ecae_0_155:notes"/>
+          <p:cNvPr id="179" name="Google Shape;179;g117bc05ecae_0_139:notes"/>
           <p:cNvSpPr txBox="1"/>
           <p:nvPr>
             <p:ph idx="1" type="body"/>
@@ -1910,7 +1919,7 @@
   <p:cSld>
     <p:spTree>
       <p:nvGrpSpPr>
-        <p:cNvPr id="183" name="Shape 183"/>
+        <p:cNvPr id="185" name="Shape 185"/>
         <p:cNvGrpSpPr/>
         <p:nvPr/>
       </p:nvGrpSpPr>
@@ -1924,7 +1933,7 @@
       </p:grpSpPr>
       <p:sp>
         <p:nvSpPr>
-          <p:cNvPr id="184" name="Google Shape;184;g117bc05ecae_0_160:notes"/>
+          <p:cNvPr id="186" name="Google Shape;186;g117bc05ecae_0_147:notes"/>
           <p:cNvSpPr/>
           <p:nvPr>
             <p:ph idx="2" type="sldImg"/>
@@ -1959,7 +1968,7 @@
       </p:sp>
       <p:sp>
         <p:nvSpPr>
-          <p:cNvPr id="185" name="Google Shape;185;g117bc05ecae_0_160:notes"/>
+          <p:cNvPr id="187" name="Google Shape;187;g117bc05ecae_0_147:notes"/>
           <p:cNvSpPr txBox="1"/>
           <p:nvPr>
             <p:ph idx="1" type="body"/>
@@ -2009,7 +2018,7 @@
   <p:cSld>
     <p:spTree>
       <p:nvGrpSpPr>
-        <p:cNvPr id="192" name="Shape 192"/>
+        <p:cNvPr id="191" name="Shape 191"/>
         <p:cNvGrpSpPr/>
         <p:nvPr/>
       </p:nvGrpSpPr>
@@ -2023,7 +2032,7 @@
       </p:grpSpPr>
       <p:sp>
         <p:nvSpPr>
-          <p:cNvPr id="193" name="Google Shape;193;g117bc05ecae_0_170:notes"/>
+          <p:cNvPr id="192" name="Google Shape;192;g117bc05ecae_0_155:notes"/>
           <p:cNvSpPr/>
           <p:nvPr>
             <p:ph idx="2" type="sldImg"/>
@@ -2058,7 +2067,7 @@
       </p:sp>
       <p:sp>
         <p:nvSpPr>
-          <p:cNvPr id="194" name="Google Shape;194;g117bc05ecae_0_170:notes"/>
+          <p:cNvPr id="193" name="Google Shape;193;g117bc05ecae_0_155:notes"/>
           <p:cNvSpPr txBox="1"/>
           <p:nvPr>
             <p:ph idx="1" type="body"/>
@@ -2108,7 +2117,7 @@
   <p:cSld>
     <p:spTree>
       <p:nvGrpSpPr>
-        <p:cNvPr id="200" name="Shape 200"/>
+        <p:cNvPr id="197" name="Shape 197"/>
         <p:cNvGrpSpPr/>
         <p:nvPr/>
       </p:nvGrpSpPr>
@@ -2122,7 +2131,7 @@
       </p:grpSpPr>
       <p:sp>
         <p:nvSpPr>
-          <p:cNvPr id="201" name="Google Shape;201;g117bc05ecae_0_46:notes"/>
+          <p:cNvPr id="198" name="Google Shape;198;g117bc05ecae_0_160:notes"/>
           <p:cNvSpPr/>
           <p:nvPr>
             <p:ph idx="2" type="sldImg"/>
@@ -2157,7 +2166,7 @@
       </p:sp>
       <p:sp>
         <p:nvSpPr>
-          <p:cNvPr id="202" name="Google Shape;202;g117bc05ecae_0_46:notes"/>
+          <p:cNvPr id="199" name="Google Shape;199;g117bc05ecae_0_160:notes"/>
           <p:cNvSpPr txBox="1"/>
           <p:nvPr>
             <p:ph idx="1" type="body"/>
@@ -2207,7 +2216,7 @@
   <p:cSld>
     <p:spTree>
       <p:nvGrpSpPr>
-        <p:cNvPr id="206" name="Shape 206"/>
+        <p:cNvPr id="207" name="Shape 207"/>
         <p:cNvGrpSpPr/>
         <p:nvPr/>
       </p:nvGrpSpPr>
@@ -2221,7 +2230,7 @@
       </p:grpSpPr>
       <p:sp>
         <p:nvSpPr>
-          <p:cNvPr id="207" name="Google Shape;207;g117bc05ecae_0_180:notes"/>
+          <p:cNvPr id="208" name="Google Shape;208;g117bc05ecae_0_170:notes"/>
           <p:cNvSpPr/>
           <p:nvPr>
             <p:ph idx="2" type="sldImg"/>
@@ -2256,7 +2265,7 @@
       </p:sp>
       <p:sp>
         <p:nvSpPr>
-          <p:cNvPr id="208" name="Google Shape;208;g117bc05ecae_0_180:notes"/>
+          <p:cNvPr id="209" name="Google Shape;209;g117bc05ecae_0_170:notes"/>
           <p:cNvSpPr txBox="1"/>
           <p:nvPr>
             <p:ph idx="1" type="body"/>
@@ -2301,12 +2310,12 @@
 </p:notes>
 </file>
 
-<file path=ppt/notesSlides/notesSlide3.xml><?xml version="1.0" encoding="utf-8"?>
+<file path=ppt/notesSlides/notesSlide24.xml><?xml version="1.0" encoding="utf-8"?>
 <p:notes xmlns:a="http://schemas.openxmlformats.org/drawingml/2006/main" xmlns:r="http://schemas.openxmlformats.org/officeDocument/2006/relationships" xmlns:mc="http://schemas.openxmlformats.org/markup-compatibility/2006" xmlns:mv="urn:schemas-microsoft-com:mac:vml" xmlns:p="http://schemas.openxmlformats.org/presentationml/2006/main" xmlns:c="http://schemas.openxmlformats.org/drawingml/2006/chart" xmlns:dgm="http://schemas.openxmlformats.org/drawingml/2006/diagram" xmlns:o="urn:schemas-microsoft-com:office:office" xmlns:v="urn:schemas-microsoft-com:vml" xmlns:pvml="urn:schemas-microsoft-com:office:powerpoint" xmlns:com="http://schemas.openxmlformats.org/drawingml/2006/compatibility" xmlns:p14="http://schemas.microsoft.com/office/powerpoint/2010/main" xmlns:p15="http://schemas.microsoft.com/office/powerpoint/2012/main" xmlns:ahyp="http://schemas.microsoft.com/office/drawing/2018/hyperlinkcolor" showMasterPhAnim="0" showMasterSp="0">
   <p:cSld>
     <p:spTree>
       <p:nvGrpSpPr>
-        <p:cNvPr id="63" name="Shape 63"/>
+        <p:cNvPr id="219" name="Shape 219"/>
         <p:cNvGrpSpPr/>
         <p:nvPr/>
       </p:nvGrpSpPr>
@@ -2320,7 +2329,7 @@
       </p:grpSpPr>
       <p:sp>
         <p:nvSpPr>
-          <p:cNvPr id="64" name="Google Shape;64;g117bc05ecae_0_21:notes"/>
+          <p:cNvPr id="220" name="Google Shape;220;g117bc05ecae_0_46:notes"/>
           <p:cNvSpPr/>
           <p:nvPr>
             <p:ph idx="2" type="sldImg"/>
@@ -2355,7 +2364,7 @@
       </p:sp>
       <p:sp>
         <p:nvSpPr>
-          <p:cNvPr id="65" name="Google Shape;65;g117bc05ecae_0_21:notes"/>
+          <p:cNvPr id="221" name="Google Shape;221;g117bc05ecae_0_46:notes"/>
           <p:cNvSpPr txBox="1"/>
           <p:nvPr>
             <p:ph idx="1" type="body"/>
@@ -2400,12 +2409,12 @@
 </p:notes>
 </file>
 
-<file path=ppt/notesSlides/notesSlide4.xml><?xml version="1.0" encoding="utf-8"?>
+<file path=ppt/notesSlides/notesSlide25.xml><?xml version="1.0" encoding="utf-8"?>
 <p:notes xmlns:a="http://schemas.openxmlformats.org/drawingml/2006/main" xmlns:r="http://schemas.openxmlformats.org/officeDocument/2006/relationships" xmlns:mc="http://schemas.openxmlformats.org/markup-compatibility/2006" xmlns:mv="urn:schemas-microsoft-com:mac:vml" xmlns:p="http://schemas.openxmlformats.org/presentationml/2006/main" xmlns:c="http://schemas.openxmlformats.org/drawingml/2006/chart" xmlns:dgm="http://schemas.openxmlformats.org/drawingml/2006/diagram" xmlns:o="urn:schemas-microsoft-com:office:office" xmlns:v="urn:schemas-microsoft-com:vml" xmlns:pvml="urn:schemas-microsoft-com:office:powerpoint" xmlns:com="http://schemas.openxmlformats.org/drawingml/2006/compatibility" xmlns:p14="http://schemas.microsoft.com/office/powerpoint/2010/main" xmlns:p15="http://schemas.microsoft.com/office/powerpoint/2012/main" xmlns:ahyp="http://schemas.microsoft.com/office/drawing/2018/hyperlinkcolor" showMasterPhAnim="0" showMasterSp="0">
   <p:cSld>
     <p:spTree>
       <p:nvGrpSpPr>
-        <p:cNvPr id="70" name="Shape 70"/>
+        <p:cNvPr id="225" name="Shape 225"/>
         <p:cNvGrpSpPr/>
         <p:nvPr/>
       </p:nvGrpSpPr>
@@ -2419,7 +2428,7 @@
       </p:grpSpPr>
       <p:sp>
         <p:nvSpPr>
-          <p:cNvPr id="71" name="Google Shape;71;g117bc05ecae_0_95:notes"/>
+          <p:cNvPr id="226" name="Google Shape;226;g117bc05ecae_0_180:notes"/>
           <p:cNvSpPr/>
           <p:nvPr>
             <p:ph idx="2" type="sldImg"/>
@@ -2454,7 +2463,7 @@
       </p:sp>
       <p:sp>
         <p:nvSpPr>
-          <p:cNvPr id="72" name="Google Shape;72;g117bc05ecae_0_95:notes"/>
+          <p:cNvPr id="227" name="Google Shape;227;g117bc05ecae_0_180:notes"/>
           <p:cNvSpPr txBox="1"/>
           <p:nvPr>
             <p:ph idx="1" type="body"/>
@@ -2499,12 +2508,12 @@
 </p:notes>
 </file>
 
-<file path=ppt/notesSlides/notesSlide5.xml><?xml version="1.0" encoding="utf-8"?>
+<file path=ppt/notesSlides/notesSlide3.xml><?xml version="1.0" encoding="utf-8"?>
 <p:notes xmlns:a="http://schemas.openxmlformats.org/drawingml/2006/main" xmlns:r="http://schemas.openxmlformats.org/officeDocument/2006/relationships" xmlns:mc="http://schemas.openxmlformats.org/markup-compatibility/2006" xmlns:mv="urn:schemas-microsoft-com:mac:vml" xmlns:p="http://schemas.openxmlformats.org/presentationml/2006/main" xmlns:c="http://schemas.openxmlformats.org/drawingml/2006/chart" xmlns:dgm="http://schemas.openxmlformats.org/drawingml/2006/diagram" xmlns:o="urn:schemas-microsoft-com:office:office" xmlns:v="urn:schemas-microsoft-com:vml" xmlns:pvml="urn:schemas-microsoft-com:office:powerpoint" xmlns:com="http://schemas.openxmlformats.org/drawingml/2006/compatibility" xmlns:p14="http://schemas.microsoft.com/office/powerpoint/2010/main" xmlns:p15="http://schemas.microsoft.com/office/powerpoint/2012/main" xmlns:ahyp="http://schemas.microsoft.com/office/drawing/2018/hyperlinkcolor" showMasterPhAnim="0" showMasterSp="0">
   <p:cSld>
     <p:spTree>
       <p:nvGrpSpPr>
-        <p:cNvPr id="77" name="Shape 77"/>
+        <p:cNvPr id="63" name="Shape 63"/>
         <p:cNvGrpSpPr/>
         <p:nvPr/>
       </p:nvGrpSpPr>
@@ -2518,7 +2527,7 @@
       </p:grpSpPr>
       <p:sp>
         <p:nvSpPr>
-          <p:cNvPr id="78" name="Google Shape;78;g117bc05ecae_0_4:notes"/>
+          <p:cNvPr id="64" name="Google Shape;64;g11413fe09f6_0_103:notes"/>
           <p:cNvSpPr/>
           <p:nvPr>
             <p:ph idx="2" type="sldImg"/>
@@ -2553,7 +2562,7 @@
       </p:sp>
       <p:sp>
         <p:nvSpPr>
-          <p:cNvPr id="79" name="Google Shape;79;g117bc05ecae_0_4:notes"/>
+          <p:cNvPr id="65" name="Google Shape;65;g11413fe09f6_0_103:notes"/>
           <p:cNvSpPr txBox="1"/>
           <p:nvPr>
             <p:ph idx="1" type="body"/>
@@ -2598,12 +2607,12 @@
 </p:notes>
 </file>
 
-<file path=ppt/notesSlides/notesSlide6.xml><?xml version="1.0" encoding="utf-8"?>
+<file path=ppt/notesSlides/notesSlide4.xml><?xml version="1.0" encoding="utf-8"?>
 <p:notes xmlns:a="http://schemas.openxmlformats.org/drawingml/2006/main" xmlns:r="http://schemas.openxmlformats.org/officeDocument/2006/relationships" xmlns:mc="http://schemas.openxmlformats.org/markup-compatibility/2006" xmlns:mv="urn:schemas-microsoft-com:mac:vml" xmlns:p="http://schemas.openxmlformats.org/presentationml/2006/main" xmlns:c="http://schemas.openxmlformats.org/drawingml/2006/chart" xmlns:dgm="http://schemas.openxmlformats.org/drawingml/2006/diagram" xmlns:o="urn:schemas-microsoft-com:office:office" xmlns:v="urn:schemas-microsoft-com:vml" xmlns:pvml="urn:schemas-microsoft-com:office:powerpoint" xmlns:com="http://schemas.openxmlformats.org/drawingml/2006/compatibility" xmlns:p14="http://schemas.microsoft.com/office/powerpoint/2010/main" xmlns:p15="http://schemas.microsoft.com/office/powerpoint/2012/main" xmlns:ahyp="http://schemas.microsoft.com/office/drawing/2018/hyperlinkcolor" showMasterPhAnim="0" showMasterSp="0">
   <p:cSld>
     <p:spTree>
       <p:nvGrpSpPr>
-        <p:cNvPr id="84" name="Shape 84"/>
+        <p:cNvPr id="69" name="Shape 69"/>
         <p:cNvGrpSpPr/>
         <p:nvPr/>
       </p:nvGrpSpPr>
@@ -2617,7 +2626,7 @@
       </p:grpSpPr>
       <p:sp>
         <p:nvSpPr>
-          <p:cNvPr id="85" name="Google Shape;85;g117bc05ecae_0_101:notes"/>
+          <p:cNvPr id="70" name="Google Shape;70;g117bc05ecae_0_21:notes"/>
           <p:cNvSpPr/>
           <p:nvPr>
             <p:ph idx="2" type="sldImg"/>
@@ -2652,7 +2661,7 @@
       </p:sp>
       <p:sp>
         <p:nvSpPr>
-          <p:cNvPr id="86" name="Google Shape;86;g117bc05ecae_0_101:notes"/>
+          <p:cNvPr id="71" name="Google Shape;71;g117bc05ecae_0_21:notes"/>
           <p:cNvSpPr txBox="1"/>
           <p:nvPr>
             <p:ph idx="1" type="body"/>
@@ -2697,12 +2706,12 @@
 </p:notes>
 </file>
 
-<file path=ppt/notesSlides/notesSlide7.xml><?xml version="1.0" encoding="utf-8"?>
+<file path=ppt/notesSlides/notesSlide5.xml><?xml version="1.0" encoding="utf-8"?>
 <p:notes xmlns:a="http://schemas.openxmlformats.org/drawingml/2006/main" xmlns:r="http://schemas.openxmlformats.org/officeDocument/2006/relationships" xmlns:mc="http://schemas.openxmlformats.org/markup-compatibility/2006" xmlns:mv="urn:schemas-microsoft-com:mac:vml" xmlns:p="http://schemas.openxmlformats.org/presentationml/2006/main" xmlns:c="http://schemas.openxmlformats.org/drawingml/2006/chart" xmlns:dgm="http://schemas.openxmlformats.org/drawingml/2006/diagram" xmlns:o="urn:schemas-microsoft-com:office:office" xmlns:v="urn:schemas-microsoft-com:vml" xmlns:pvml="urn:schemas-microsoft-com:office:powerpoint" xmlns:com="http://schemas.openxmlformats.org/drawingml/2006/compatibility" xmlns:p14="http://schemas.microsoft.com/office/powerpoint/2010/main" xmlns:p15="http://schemas.microsoft.com/office/powerpoint/2012/main" xmlns:ahyp="http://schemas.microsoft.com/office/drawing/2018/hyperlinkcolor" showMasterPhAnim="0" showMasterSp="0">
   <p:cSld>
     <p:spTree>
       <p:nvGrpSpPr>
-        <p:cNvPr id="91" name="Shape 91"/>
+        <p:cNvPr id="76" name="Shape 76"/>
         <p:cNvGrpSpPr/>
         <p:nvPr/>
       </p:nvGrpSpPr>
@@ -2716,7 +2725,7 @@
       </p:grpSpPr>
       <p:sp>
         <p:nvSpPr>
-          <p:cNvPr id="92" name="Google Shape;92;g117bc05ecae_0_116:notes"/>
+          <p:cNvPr id="77" name="Google Shape;77;g11413fe09f6_0_110:notes"/>
           <p:cNvSpPr/>
           <p:nvPr>
             <p:ph idx="2" type="sldImg"/>
@@ -2751,7 +2760,7 @@
       </p:sp>
       <p:sp>
         <p:nvSpPr>
-          <p:cNvPr id="93" name="Google Shape;93;g117bc05ecae_0_116:notes"/>
+          <p:cNvPr id="78" name="Google Shape;78;g11413fe09f6_0_110:notes"/>
           <p:cNvSpPr txBox="1"/>
           <p:nvPr>
             <p:ph idx="1" type="body"/>
@@ -2796,12 +2805,12 @@
 </p:notes>
 </file>
 
-<file path=ppt/notesSlides/notesSlide8.xml><?xml version="1.0" encoding="utf-8"?>
+<file path=ppt/notesSlides/notesSlide6.xml><?xml version="1.0" encoding="utf-8"?>
 <p:notes xmlns:a="http://schemas.openxmlformats.org/drawingml/2006/main" xmlns:r="http://schemas.openxmlformats.org/officeDocument/2006/relationships" xmlns:mc="http://schemas.openxmlformats.org/markup-compatibility/2006" xmlns:mv="urn:schemas-microsoft-com:mac:vml" xmlns:p="http://schemas.openxmlformats.org/presentationml/2006/main" xmlns:c="http://schemas.openxmlformats.org/drawingml/2006/chart" xmlns:dgm="http://schemas.openxmlformats.org/drawingml/2006/diagram" xmlns:o="urn:schemas-microsoft-com:office:office" xmlns:v="urn:schemas-microsoft-com:vml" xmlns:pvml="urn:schemas-microsoft-com:office:powerpoint" xmlns:com="http://schemas.openxmlformats.org/drawingml/2006/compatibility" xmlns:p14="http://schemas.microsoft.com/office/powerpoint/2010/main" xmlns:p15="http://schemas.microsoft.com/office/powerpoint/2012/main" xmlns:ahyp="http://schemas.microsoft.com/office/drawing/2018/hyperlinkcolor" showMasterPhAnim="0" showMasterSp="0">
   <p:cSld>
     <p:spTree>
       <p:nvGrpSpPr>
-        <p:cNvPr id="97" name="Shape 97"/>
+        <p:cNvPr id="83" name="Shape 83"/>
         <p:cNvGrpSpPr/>
         <p:nvPr/>
       </p:nvGrpSpPr>
@@ -2815,7 +2824,7 @@
       </p:grpSpPr>
       <p:sp>
         <p:nvSpPr>
-          <p:cNvPr id="98" name="Google Shape;98;g117bc05ecae_0_31:notes"/>
+          <p:cNvPr id="84" name="Google Shape;84;g117bc05ecae_0_95:notes"/>
           <p:cNvSpPr/>
           <p:nvPr>
             <p:ph idx="2" type="sldImg"/>
@@ -2850,7 +2859,7 @@
       </p:sp>
       <p:sp>
         <p:nvSpPr>
-          <p:cNvPr id="99" name="Google Shape;99;g117bc05ecae_0_31:notes"/>
+          <p:cNvPr id="85" name="Google Shape;85;g117bc05ecae_0_95:notes"/>
           <p:cNvSpPr txBox="1"/>
           <p:nvPr>
             <p:ph idx="1" type="body"/>
@@ -2895,12 +2904,12 @@
 </p:notes>
 </file>
 
-<file path=ppt/notesSlides/notesSlide9.xml><?xml version="1.0" encoding="utf-8"?>
+<file path=ppt/notesSlides/notesSlide7.xml><?xml version="1.0" encoding="utf-8"?>
 <p:notes xmlns:a="http://schemas.openxmlformats.org/drawingml/2006/main" xmlns:r="http://schemas.openxmlformats.org/officeDocument/2006/relationships" xmlns:mc="http://schemas.openxmlformats.org/markup-compatibility/2006" xmlns:mv="urn:schemas-microsoft-com:mac:vml" xmlns:p="http://schemas.openxmlformats.org/presentationml/2006/main" xmlns:c="http://schemas.openxmlformats.org/drawingml/2006/chart" xmlns:dgm="http://schemas.openxmlformats.org/drawingml/2006/diagram" xmlns:o="urn:schemas-microsoft-com:office:office" xmlns:v="urn:schemas-microsoft-com:vml" xmlns:pvml="urn:schemas-microsoft-com:office:powerpoint" xmlns:com="http://schemas.openxmlformats.org/drawingml/2006/compatibility" xmlns:p14="http://schemas.microsoft.com/office/powerpoint/2010/main" xmlns:p15="http://schemas.microsoft.com/office/powerpoint/2012/main" xmlns:ahyp="http://schemas.microsoft.com/office/drawing/2018/hyperlinkcolor" showMasterPhAnim="0" showMasterSp="0">
   <p:cSld>
     <p:spTree>
       <p:nvGrpSpPr>
-        <p:cNvPr id="104" name="Shape 104"/>
+        <p:cNvPr id="90" name="Shape 90"/>
         <p:cNvGrpSpPr/>
         <p:nvPr/>
       </p:nvGrpSpPr>
@@ -2914,7 +2923,7 @@
       </p:grpSpPr>
       <p:sp>
         <p:nvSpPr>
-          <p:cNvPr id="105" name="Google Shape;105;g117bc05ecae_0_60:notes"/>
+          <p:cNvPr id="91" name="Google Shape;91;g117bc05ecae_0_4:notes"/>
           <p:cNvSpPr/>
           <p:nvPr>
             <p:ph idx="2" type="sldImg"/>
@@ -2949,7 +2958,205 @@
       </p:sp>
       <p:sp>
         <p:nvSpPr>
-          <p:cNvPr id="106" name="Google Shape;106;g117bc05ecae_0_60:notes"/>
+          <p:cNvPr id="92" name="Google Shape;92;g117bc05ecae_0_4:notes"/>
+          <p:cNvSpPr txBox="1"/>
+          <p:nvPr>
+            <p:ph idx="1" type="body"/>
+          </p:nvPr>
+        </p:nvSpPr>
+        <p:spPr>
+          <a:xfrm>
+            <a:off x="685800" y="4343400"/>
+            <a:ext cx="5486400" cy="4114800"/>
+          </a:xfrm>
+          <a:prstGeom prst="rect">
+            <a:avLst/>
+          </a:prstGeom>
+        </p:spPr>
+        <p:txBody>
+          <a:bodyPr anchorCtr="0" anchor="t" bIns="91425" lIns="91425" spcFirstLastPara="1" rIns="91425" wrap="square" tIns="91425">
+            <a:noAutofit/>
+          </a:bodyPr>
+          <a:lstStyle/>
+          <a:p>
+            <a:pPr indent="0" lvl="0" marL="0" rtl="0" algn="l">
+              <a:spcBef>
+                <a:spcPts val="0"/>
+              </a:spcBef>
+              <a:spcAft>
+                <a:spcPts val="0"/>
+              </a:spcAft>
+              <a:buNone/>
+            </a:pPr>
+            <a:r>
+              <a:t/>
+            </a:r>
+            <a:endParaRPr/>
+          </a:p>
+        </p:txBody>
+      </p:sp>
+    </p:spTree>
+  </p:cSld>
+  <p:clrMapOvr>
+    <a:masterClrMapping/>
+  </p:clrMapOvr>
+</p:notes>
+</file>
+
+<file path=ppt/notesSlides/notesSlide8.xml><?xml version="1.0" encoding="utf-8"?>
+<p:notes xmlns:a="http://schemas.openxmlformats.org/drawingml/2006/main" xmlns:r="http://schemas.openxmlformats.org/officeDocument/2006/relationships" xmlns:mc="http://schemas.openxmlformats.org/markup-compatibility/2006" xmlns:mv="urn:schemas-microsoft-com:mac:vml" xmlns:p="http://schemas.openxmlformats.org/presentationml/2006/main" xmlns:c="http://schemas.openxmlformats.org/drawingml/2006/chart" xmlns:dgm="http://schemas.openxmlformats.org/drawingml/2006/diagram" xmlns:o="urn:schemas-microsoft-com:office:office" xmlns:v="urn:schemas-microsoft-com:vml" xmlns:pvml="urn:schemas-microsoft-com:office:powerpoint" xmlns:com="http://schemas.openxmlformats.org/drawingml/2006/compatibility" xmlns:p14="http://schemas.microsoft.com/office/powerpoint/2010/main" xmlns:p15="http://schemas.microsoft.com/office/powerpoint/2012/main" xmlns:ahyp="http://schemas.microsoft.com/office/drawing/2018/hyperlinkcolor" showMasterPhAnim="0" showMasterSp="0">
+  <p:cSld>
+    <p:spTree>
+      <p:nvGrpSpPr>
+        <p:cNvPr id="97" name="Shape 97"/>
+        <p:cNvGrpSpPr/>
+        <p:nvPr/>
+      </p:nvGrpSpPr>
+      <p:grpSpPr>
+        <a:xfrm>
+          <a:off x="0" y="0"/>
+          <a:ext cx="0" cy="0"/>
+          <a:chOff x="0" y="0"/>
+          <a:chExt cx="0" cy="0"/>
+        </a:xfrm>
+      </p:grpSpPr>
+      <p:sp>
+        <p:nvSpPr>
+          <p:cNvPr id="98" name="Google Shape;98;g117bc05ecae_0_101:notes"/>
+          <p:cNvSpPr/>
+          <p:nvPr>
+            <p:ph idx="2" type="sldImg"/>
+          </p:nvPr>
+        </p:nvSpPr>
+        <p:spPr>
+          <a:xfrm>
+            <a:off x="381300" y="685800"/>
+            <a:ext cx="6096000" cy="3429000"/>
+          </a:xfrm>
+          <a:custGeom>
+            <a:rect b="b" l="l" r="r" t="t"/>
+            <a:pathLst>
+              <a:path extrusionOk="0" h="120000" w="120000">
+                <a:moveTo>
+                  <a:pt x="0" y="0"/>
+                </a:moveTo>
+                <a:lnTo>
+                  <a:pt x="120000" y="0"/>
+                </a:lnTo>
+                <a:lnTo>
+                  <a:pt x="120000" y="120000"/>
+                </a:lnTo>
+                <a:lnTo>
+                  <a:pt x="0" y="120000"/>
+                </a:lnTo>
+                <a:close/>
+              </a:path>
+            </a:pathLst>
+          </a:custGeom>
+        </p:spPr>
+      </p:sp>
+      <p:sp>
+        <p:nvSpPr>
+          <p:cNvPr id="99" name="Google Shape;99;g117bc05ecae_0_101:notes"/>
+          <p:cNvSpPr txBox="1"/>
+          <p:nvPr>
+            <p:ph idx="1" type="body"/>
+          </p:nvPr>
+        </p:nvSpPr>
+        <p:spPr>
+          <a:xfrm>
+            <a:off x="685800" y="4343400"/>
+            <a:ext cx="5486400" cy="4114800"/>
+          </a:xfrm>
+          <a:prstGeom prst="rect">
+            <a:avLst/>
+          </a:prstGeom>
+        </p:spPr>
+        <p:txBody>
+          <a:bodyPr anchorCtr="0" anchor="t" bIns="91425" lIns="91425" spcFirstLastPara="1" rIns="91425" wrap="square" tIns="91425">
+            <a:noAutofit/>
+          </a:bodyPr>
+          <a:lstStyle/>
+          <a:p>
+            <a:pPr indent="0" lvl="0" marL="0" rtl="0" algn="l">
+              <a:spcBef>
+                <a:spcPts val="0"/>
+              </a:spcBef>
+              <a:spcAft>
+                <a:spcPts val="0"/>
+              </a:spcAft>
+              <a:buNone/>
+            </a:pPr>
+            <a:r>
+              <a:t/>
+            </a:r>
+            <a:endParaRPr/>
+          </a:p>
+        </p:txBody>
+      </p:sp>
+    </p:spTree>
+  </p:cSld>
+  <p:clrMapOvr>
+    <a:masterClrMapping/>
+  </p:clrMapOvr>
+</p:notes>
+</file>
+
+<file path=ppt/notesSlides/notesSlide9.xml><?xml version="1.0" encoding="utf-8"?>
+<p:notes xmlns:a="http://schemas.openxmlformats.org/drawingml/2006/main" xmlns:r="http://schemas.openxmlformats.org/officeDocument/2006/relationships" xmlns:mc="http://schemas.openxmlformats.org/markup-compatibility/2006" xmlns:mv="urn:schemas-microsoft-com:mac:vml" xmlns:p="http://schemas.openxmlformats.org/presentationml/2006/main" xmlns:c="http://schemas.openxmlformats.org/drawingml/2006/chart" xmlns:dgm="http://schemas.openxmlformats.org/drawingml/2006/diagram" xmlns:o="urn:schemas-microsoft-com:office:office" xmlns:v="urn:schemas-microsoft-com:vml" xmlns:pvml="urn:schemas-microsoft-com:office:powerpoint" xmlns:com="http://schemas.openxmlformats.org/drawingml/2006/compatibility" xmlns:p14="http://schemas.microsoft.com/office/powerpoint/2010/main" xmlns:p15="http://schemas.microsoft.com/office/powerpoint/2012/main" xmlns:ahyp="http://schemas.microsoft.com/office/drawing/2018/hyperlinkcolor" showMasterPhAnim="0" showMasterSp="0">
+  <p:cSld>
+    <p:spTree>
+      <p:nvGrpSpPr>
+        <p:cNvPr id="104" name="Shape 104"/>
+        <p:cNvGrpSpPr/>
+        <p:nvPr/>
+      </p:nvGrpSpPr>
+      <p:grpSpPr>
+        <a:xfrm>
+          <a:off x="0" y="0"/>
+          <a:ext cx="0" cy="0"/>
+          <a:chOff x="0" y="0"/>
+          <a:chExt cx="0" cy="0"/>
+        </a:xfrm>
+      </p:grpSpPr>
+      <p:sp>
+        <p:nvSpPr>
+          <p:cNvPr id="105" name="Google Shape;105;g117bc05ecae_0_116:notes"/>
+          <p:cNvSpPr/>
+          <p:nvPr>
+            <p:ph idx="2" type="sldImg"/>
+          </p:nvPr>
+        </p:nvSpPr>
+        <p:spPr>
+          <a:xfrm>
+            <a:off x="381300" y="685800"/>
+            <a:ext cx="6096000" cy="3429000"/>
+          </a:xfrm>
+          <a:custGeom>
+            <a:rect b="b" l="l" r="r" t="t"/>
+            <a:pathLst>
+              <a:path extrusionOk="0" h="120000" w="120000">
+                <a:moveTo>
+                  <a:pt x="0" y="0"/>
+                </a:moveTo>
+                <a:lnTo>
+                  <a:pt x="120000" y="0"/>
+                </a:lnTo>
+                <a:lnTo>
+                  <a:pt x="120000" y="120000"/>
+                </a:lnTo>
+                <a:lnTo>
+                  <a:pt x="0" y="120000"/>
+                </a:lnTo>
+                <a:close/>
+              </a:path>
+            </a:pathLst>
+          </a:custGeom>
+        </p:spPr>
+      </p:sp>
+      <p:sp>
+        <p:nvSpPr>
+          <p:cNvPr id="106" name="Google Shape;106;g117bc05ecae_0_116:notes"/>
           <p:cNvSpPr txBox="1"/>
           <p:nvPr>
             <p:ph idx="1" type="body"/>
@@ -7668,7 +7875,7 @@
         </p:nvPicPr>
         <p:blipFill>
           <a:blip r:embed="rId3">
-            <a:alphaModFix amt="50000"/>
+            <a:alphaModFix amt="30000"/>
           </a:blip>
           <a:stretch>
             <a:fillRect/>
@@ -7849,7 +8056,7 @@
   <p:cSld>
     <p:spTree>
       <p:nvGrpSpPr>
-        <p:cNvPr id="115" name="Shape 115"/>
+        <p:cNvPr id="113" name="Shape 113"/>
         <p:cNvGrpSpPr/>
         <p:nvPr/>
       </p:nvGrpSpPr>
@@ -7863,13 +8070,13 @@
       </p:grpSpPr>
       <p:pic>
         <p:nvPicPr>
-          <p:cNvPr id="116" name="Google Shape;116;p22"/>
+          <p:cNvPr id="114" name="Google Shape;114;p22"/>
           <p:cNvPicPr preferRelativeResize="0"/>
           <p:nvPr/>
         </p:nvPicPr>
         <p:blipFill>
           <a:blip r:embed="rId3">
-            <a:alphaModFix amt="30000"/>
+            <a:alphaModFix amt="20000"/>
           </a:blip>
           <a:stretch>
             <a:fillRect/>
@@ -7891,7 +8098,603 @@
       </p:pic>
       <p:sp>
         <p:nvSpPr>
-          <p:cNvPr id="117" name="Google Shape;117;p22"/>
+          <p:cNvPr id="115" name="Google Shape;115;p22"/>
+          <p:cNvSpPr txBox="1"/>
+          <p:nvPr/>
+        </p:nvSpPr>
+        <p:spPr>
+          <a:xfrm>
+            <a:off x="71275" y="154300"/>
+            <a:ext cx="8419500" cy="4637400"/>
+          </a:xfrm>
+          <a:prstGeom prst="rect">
+            <a:avLst/>
+          </a:prstGeom>
+          <a:noFill/>
+          <a:ln>
+            <a:noFill/>
+          </a:ln>
+        </p:spPr>
+        <p:txBody>
+          <a:bodyPr anchorCtr="0" anchor="t" bIns="91425" lIns="91425" spcFirstLastPara="1" rIns="91425" wrap="square" tIns="91425">
+            <a:normAutofit/>
+          </a:bodyPr>
+          <a:lstStyle/>
+          <a:p>
+            <a:pPr indent="0" lvl="0" marL="0" rtl="0" algn="l">
+              <a:spcBef>
+                <a:spcPts val="0"/>
+              </a:spcBef>
+              <a:spcAft>
+                <a:spcPts val="0"/>
+              </a:spcAft>
+              <a:buNone/>
+            </a:pPr>
+            <a:r>
+              <a:rPr lang="en" sz="3200">
+                <a:solidFill>
+                  <a:srgbClr val="002F4A"/>
+                </a:solidFill>
+                <a:latin typeface="Merriweather"/>
+                <a:ea typeface="Merriweather"/>
+                <a:cs typeface="Merriweather"/>
+                <a:sym typeface="Merriweather"/>
+              </a:rPr>
+              <a:t>Data Cleaning and EDA</a:t>
+            </a:r>
+            <a:endParaRPr sz="3200">
+              <a:solidFill>
+                <a:srgbClr val="002F4A"/>
+              </a:solidFill>
+              <a:latin typeface="Merriweather"/>
+              <a:ea typeface="Merriweather"/>
+              <a:cs typeface="Merriweather"/>
+              <a:sym typeface="Merriweather"/>
+            </a:endParaRPr>
+          </a:p>
+          <a:p>
+            <a:pPr indent="0" lvl="0" marL="0" rtl="0" algn="l">
+              <a:spcBef>
+                <a:spcPts val="0"/>
+              </a:spcBef>
+              <a:spcAft>
+                <a:spcPts val="0"/>
+              </a:spcAft>
+              <a:buNone/>
+            </a:pPr>
+            <a:r>
+              <a:t/>
+            </a:r>
+            <a:endParaRPr sz="2100">
+              <a:solidFill>
+                <a:srgbClr val="002F4A"/>
+              </a:solidFill>
+              <a:latin typeface="Merriweather"/>
+              <a:ea typeface="Merriweather"/>
+              <a:cs typeface="Merriweather"/>
+              <a:sym typeface="Merriweather"/>
+            </a:endParaRPr>
+          </a:p>
+          <a:p>
+            <a:pPr indent="0" lvl="0" marL="0" rtl="0" algn="l">
+              <a:spcBef>
+                <a:spcPts val="0"/>
+              </a:spcBef>
+              <a:spcAft>
+                <a:spcPts val="0"/>
+              </a:spcAft>
+              <a:buNone/>
+            </a:pPr>
+            <a:r>
+              <a:rPr lang="en" sz="2100">
+                <a:solidFill>
+                  <a:srgbClr val="002F4A"/>
+                </a:solidFill>
+                <a:latin typeface="Merriweather"/>
+                <a:ea typeface="Merriweather"/>
+                <a:cs typeface="Merriweather"/>
+                <a:sym typeface="Merriweather"/>
+              </a:rPr>
+              <a:t>Datasets: anime (12,294 rows x 7 cols) - to year 2018</a:t>
+            </a:r>
+            <a:endParaRPr sz="2100">
+              <a:solidFill>
+                <a:srgbClr val="002F4A"/>
+              </a:solidFill>
+              <a:latin typeface="Merriweather"/>
+              <a:ea typeface="Merriweather"/>
+              <a:cs typeface="Merriweather"/>
+              <a:sym typeface="Merriweather"/>
+            </a:endParaRPr>
+          </a:p>
+          <a:p>
+            <a:pPr indent="0" lvl="0" marL="0" rtl="0" algn="l">
+              <a:spcBef>
+                <a:spcPts val="0"/>
+              </a:spcBef>
+              <a:spcAft>
+                <a:spcPts val="0"/>
+              </a:spcAft>
+              <a:buNone/>
+            </a:pPr>
+            <a:r>
+              <a:rPr lang="en" sz="2100">
+                <a:solidFill>
+                  <a:srgbClr val="002F4A"/>
+                </a:solidFill>
+                <a:latin typeface="Merriweather"/>
+                <a:ea typeface="Merriweather"/>
+                <a:cs typeface="Merriweather"/>
+                <a:sym typeface="Merriweather"/>
+              </a:rPr>
+              <a:t>		      synopsis (16,214 rows x 5 cols)</a:t>
+            </a:r>
+            <a:endParaRPr sz="2100">
+              <a:solidFill>
+                <a:srgbClr val="002F4A"/>
+              </a:solidFill>
+              <a:latin typeface="Merriweather"/>
+              <a:ea typeface="Merriweather"/>
+              <a:cs typeface="Merriweather"/>
+              <a:sym typeface="Merriweather"/>
+            </a:endParaRPr>
+          </a:p>
+          <a:p>
+            <a:pPr indent="0" lvl="0" marL="0" rtl="0" algn="l">
+              <a:spcBef>
+                <a:spcPts val="0"/>
+              </a:spcBef>
+              <a:spcAft>
+                <a:spcPts val="0"/>
+              </a:spcAft>
+              <a:buNone/>
+            </a:pPr>
+            <a:r>
+              <a:rPr lang="en" sz="2100">
+                <a:solidFill>
+                  <a:srgbClr val="002F4A"/>
+                </a:solidFill>
+                <a:latin typeface="Merriweather"/>
+                <a:ea typeface="Merriweather"/>
+                <a:cs typeface="Merriweather"/>
+                <a:sym typeface="Merriweather"/>
+              </a:rPr>
+              <a:t>		      rating (7,813,737 rows x 3 cols)</a:t>
+            </a:r>
+            <a:endParaRPr sz="2100">
+              <a:solidFill>
+                <a:srgbClr val="002F4A"/>
+              </a:solidFill>
+              <a:latin typeface="Merriweather"/>
+              <a:ea typeface="Merriweather"/>
+              <a:cs typeface="Merriweather"/>
+              <a:sym typeface="Merriweather"/>
+            </a:endParaRPr>
+          </a:p>
+        </p:txBody>
+      </p:sp>
+      <p:pic>
+        <p:nvPicPr>
+          <p:cNvPr id="116" name="Google Shape;116;p22"/>
+          <p:cNvPicPr preferRelativeResize="0"/>
+          <p:nvPr/>
+        </p:nvPicPr>
+        <p:blipFill>
+          <a:blip r:embed="rId4">
+            <a:alphaModFix/>
+          </a:blip>
+          <a:stretch>
+            <a:fillRect/>
+          </a:stretch>
+        </p:blipFill>
+        <p:spPr>
+          <a:xfrm>
+            <a:off x="836910" y="2255175"/>
+            <a:ext cx="6888224" cy="2536515"/>
+          </a:xfrm>
+          <a:prstGeom prst="rect">
+            <a:avLst/>
+          </a:prstGeom>
+          <a:noFill/>
+          <a:ln>
+            <a:noFill/>
+          </a:ln>
+        </p:spPr>
+      </p:pic>
+    </p:spTree>
+  </p:cSld>
+  <p:clrMapOvr>
+    <a:masterClrMapping/>
+  </p:clrMapOvr>
+</p:sld>
+</file>
+
+<file path=ppt/slides/slide11.xml><?xml version="1.0" encoding="utf-8"?>
+<p:sld xmlns:a="http://schemas.openxmlformats.org/drawingml/2006/main" xmlns:r="http://schemas.openxmlformats.org/officeDocument/2006/relationships" xmlns:mc="http://schemas.openxmlformats.org/markup-compatibility/2006" xmlns:mv="urn:schemas-microsoft-com:mac:vml" xmlns:p="http://schemas.openxmlformats.org/presentationml/2006/main" xmlns:c="http://schemas.openxmlformats.org/drawingml/2006/chart" xmlns:dgm="http://schemas.openxmlformats.org/drawingml/2006/diagram" xmlns:o="urn:schemas-microsoft-com:office:office" xmlns:v="urn:schemas-microsoft-com:vml" xmlns:pvml="urn:schemas-microsoft-com:office:powerpoint" xmlns:com="http://schemas.openxmlformats.org/drawingml/2006/compatibility" xmlns:p14="http://schemas.microsoft.com/office/powerpoint/2010/main" xmlns:p15="http://schemas.microsoft.com/office/powerpoint/2012/main" xmlns:ahyp="http://schemas.microsoft.com/office/drawing/2018/hyperlinkcolor">
+  <p:cSld>
+    <p:spTree>
+      <p:nvGrpSpPr>
+        <p:cNvPr id="120" name="Shape 120"/>
+        <p:cNvGrpSpPr/>
+        <p:nvPr/>
+      </p:nvGrpSpPr>
+      <p:grpSpPr>
+        <a:xfrm>
+          <a:off x="0" y="0"/>
+          <a:ext cx="0" cy="0"/>
+          <a:chOff x="0" y="0"/>
+          <a:chExt cx="0" cy="0"/>
+        </a:xfrm>
+      </p:grpSpPr>
+      <p:pic>
+        <p:nvPicPr>
+          <p:cNvPr id="121" name="Google Shape;121;p23"/>
+          <p:cNvPicPr preferRelativeResize="0"/>
+          <p:nvPr/>
+        </p:nvPicPr>
+        <p:blipFill>
+          <a:blip r:embed="rId3">
+            <a:alphaModFix amt="20000"/>
+          </a:blip>
+          <a:stretch>
+            <a:fillRect/>
+          </a:stretch>
+        </p:blipFill>
+        <p:spPr>
+          <a:xfrm>
+            <a:off x="0" y="0"/>
+            <a:ext cx="9144000" cy="5143500"/>
+          </a:xfrm>
+          <a:prstGeom prst="rect">
+            <a:avLst/>
+          </a:prstGeom>
+          <a:noFill/>
+          <a:ln>
+            <a:noFill/>
+          </a:ln>
+        </p:spPr>
+      </p:pic>
+      <p:sp>
+        <p:nvSpPr>
+          <p:cNvPr id="122" name="Google Shape;122;p23"/>
+          <p:cNvSpPr txBox="1"/>
+          <p:nvPr/>
+        </p:nvSpPr>
+        <p:spPr>
+          <a:xfrm>
+            <a:off x="71275" y="154300"/>
+            <a:ext cx="8805600" cy="4637400"/>
+          </a:xfrm>
+          <a:prstGeom prst="rect">
+            <a:avLst/>
+          </a:prstGeom>
+          <a:noFill/>
+          <a:ln>
+            <a:noFill/>
+          </a:ln>
+        </p:spPr>
+        <p:txBody>
+          <a:bodyPr anchorCtr="0" anchor="t" bIns="91425" lIns="91425" spcFirstLastPara="1" rIns="91425" wrap="square" tIns="91425">
+            <a:normAutofit/>
+          </a:bodyPr>
+          <a:lstStyle/>
+          <a:p>
+            <a:pPr indent="0" lvl="0" marL="0" rtl="0" algn="l">
+              <a:spcBef>
+                <a:spcPts val="0"/>
+              </a:spcBef>
+              <a:spcAft>
+                <a:spcPts val="0"/>
+              </a:spcAft>
+              <a:buNone/>
+            </a:pPr>
+            <a:r>
+              <a:rPr lang="en" sz="3200">
+                <a:solidFill>
+                  <a:srgbClr val="002F4A"/>
+                </a:solidFill>
+                <a:latin typeface="Merriweather"/>
+                <a:ea typeface="Merriweather"/>
+                <a:cs typeface="Merriweather"/>
+                <a:sym typeface="Merriweather"/>
+              </a:rPr>
+              <a:t>Data Cleaning and EDA</a:t>
+            </a:r>
+            <a:endParaRPr sz="3200">
+              <a:solidFill>
+                <a:srgbClr val="002F4A"/>
+              </a:solidFill>
+              <a:latin typeface="Merriweather"/>
+              <a:ea typeface="Merriweather"/>
+              <a:cs typeface="Merriweather"/>
+              <a:sym typeface="Merriweather"/>
+            </a:endParaRPr>
+          </a:p>
+          <a:p>
+            <a:pPr indent="0" lvl="0" marL="0" rtl="0" algn="l">
+              <a:spcBef>
+                <a:spcPts val="0"/>
+              </a:spcBef>
+              <a:spcAft>
+                <a:spcPts val="0"/>
+              </a:spcAft>
+              <a:buNone/>
+            </a:pPr>
+            <a:r>
+              <a:t/>
+            </a:r>
+            <a:endParaRPr sz="500">
+              <a:solidFill>
+                <a:srgbClr val="002F4A"/>
+              </a:solidFill>
+              <a:latin typeface="Merriweather"/>
+              <a:ea typeface="Merriweather"/>
+              <a:cs typeface="Merriweather"/>
+              <a:sym typeface="Merriweather"/>
+            </a:endParaRPr>
+          </a:p>
+          <a:p>
+            <a:pPr indent="-355600" lvl="0" marL="457200" rtl="0" algn="l">
+              <a:spcBef>
+                <a:spcPts val="0"/>
+              </a:spcBef>
+              <a:spcAft>
+                <a:spcPts val="0"/>
+              </a:spcAft>
+              <a:buClr>
+                <a:srgbClr val="002F4A"/>
+              </a:buClr>
+              <a:buSzPts val="2000"/>
+              <a:buFont typeface="Merriweather"/>
+              <a:buChar char="-"/>
+            </a:pPr>
+            <a:r>
+              <a:rPr lang="en" sz="2000">
+                <a:solidFill>
+                  <a:srgbClr val="002F4A"/>
+                </a:solidFill>
+                <a:latin typeface="Merriweather"/>
+                <a:ea typeface="Merriweather"/>
+                <a:cs typeface="Merriweather"/>
+                <a:sym typeface="Merriweather"/>
+              </a:rPr>
+              <a:t>Genre</a:t>
+            </a:r>
+            <a:endParaRPr sz="2000">
+              <a:solidFill>
+                <a:srgbClr val="002F4A"/>
+              </a:solidFill>
+              <a:latin typeface="Merriweather"/>
+              <a:ea typeface="Merriweather"/>
+              <a:cs typeface="Merriweather"/>
+              <a:sym typeface="Merriweather"/>
+            </a:endParaRPr>
+          </a:p>
+          <a:p>
+            <a:pPr indent="0" lvl="0" marL="0" rtl="0" algn="l">
+              <a:spcBef>
+                <a:spcPts val="0"/>
+              </a:spcBef>
+              <a:spcAft>
+                <a:spcPts val="0"/>
+              </a:spcAft>
+              <a:buNone/>
+            </a:pPr>
+            <a:r>
+              <a:t/>
+            </a:r>
+            <a:endParaRPr sz="1600">
+              <a:solidFill>
+                <a:srgbClr val="002F4A"/>
+              </a:solidFill>
+              <a:latin typeface="Merriweather"/>
+              <a:ea typeface="Merriweather"/>
+              <a:cs typeface="Merriweather"/>
+              <a:sym typeface="Merriweather"/>
+            </a:endParaRPr>
+          </a:p>
+          <a:p>
+            <a:pPr indent="0" lvl="0" marL="0" rtl="0" algn="l">
+              <a:spcBef>
+                <a:spcPts val="0"/>
+              </a:spcBef>
+              <a:spcAft>
+                <a:spcPts val="0"/>
+              </a:spcAft>
+              <a:buNone/>
+            </a:pPr>
+            <a:r>
+              <a:rPr lang="en" sz="1600">
+                <a:solidFill>
+                  <a:srgbClr val="002F4A"/>
+                </a:solidFill>
+                <a:latin typeface="Merriweather"/>
+                <a:ea typeface="Merriweather"/>
+                <a:cs typeface="Merriweather"/>
+                <a:sym typeface="Merriweather"/>
+              </a:rPr>
+              <a:t>Top genres are ‘comedy’, ‘action’, ‘</a:t>
+            </a:r>
+            <a:r>
+              <a:rPr lang="en" sz="1600">
+                <a:solidFill>
+                  <a:srgbClr val="002F4A"/>
+                </a:solidFill>
+                <a:latin typeface="Merriweather"/>
+                <a:ea typeface="Merriweather"/>
+                <a:cs typeface="Merriweather"/>
+                <a:sym typeface="Merriweather"/>
+              </a:rPr>
+              <a:t>romance’,</a:t>
+            </a:r>
+            <a:r>
+              <a:rPr lang="en" sz="1600">
+                <a:solidFill>
+                  <a:srgbClr val="002F4A"/>
+                </a:solidFill>
+                <a:latin typeface="Merriweather"/>
+                <a:ea typeface="Merriweather"/>
+                <a:cs typeface="Merriweather"/>
+                <a:sym typeface="Merriweather"/>
+              </a:rPr>
+              <a:t> ‘fantasy’, and ‘drama’. </a:t>
+            </a:r>
+            <a:endParaRPr sz="1600">
+              <a:solidFill>
+                <a:srgbClr val="002F4A"/>
+              </a:solidFill>
+              <a:latin typeface="Merriweather"/>
+              <a:ea typeface="Merriweather"/>
+              <a:cs typeface="Merriweather"/>
+              <a:sym typeface="Merriweather"/>
+            </a:endParaRPr>
+          </a:p>
+          <a:p>
+            <a:pPr indent="0" lvl="0" marL="0" rtl="0" algn="l">
+              <a:spcBef>
+                <a:spcPts val="0"/>
+              </a:spcBef>
+              <a:spcAft>
+                <a:spcPts val="0"/>
+              </a:spcAft>
+              <a:buNone/>
+            </a:pPr>
+            <a:r>
+              <a:rPr lang="en" sz="1600">
+                <a:solidFill>
+                  <a:srgbClr val="002F4A"/>
+                </a:solidFill>
+                <a:latin typeface="Merriweather"/>
+                <a:ea typeface="Merriweather"/>
+                <a:cs typeface="Merriweather"/>
+                <a:sym typeface="Merriweather"/>
+              </a:rPr>
+              <a:t>		</a:t>
+            </a:r>
+            <a:endParaRPr sz="1600">
+              <a:solidFill>
+                <a:srgbClr val="002F4A"/>
+              </a:solidFill>
+              <a:latin typeface="Merriweather"/>
+              <a:ea typeface="Merriweather"/>
+              <a:cs typeface="Merriweather"/>
+              <a:sym typeface="Merriweather"/>
+            </a:endParaRPr>
+          </a:p>
+        </p:txBody>
+      </p:sp>
+      <p:pic>
+        <p:nvPicPr>
+          <p:cNvPr id="123" name="Google Shape;123;p23"/>
+          <p:cNvPicPr preferRelativeResize="0"/>
+          <p:nvPr/>
+        </p:nvPicPr>
+        <p:blipFill>
+          <a:blip r:embed="rId4">
+            <a:alphaModFix/>
+          </a:blip>
+          <a:stretch>
+            <a:fillRect/>
+          </a:stretch>
+        </p:blipFill>
+        <p:spPr>
+          <a:xfrm>
+            <a:off x="4596850" y="1866550"/>
+            <a:ext cx="4267850" cy="2925150"/>
+          </a:xfrm>
+          <a:prstGeom prst="rect">
+            <a:avLst/>
+          </a:prstGeom>
+          <a:noFill/>
+          <a:ln>
+            <a:noFill/>
+          </a:ln>
+        </p:spPr>
+      </p:pic>
+      <p:pic>
+        <p:nvPicPr>
+          <p:cNvPr id="124" name="Google Shape;124;p23"/>
+          <p:cNvPicPr preferRelativeResize="0"/>
+          <p:nvPr/>
+        </p:nvPicPr>
+        <p:blipFill>
+          <a:blip r:embed="rId5">
+            <a:alphaModFix/>
+          </a:blip>
+          <a:stretch>
+            <a:fillRect/>
+          </a:stretch>
+        </p:blipFill>
+        <p:spPr>
+          <a:xfrm>
+            <a:off x="167250" y="1866550"/>
+            <a:ext cx="4267850" cy="2925150"/>
+          </a:xfrm>
+          <a:prstGeom prst="rect">
+            <a:avLst/>
+          </a:prstGeom>
+          <a:noFill/>
+          <a:ln>
+            <a:noFill/>
+          </a:ln>
+        </p:spPr>
+      </p:pic>
+    </p:spTree>
+  </p:cSld>
+  <p:clrMapOvr>
+    <a:masterClrMapping/>
+  </p:clrMapOvr>
+</p:sld>
+</file>
+
+<file path=ppt/slides/slide12.xml><?xml version="1.0" encoding="utf-8"?>
+<p:sld xmlns:a="http://schemas.openxmlformats.org/drawingml/2006/main" xmlns:r="http://schemas.openxmlformats.org/officeDocument/2006/relationships" xmlns:mc="http://schemas.openxmlformats.org/markup-compatibility/2006" xmlns:mv="urn:schemas-microsoft-com:mac:vml" xmlns:p="http://schemas.openxmlformats.org/presentationml/2006/main" xmlns:c="http://schemas.openxmlformats.org/drawingml/2006/chart" xmlns:dgm="http://schemas.openxmlformats.org/drawingml/2006/diagram" xmlns:o="urn:schemas-microsoft-com:office:office" xmlns:v="urn:schemas-microsoft-com:vml" xmlns:pvml="urn:schemas-microsoft-com:office:powerpoint" xmlns:com="http://schemas.openxmlformats.org/drawingml/2006/compatibility" xmlns:p14="http://schemas.microsoft.com/office/powerpoint/2010/main" xmlns:p15="http://schemas.microsoft.com/office/powerpoint/2012/main" xmlns:ahyp="http://schemas.microsoft.com/office/drawing/2018/hyperlinkcolor">
+  <p:cSld>
+    <p:spTree>
+      <p:nvGrpSpPr>
+        <p:cNvPr id="128" name="Shape 128"/>
+        <p:cNvGrpSpPr/>
+        <p:nvPr/>
+      </p:nvGrpSpPr>
+      <p:grpSpPr>
+        <a:xfrm>
+          <a:off x="0" y="0"/>
+          <a:ext cx="0" cy="0"/>
+          <a:chOff x="0" y="0"/>
+          <a:chExt cx="0" cy="0"/>
+        </a:xfrm>
+      </p:grpSpPr>
+      <p:pic>
+        <p:nvPicPr>
+          <p:cNvPr id="129" name="Google Shape;129;p24"/>
+          <p:cNvPicPr preferRelativeResize="0"/>
+          <p:nvPr/>
+        </p:nvPicPr>
+        <p:blipFill>
+          <a:blip r:embed="rId3">
+            <a:alphaModFix amt="20000"/>
+          </a:blip>
+          <a:stretch>
+            <a:fillRect/>
+          </a:stretch>
+        </p:blipFill>
+        <p:spPr>
+          <a:xfrm>
+            <a:off x="0" y="0"/>
+            <a:ext cx="9144000" cy="5143500"/>
+          </a:xfrm>
+          <a:prstGeom prst="rect">
+            <a:avLst/>
+          </a:prstGeom>
+          <a:noFill/>
+          <a:ln>
+            <a:noFill/>
+          </a:ln>
+        </p:spPr>
+      </p:pic>
+      <p:sp>
+        <p:nvSpPr>
+          <p:cNvPr id="130" name="Google Shape;130;p24"/>
           <p:cNvSpPr txBox="1"/>
           <p:nvPr/>
         </p:nvSpPr>
@@ -8048,7 +8851,7 @@
                 <a:cs typeface="Merriweather"/>
                 <a:sym typeface="Merriweather"/>
               </a:rPr>
-              <a:t>‘TV’ type are the most common type, with ‘music’ the least common.</a:t>
+              <a:t>‘TV’ is the most common type, with ‘music’ the least common.</a:t>
             </a:r>
             <a:endParaRPr sz="1600">
               <a:solidFill>
@@ -8115,7 +8918,7 @@
                 <a:cs typeface="Merriweather"/>
                 <a:sym typeface="Merriweather"/>
               </a:rPr>
-              <a:t> have a slightly higher average score compared to other types.</a:t>
+              <a:t> have slightly higher average score compared to other types.</a:t>
             </a:r>
             <a:endParaRPr sz="1600">
               <a:solidFill>
@@ -8232,7 +9035,7 @@
       </p:sp>
       <p:pic>
         <p:nvPicPr>
-          <p:cNvPr id="118" name="Google Shape;118;p22"/>
+          <p:cNvPr id="131" name="Google Shape;131;p24"/>
           <p:cNvPicPr preferRelativeResize="0"/>
           <p:nvPr/>
         </p:nvPicPr>
@@ -8260,7 +9063,7 @@
       </p:pic>
       <p:pic>
         <p:nvPicPr>
-          <p:cNvPr id="119" name="Google Shape;119;p22"/>
+          <p:cNvPr id="132" name="Google Shape;132;p24"/>
           <p:cNvPicPr preferRelativeResize="0"/>
           <p:nvPr/>
         </p:nvPicPr>
@@ -8294,12 +9097,12 @@
 </p:sld>
 </file>
 
-<file path=ppt/slides/slide11.xml><?xml version="1.0" encoding="utf-8"?>
+<file path=ppt/slides/slide13.xml><?xml version="1.0" encoding="utf-8"?>
 <p:sld xmlns:a="http://schemas.openxmlformats.org/drawingml/2006/main" xmlns:r="http://schemas.openxmlformats.org/officeDocument/2006/relationships" xmlns:mc="http://schemas.openxmlformats.org/markup-compatibility/2006" xmlns:mv="urn:schemas-microsoft-com:mac:vml" xmlns:p="http://schemas.openxmlformats.org/presentationml/2006/main" xmlns:c="http://schemas.openxmlformats.org/drawingml/2006/chart" xmlns:dgm="http://schemas.openxmlformats.org/drawingml/2006/diagram" xmlns:o="urn:schemas-microsoft-com:office:office" xmlns:v="urn:schemas-microsoft-com:vml" xmlns:pvml="urn:schemas-microsoft-com:office:powerpoint" xmlns:com="http://schemas.openxmlformats.org/drawingml/2006/compatibility" xmlns:p14="http://schemas.microsoft.com/office/powerpoint/2010/main" xmlns:p15="http://schemas.microsoft.com/office/powerpoint/2012/main" xmlns:ahyp="http://schemas.microsoft.com/office/drawing/2018/hyperlinkcolor">
   <p:cSld>
     <p:spTree>
       <p:nvGrpSpPr>
-        <p:cNvPr id="123" name="Shape 123"/>
+        <p:cNvPr id="136" name="Shape 136"/>
         <p:cNvGrpSpPr/>
         <p:nvPr/>
       </p:nvGrpSpPr>
@@ -8313,13 +9116,13 @@
       </p:grpSpPr>
       <p:pic>
         <p:nvPicPr>
-          <p:cNvPr id="124" name="Google Shape;124;p23"/>
+          <p:cNvPr id="137" name="Google Shape;137;p25"/>
           <p:cNvPicPr preferRelativeResize="0"/>
           <p:nvPr/>
         </p:nvPicPr>
         <p:blipFill>
           <a:blip r:embed="rId3">
-            <a:alphaModFix amt="30000"/>
+            <a:alphaModFix amt="20000"/>
           </a:blip>
           <a:stretch>
             <a:fillRect/>
@@ -8341,7 +9144,7 @@
       </p:pic>
       <p:sp>
         <p:nvSpPr>
-          <p:cNvPr id="125" name="Google Shape;125;p23"/>
+          <p:cNvPr id="138" name="Google Shape;138;p25"/>
           <p:cNvSpPr txBox="1"/>
           <p:nvPr/>
         </p:nvSpPr>
@@ -8553,7 +9356,7 @@
                 <a:cs typeface="Merriweather"/>
                 <a:sym typeface="Merriweather"/>
               </a:rPr>
-              <a:t>A score of -1 indicates user has not given a rating.</a:t>
+              <a:t>A score of -1 indicates user has watched but not given a rating.</a:t>
             </a:r>
             <a:endParaRPr sz="1600">
               <a:solidFill>
@@ -8670,7 +9473,7 @@
       </p:sp>
       <p:pic>
         <p:nvPicPr>
-          <p:cNvPr id="126" name="Google Shape;126;p23"/>
+          <p:cNvPr id="139" name="Google Shape;139;p25"/>
           <p:cNvPicPr preferRelativeResize="0"/>
           <p:nvPr/>
         </p:nvPicPr>
@@ -8698,7 +9501,7 @@
       </p:pic>
       <p:pic>
         <p:nvPicPr>
-          <p:cNvPr id="127" name="Google Shape;127;p23"/>
+          <p:cNvPr id="140" name="Google Shape;140;p25"/>
           <p:cNvPicPr preferRelativeResize="0"/>
           <p:nvPr/>
         </p:nvPicPr>
@@ -8714,680 +9517,6 @@
           <a:xfrm>
             <a:off x="4453275" y="2357325"/>
             <a:ext cx="4066025" cy="2516850"/>
-          </a:xfrm>
-          <a:prstGeom prst="rect">
-            <a:avLst/>
-          </a:prstGeom>
-          <a:noFill/>
-          <a:ln>
-            <a:noFill/>
-          </a:ln>
-        </p:spPr>
-      </p:pic>
-    </p:spTree>
-  </p:cSld>
-  <p:clrMapOvr>
-    <a:masterClrMapping/>
-  </p:clrMapOvr>
-</p:sld>
-</file>
-
-<file path=ppt/slides/slide12.xml><?xml version="1.0" encoding="utf-8"?>
-<p:sld xmlns:a="http://schemas.openxmlformats.org/drawingml/2006/main" xmlns:r="http://schemas.openxmlformats.org/officeDocument/2006/relationships" xmlns:mc="http://schemas.openxmlformats.org/markup-compatibility/2006" xmlns:mv="urn:schemas-microsoft-com:mac:vml" xmlns:p="http://schemas.openxmlformats.org/presentationml/2006/main" xmlns:c="http://schemas.openxmlformats.org/drawingml/2006/chart" xmlns:dgm="http://schemas.openxmlformats.org/drawingml/2006/diagram" xmlns:o="urn:schemas-microsoft-com:office:office" xmlns:v="urn:schemas-microsoft-com:vml" xmlns:pvml="urn:schemas-microsoft-com:office:powerpoint" xmlns:com="http://schemas.openxmlformats.org/drawingml/2006/compatibility" xmlns:p14="http://schemas.microsoft.com/office/powerpoint/2010/main" xmlns:p15="http://schemas.microsoft.com/office/powerpoint/2012/main" xmlns:ahyp="http://schemas.microsoft.com/office/drawing/2018/hyperlinkcolor">
-  <p:cSld>
-    <p:spTree>
-      <p:nvGrpSpPr>
-        <p:cNvPr id="131" name="Shape 131"/>
-        <p:cNvGrpSpPr/>
-        <p:nvPr/>
-      </p:nvGrpSpPr>
-      <p:grpSpPr>
-        <a:xfrm>
-          <a:off x="0" y="0"/>
-          <a:ext cx="0" cy="0"/>
-          <a:chOff x="0" y="0"/>
-          <a:chExt cx="0" cy="0"/>
-        </a:xfrm>
-      </p:grpSpPr>
-      <p:pic>
-        <p:nvPicPr>
-          <p:cNvPr id="132" name="Google Shape;132;p24"/>
-          <p:cNvPicPr preferRelativeResize="0"/>
-          <p:nvPr/>
-        </p:nvPicPr>
-        <p:blipFill>
-          <a:blip r:embed="rId3">
-            <a:alphaModFix amt="30000"/>
-          </a:blip>
-          <a:stretch>
-            <a:fillRect/>
-          </a:stretch>
-        </p:blipFill>
-        <p:spPr>
-          <a:xfrm>
-            <a:off x="0" y="0"/>
-            <a:ext cx="9144000" cy="5143500"/>
-          </a:xfrm>
-          <a:prstGeom prst="rect">
-            <a:avLst/>
-          </a:prstGeom>
-          <a:noFill/>
-          <a:ln>
-            <a:noFill/>
-          </a:ln>
-        </p:spPr>
-      </p:pic>
-      <p:sp>
-        <p:nvSpPr>
-          <p:cNvPr id="133" name="Google Shape;133;p24"/>
-          <p:cNvSpPr txBox="1"/>
-          <p:nvPr/>
-        </p:nvSpPr>
-        <p:spPr>
-          <a:xfrm>
-            <a:off x="1992175" y="1899475"/>
-            <a:ext cx="5072700" cy="727500"/>
-          </a:xfrm>
-          <a:prstGeom prst="rect">
-            <a:avLst/>
-          </a:prstGeom>
-          <a:noFill/>
-          <a:ln>
-            <a:noFill/>
-          </a:ln>
-        </p:spPr>
-        <p:txBody>
-          <a:bodyPr anchorCtr="0" anchor="t" bIns="91425" lIns="91425" spcFirstLastPara="1" rIns="91425" wrap="square" tIns="91425">
-            <a:normAutofit/>
-          </a:bodyPr>
-          <a:lstStyle/>
-          <a:p>
-            <a:pPr indent="0" lvl="0" marL="0" rtl="0" algn="l">
-              <a:spcBef>
-                <a:spcPts val="0"/>
-              </a:spcBef>
-              <a:spcAft>
-                <a:spcPts val="0"/>
-              </a:spcAft>
-              <a:buNone/>
-            </a:pPr>
-            <a:r>
-              <a:rPr lang="en" sz="3200">
-                <a:solidFill>
-                  <a:srgbClr val="002F4A"/>
-                </a:solidFill>
-                <a:latin typeface="Merriweather"/>
-                <a:ea typeface="Merriweather"/>
-                <a:cs typeface="Merriweather"/>
-                <a:sym typeface="Merriweather"/>
-              </a:rPr>
-              <a:t>Content Based filtering</a:t>
-            </a:r>
-            <a:endParaRPr sz="2100">
-              <a:solidFill>
-                <a:srgbClr val="002F4A"/>
-              </a:solidFill>
-              <a:latin typeface="Merriweather"/>
-              <a:ea typeface="Merriweather"/>
-              <a:cs typeface="Merriweather"/>
-              <a:sym typeface="Merriweather"/>
-            </a:endParaRPr>
-          </a:p>
-        </p:txBody>
-      </p:sp>
-    </p:spTree>
-  </p:cSld>
-  <p:clrMapOvr>
-    <a:masterClrMapping/>
-  </p:clrMapOvr>
-</p:sld>
-</file>
-
-<file path=ppt/slides/slide13.xml><?xml version="1.0" encoding="utf-8"?>
-<p:sld xmlns:a="http://schemas.openxmlformats.org/drawingml/2006/main" xmlns:r="http://schemas.openxmlformats.org/officeDocument/2006/relationships" xmlns:mc="http://schemas.openxmlformats.org/markup-compatibility/2006" xmlns:mv="urn:schemas-microsoft-com:mac:vml" xmlns:p="http://schemas.openxmlformats.org/presentationml/2006/main" xmlns:c="http://schemas.openxmlformats.org/drawingml/2006/chart" xmlns:dgm="http://schemas.openxmlformats.org/drawingml/2006/diagram" xmlns:o="urn:schemas-microsoft-com:office:office" xmlns:v="urn:schemas-microsoft-com:vml" xmlns:pvml="urn:schemas-microsoft-com:office:powerpoint" xmlns:com="http://schemas.openxmlformats.org/drawingml/2006/compatibility" xmlns:p14="http://schemas.microsoft.com/office/powerpoint/2010/main" xmlns:p15="http://schemas.microsoft.com/office/powerpoint/2012/main" xmlns:ahyp="http://schemas.microsoft.com/office/drawing/2018/hyperlinkcolor">
-  <p:cSld>
-    <p:spTree>
-      <p:nvGrpSpPr>
-        <p:cNvPr id="137" name="Shape 137"/>
-        <p:cNvGrpSpPr/>
-        <p:nvPr/>
-      </p:nvGrpSpPr>
-      <p:grpSpPr>
-        <a:xfrm>
-          <a:off x="0" y="0"/>
-          <a:ext cx="0" cy="0"/>
-          <a:chOff x="0" y="0"/>
-          <a:chExt cx="0" cy="0"/>
-        </a:xfrm>
-      </p:grpSpPr>
-      <p:pic>
-        <p:nvPicPr>
-          <p:cNvPr id="138" name="Google Shape;138;p25"/>
-          <p:cNvPicPr preferRelativeResize="0"/>
-          <p:nvPr/>
-        </p:nvPicPr>
-        <p:blipFill>
-          <a:blip r:embed="rId3">
-            <a:alphaModFix amt="30000"/>
-          </a:blip>
-          <a:stretch>
-            <a:fillRect/>
-          </a:stretch>
-        </p:blipFill>
-        <p:spPr>
-          <a:xfrm>
-            <a:off x="0" y="0"/>
-            <a:ext cx="9144000" cy="5143500"/>
-          </a:xfrm>
-          <a:prstGeom prst="rect">
-            <a:avLst/>
-          </a:prstGeom>
-          <a:noFill/>
-          <a:ln>
-            <a:noFill/>
-          </a:ln>
-        </p:spPr>
-      </p:pic>
-      <p:sp>
-        <p:nvSpPr>
-          <p:cNvPr id="139" name="Google Shape;139;p25"/>
-          <p:cNvSpPr txBox="1"/>
-          <p:nvPr/>
-        </p:nvSpPr>
-        <p:spPr>
-          <a:xfrm>
-            <a:off x="71275" y="154300"/>
-            <a:ext cx="5375700" cy="4637400"/>
-          </a:xfrm>
-          <a:prstGeom prst="rect">
-            <a:avLst/>
-          </a:prstGeom>
-          <a:noFill/>
-          <a:ln>
-            <a:noFill/>
-          </a:ln>
-        </p:spPr>
-        <p:txBody>
-          <a:bodyPr anchorCtr="0" anchor="t" bIns="91425" lIns="91425" spcFirstLastPara="1" rIns="91425" wrap="square" tIns="91425">
-            <a:normAutofit fontScale="85000" lnSpcReduction="20000"/>
-          </a:bodyPr>
-          <a:lstStyle/>
-          <a:p>
-            <a:pPr indent="0" lvl="0" marL="0" rtl="0" algn="l">
-              <a:spcBef>
-                <a:spcPts val="0"/>
-              </a:spcBef>
-              <a:spcAft>
-                <a:spcPts val="0"/>
-              </a:spcAft>
-              <a:buNone/>
-            </a:pPr>
-            <a:r>
-              <a:rPr lang="en" sz="3200">
-                <a:solidFill>
-                  <a:srgbClr val="002F4A"/>
-                </a:solidFill>
-                <a:latin typeface="Merriweather"/>
-                <a:ea typeface="Merriweather"/>
-                <a:cs typeface="Merriweather"/>
-                <a:sym typeface="Merriweather"/>
-              </a:rPr>
-              <a:t>Content Based filtering</a:t>
-            </a:r>
-            <a:endParaRPr sz="3200">
-              <a:solidFill>
-                <a:srgbClr val="002F4A"/>
-              </a:solidFill>
-              <a:latin typeface="Merriweather"/>
-              <a:ea typeface="Merriweather"/>
-              <a:cs typeface="Merriweather"/>
-              <a:sym typeface="Merriweather"/>
-            </a:endParaRPr>
-          </a:p>
-          <a:p>
-            <a:pPr indent="0" lvl="0" marL="0" rtl="0" algn="l">
-              <a:spcBef>
-                <a:spcPts val="0"/>
-              </a:spcBef>
-              <a:spcAft>
-                <a:spcPts val="0"/>
-              </a:spcAft>
-              <a:buNone/>
-            </a:pPr>
-            <a:r>
-              <a:t/>
-            </a:r>
-            <a:endParaRPr sz="3200">
-              <a:solidFill>
-                <a:srgbClr val="002F4A"/>
-              </a:solidFill>
-              <a:latin typeface="Merriweather"/>
-              <a:ea typeface="Merriweather"/>
-              <a:cs typeface="Merriweather"/>
-              <a:sym typeface="Merriweather"/>
-            </a:endParaRPr>
-          </a:p>
-          <a:p>
-            <a:pPr indent="0" lvl="0" marL="0" rtl="0" algn="l">
-              <a:spcBef>
-                <a:spcPts val="0"/>
-              </a:spcBef>
-              <a:spcAft>
-                <a:spcPts val="0"/>
-              </a:spcAft>
-              <a:buNone/>
-            </a:pPr>
-            <a:r>
-              <a:t/>
-            </a:r>
-            <a:endParaRPr sz="2050">
-              <a:solidFill>
-                <a:srgbClr val="002F4A"/>
-              </a:solidFill>
-              <a:latin typeface="Merriweather"/>
-              <a:ea typeface="Merriweather"/>
-              <a:cs typeface="Merriweather"/>
-              <a:sym typeface="Merriweather"/>
-            </a:endParaRPr>
-          </a:p>
-          <a:p>
-            <a:pPr indent="0" lvl="0" marL="0" rtl="0" algn="l">
-              <a:spcBef>
-                <a:spcPts val="0"/>
-              </a:spcBef>
-              <a:spcAft>
-                <a:spcPts val="0"/>
-              </a:spcAft>
-              <a:buNone/>
-            </a:pPr>
-            <a:r>
-              <a:t/>
-            </a:r>
-            <a:endParaRPr sz="2050">
-              <a:solidFill>
-                <a:srgbClr val="002F4A"/>
-              </a:solidFill>
-              <a:latin typeface="Merriweather"/>
-              <a:ea typeface="Merriweather"/>
-              <a:cs typeface="Merriweather"/>
-              <a:sym typeface="Merriweather"/>
-            </a:endParaRPr>
-          </a:p>
-          <a:p>
-            <a:pPr indent="-339248" lvl="0" marL="457200" rtl="0" algn="l">
-              <a:spcBef>
-                <a:spcPts val="0"/>
-              </a:spcBef>
-              <a:spcAft>
-                <a:spcPts val="0"/>
-              </a:spcAft>
-              <a:buClr>
-                <a:srgbClr val="002F4A"/>
-              </a:buClr>
-              <a:buSzPct val="100000"/>
-              <a:buFont typeface="Merriweather"/>
-              <a:buAutoNum type="arabicPeriod"/>
-            </a:pPr>
-            <a:r>
-              <a:rPr lang="en" sz="2050">
-                <a:solidFill>
-                  <a:srgbClr val="002F4A"/>
-                </a:solidFill>
-                <a:latin typeface="Merriweather"/>
-                <a:ea typeface="Merriweather"/>
-                <a:cs typeface="Merriweather"/>
-                <a:sym typeface="Merriweather"/>
-              </a:rPr>
-              <a:t>Using item features to recommend items similar to what the user likes (eg. categories, genres, types)</a:t>
-            </a:r>
-            <a:endParaRPr sz="2050">
-              <a:solidFill>
-                <a:srgbClr val="002F4A"/>
-              </a:solidFill>
-              <a:latin typeface="Merriweather"/>
-              <a:ea typeface="Merriweather"/>
-              <a:cs typeface="Merriweather"/>
-              <a:sym typeface="Merriweather"/>
-            </a:endParaRPr>
-          </a:p>
-          <a:p>
-            <a:pPr indent="0" lvl="0" marL="457200" rtl="0" algn="l">
-              <a:spcBef>
-                <a:spcPts val="0"/>
-              </a:spcBef>
-              <a:spcAft>
-                <a:spcPts val="0"/>
-              </a:spcAft>
-              <a:buNone/>
-            </a:pPr>
-            <a:r>
-              <a:t/>
-            </a:r>
-            <a:endParaRPr sz="2050">
-              <a:solidFill>
-                <a:srgbClr val="002F4A"/>
-              </a:solidFill>
-              <a:latin typeface="Merriweather"/>
-              <a:ea typeface="Merriweather"/>
-              <a:cs typeface="Merriweather"/>
-              <a:sym typeface="Merriweather"/>
-            </a:endParaRPr>
-          </a:p>
-          <a:p>
-            <a:pPr indent="0" lvl="0" marL="0" rtl="0" algn="l">
-              <a:spcBef>
-                <a:spcPts val="0"/>
-              </a:spcBef>
-              <a:spcAft>
-                <a:spcPts val="0"/>
-              </a:spcAft>
-              <a:buNone/>
-            </a:pPr>
-            <a:r>
-              <a:t/>
-            </a:r>
-            <a:endParaRPr sz="2050">
-              <a:solidFill>
-                <a:srgbClr val="002F4A"/>
-              </a:solidFill>
-              <a:latin typeface="Merriweather"/>
-              <a:ea typeface="Merriweather"/>
-              <a:cs typeface="Merriweather"/>
-              <a:sym typeface="Merriweather"/>
-            </a:endParaRPr>
-          </a:p>
-          <a:p>
-            <a:pPr indent="-339248" lvl="0" marL="457200" rtl="0" algn="l">
-              <a:spcBef>
-                <a:spcPts val="0"/>
-              </a:spcBef>
-              <a:spcAft>
-                <a:spcPts val="0"/>
-              </a:spcAft>
-              <a:buClr>
-                <a:srgbClr val="002F4A"/>
-              </a:buClr>
-              <a:buSzPct val="100000"/>
-              <a:buFont typeface="Merriweather"/>
-              <a:buAutoNum type="arabicPeriod"/>
-            </a:pPr>
-            <a:r>
-              <a:rPr lang="en" sz="2050">
-                <a:solidFill>
-                  <a:srgbClr val="002F4A"/>
-                </a:solidFill>
-                <a:latin typeface="Merriweather"/>
-                <a:ea typeface="Merriweather"/>
-                <a:cs typeface="Merriweather"/>
-                <a:sym typeface="Merriweather"/>
-              </a:rPr>
-              <a:t>Easy to implement</a:t>
-            </a:r>
-            <a:endParaRPr sz="2050">
-              <a:solidFill>
-                <a:srgbClr val="002F4A"/>
-              </a:solidFill>
-              <a:latin typeface="Merriweather"/>
-              <a:ea typeface="Merriweather"/>
-              <a:cs typeface="Merriweather"/>
-              <a:sym typeface="Merriweather"/>
-            </a:endParaRPr>
-          </a:p>
-          <a:p>
-            <a:pPr indent="0" lvl="0" marL="457200" rtl="0" algn="l">
-              <a:spcBef>
-                <a:spcPts val="0"/>
-              </a:spcBef>
-              <a:spcAft>
-                <a:spcPts val="0"/>
-              </a:spcAft>
-              <a:buNone/>
-            </a:pPr>
-            <a:r>
-              <a:t/>
-            </a:r>
-            <a:endParaRPr sz="2050">
-              <a:solidFill>
-                <a:srgbClr val="002F4A"/>
-              </a:solidFill>
-              <a:latin typeface="Merriweather"/>
-              <a:ea typeface="Merriweather"/>
-              <a:cs typeface="Merriweather"/>
-              <a:sym typeface="Merriweather"/>
-            </a:endParaRPr>
-          </a:p>
-          <a:p>
-            <a:pPr indent="0" lvl="0" marL="0" rtl="0" algn="l">
-              <a:spcBef>
-                <a:spcPts val="0"/>
-              </a:spcBef>
-              <a:spcAft>
-                <a:spcPts val="0"/>
-              </a:spcAft>
-              <a:buNone/>
-            </a:pPr>
-            <a:r>
-              <a:t/>
-            </a:r>
-            <a:endParaRPr sz="2050">
-              <a:solidFill>
-                <a:srgbClr val="002F4A"/>
-              </a:solidFill>
-              <a:latin typeface="Merriweather"/>
-              <a:ea typeface="Merriweather"/>
-              <a:cs typeface="Merriweather"/>
-              <a:sym typeface="Merriweather"/>
-            </a:endParaRPr>
-          </a:p>
-          <a:p>
-            <a:pPr indent="-339248" lvl="0" marL="457200" rtl="0" algn="l">
-              <a:spcBef>
-                <a:spcPts val="0"/>
-              </a:spcBef>
-              <a:spcAft>
-                <a:spcPts val="0"/>
-              </a:spcAft>
-              <a:buClr>
-                <a:srgbClr val="002F4A"/>
-              </a:buClr>
-              <a:buSzPct val="100000"/>
-              <a:buFont typeface="Merriweather"/>
-              <a:buAutoNum type="arabicPeriod"/>
-            </a:pPr>
-            <a:r>
-              <a:rPr lang="en" sz="2050">
-                <a:solidFill>
-                  <a:srgbClr val="002F4A"/>
-                </a:solidFill>
-                <a:latin typeface="Merriweather"/>
-                <a:ea typeface="Merriweather"/>
-                <a:cs typeface="Merriweather"/>
-                <a:sym typeface="Merriweather"/>
-              </a:rPr>
-              <a:t>Highly relevant to user</a:t>
-            </a:r>
-            <a:endParaRPr sz="2050">
-              <a:solidFill>
-                <a:srgbClr val="002F4A"/>
-              </a:solidFill>
-              <a:latin typeface="Merriweather"/>
-              <a:ea typeface="Merriweather"/>
-              <a:cs typeface="Merriweather"/>
-              <a:sym typeface="Merriweather"/>
-            </a:endParaRPr>
-          </a:p>
-          <a:p>
-            <a:pPr indent="0" lvl="0" marL="457200" rtl="0" algn="l">
-              <a:spcBef>
-                <a:spcPts val="0"/>
-              </a:spcBef>
-              <a:spcAft>
-                <a:spcPts val="0"/>
-              </a:spcAft>
-              <a:buNone/>
-            </a:pPr>
-            <a:r>
-              <a:t/>
-            </a:r>
-            <a:endParaRPr sz="2050">
-              <a:solidFill>
-                <a:srgbClr val="002F4A"/>
-              </a:solidFill>
-              <a:latin typeface="Merriweather"/>
-              <a:ea typeface="Merriweather"/>
-              <a:cs typeface="Merriweather"/>
-              <a:sym typeface="Merriweather"/>
-            </a:endParaRPr>
-          </a:p>
-          <a:p>
-            <a:pPr indent="0" lvl="0" marL="0" rtl="0" algn="l">
-              <a:spcBef>
-                <a:spcPts val="0"/>
-              </a:spcBef>
-              <a:spcAft>
-                <a:spcPts val="0"/>
-              </a:spcAft>
-              <a:buNone/>
-            </a:pPr>
-            <a:r>
-              <a:t/>
-            </a:r>
-            <a:endParaRPr sz="2050">
-              <a:solidFill>
-                <a:srgbClr val="002F4A"/>
-              </a:solidFill>
-              <a:latin typeface="Merriweather"/>
-              <a:ea typeface="Merriweather"/>
-              <a:cs typeface="Merriweather"/>
-              <a:sym typeface="Merriweather"/>
-            </a:endParaRPr>
-          </a:p>
-          <a:p>
-            <a:pPr indent="-339248" lvl="0" marL="457200" rtl="0" algn="l">
-              <a:spcBef>
-                <a:spcPts val="0"/>
-              </a:spcBef>
-              <a:spcAft>
-                <a:spcPts val="0"/>
-              </a:spcAft>
-              <a:buClr>
-                <a:srgbClr val="002F4A"/>
-              </a:buClr>
-              <a:buSzPct val="100000"/>
-              <a:buFont typeface="Merriweather"/>
-              <a:buAutoNum type="arabicPeriod"/>
-            </a:pPr>
-            <a:r>
-              <a:rPr lang="en" sz="2050">
-                <a:solidFill>
-                  <a:srgbClr val="002F4A"/>
-                </a:solidFill>
-                <a:latin typeface="Merriweather"/>
-                <a:ea typeface="Merriweather"/>
-                <a:cs typeface="Merriweather"/>
-                <a:sym typeface="Merriweather"/>
-              </a:rPr>
-              <a:t>Lacks in novelty and serendipity</a:t>
-            </a:r>
-            <a:endParaRPr sz="2050">
-              <a:solidFill>
-                <a:srgbClr val="002F4A"/>
-              </a:solidFill>
-              <a:latin typeface="Merriweather"/>
-              <a:ea typeface="Merriweather"/>
-              <a:cs typeface="Merriweather"/>
-              <a:sym typeface="Merriweather"/>
-            </a:endParaRPr>
-          </a:p>
-          <a:p>
-            <a:pPr indent="0" lvl="0" marL="0" rtl="0" algn="l">
-              <a:spcBef>
-                <a:spcPts val="0"/>
-              </a:spcBef>
-              <a:spcAft>
-                <a:spcPts val="0"/>
-              </a:spcAft>
-              <a:buNone/>
-            </a:pPr>
-            <a:r>
-              <a:t/>
-            </a:r>
-            <a:endParaRPr sz="2100">
-              <a:solidFill>
-                <a:srgbClr val="002F4A"/>
-              </a:solidFill>
-              <a:latin typeface="Merriweather"/>
-              <a:ea typeface="Merriweather"/>
-              <a:cs typeface="Merriweather"/>
-              <a:sym typeface="Merriweather"/>
-            </a:endParaRPr>
-          </a:p>
-          <a:p>
-            <a:pPr indent="0" lvl="0" marL="0" rtl="0" algn="l">
-              <a:spcBef>
-                <a:spcPts val="0"/>
-              </a:spcBef>
-              <a:spcAft>
-                <a:spcPts val="0"/>
-              </a:spcAft>
-              <a:buNone/>
-            </a:pPr>
-            <a:r>
-              <a:t/>
-            </a:r>
-            <a:endParaRPr sz="2100">
-              <a:solidFill>
-                <a:srgbClr val="002F4A"/>
-              </a:solidFill>
-              <a:latin typeface="Merriweather"/>
-              <a:ea typeface="Merriweather"/>
-              <a:cs typeface="Merriweather"/>
-              <a:sym typeface="Merriweather"/>
-            </a:endParaRPr>
-          </a:p>
-          <a:p>
-            <a:pPr indent="0" lvl="0" marL="457200" rtl="0" algn="l">
-              <a:spcBef>
-                <a:spcPts val="0"/>
-              </a:spcBef>
-              <a:spcAft>
-                <a:spcPts val="0"/>
-              </a:spcAft>
-              <a:buNone/>
-            </a:pPr>
-            <a:r>
-              <a:t/>
-            </a:r>
-            <a:endParaRPr sz="2100">
-              <a:solidFill>
-                <a:srgbClr val="002F4A"/>
-              </a:solidFill>
-              <a:latin typeface="Merriweather"/>
-              <a:ea typeface="Merriweather"/>
-              <a:cs typeface="Merriweather"/>
-              <a:sym typeface="Merriweather"/>
-            </a:endParaRPr>
-          </a:p>
-        </p:txBody>
-      </p:sp>
-      <p:pic>
-        <p:nvPicPr>
-          <p:cNvPr id="140" name="Google Shape;140;p25"/>
-          <p:cNvPicPr preferRelativeResize="0"/>
-          <p:nvPr/>
-        </p:nvPicPr>
-        <p:blipFill>
-          <a:blip r:embed="rId4">
-            <a:alphaModFix/>
-          </a:blip>
-          <a:stretch>
-            <a:fillRect/>
-          </a:stretch>
-        </p:blipFill>
-        <p:spPr>
-          <a:xfrm>
-            <a:off x="5599801" y="486550"/>
-            <a:ext cx="3210325" cy="4099124"/>
           </a:xfrm>
           <a:prstGeom prst="rect">
             <a:avLst/>
@@ -9431,7 +9560,7 @@
         </p:nvPicPr>
         <p:blipFill>
           <a:blip r:embed="rId3">
-            <a:alphaModFix amt="30000"/>
+            <a:alphaModFix amt="20000"/>
           </a:blip>
           <a:stretch>
             <a:fillRect/>
@@ -9459,6 +9588,708 @@
         </p:nvSpPr>
         <p:spPr>
           <a:xfrm>
+            <a:off x="1992175" y="1899475"/>
+            <a:ext cx="5072700" cy="727500"/>
+          </a:xfrm>
+          <a:prstGeom prst="rect">
+            <a:avLst/>
+          </a:prstGeom>
+          <a:noFill/>
+          <a:ln>
+            <a:noFill/>
+          </a:ln>
+        </p:spPr>
+        <p:txBody>
+          <a:bodyPr anchorCtr="0" anchor="t" bIns="91425" lIns="91425" spcFirstLastPara="1" rIns="91425" wrap="square" tIns="91425">
+            <a:normAutofit/>
+          </a:bodyPr>
+          <a:lstStyle/>
+          <a:p>
+            <a:pPr indent="0" lvl="0" marL="0" rtl="0" algn="l">
+              <a:spcBef>
+                <a:spcPts val="0"/>
+              </a:spcBef>
+              <a:spcAft>
+                <a:spcPts val="0"/>
+              </a:spcAft>
+              <a:buNone/>
+            </a:pPr>
+            <a:r>
+              <a:rPr lang="en" sz="3200">
+                <a:solidFill>
+                  <a:srgbClr val="002F4A"/>
+                </a:solidFill>
+                <a:latin typeface="Merriweather"/>
+                <a:ea typeface="Merriweather"/>
+                <a:cs typeface="Merriweather"/>
+                <a:sym typeface="Merriweather"/>
+              </a:rPr>
+              <a:t>Content Based filtering</a:t>
+            </a:r>
+            <a:endParaRPr sz="2100">
+              <a:solidFill>
+                <a:srgbClr val="002F4A"/>
+              </a:solidFill>
+              <a:latin typeface="Merriweather"/>
+              <a:ea typeface="Merriweather"/>
+              <a:cs typeface="Merriweather"/>
+              <a:sym typeface="Merriweather"/>
+            </a:endParaRPr>
+          </a:p>
+        </p:txBody>
+      </p:sp>
+    </p:spTree>
+  </p:cSld>
+  <p:clrMapOvr>
+    <a:masterClrMapping/>
+  </p:clrMapOvr>
+</p:sld>
+</file>
+
+<file path=ppt/slides/slide15.xml><?xml version="1.0" encoding="utf-8"?>
+<p:sld xmlns:a="http://schemas.openxmlformats.org/drawingml/2006/main" xmlns:r="http://schemas.openxmlformats.org/officeDocument/2006/relationships" xmlns:mc="http://schemas.openxmlformats.org/markup-compatibility/2006" xmlns:mv="urn:schemas-microsoft-com:mac:vml" xmlns:p="http://schemas.openxmlformats.org/presentationml/2006/main" xmlns:c="http://schemas.openxmlformats.org/drawingml/2006/chart" xmlns:dgm="http://schemas.openxmlformats.org/drawingml/2006/diagram" xmlns:o="urn:schemas-microsoft-com:office:office" xmlns:v="urn:schemas-microsoft-com:vml" xmlns:pvml="urn:schemas-microsoft-com:office:powerpoint" xmlns:com="http://schemas.openxmlformats.org/drawingml/2006/compatibility" xmlns:p14="http://schemas.microsoft.com/office/powerpoint/2010/main" xmlns:p15="http://schemas.microsoft.com/office/powerpoint/2012/main" xmlns:ahyp="http://schemas.microsoft.com/office/drawing/2018/hyperlinkcolor">
+  <p:cSld>
+    <p:spTree>
+      <p:nvGrpSpPr>
+        <p:cNvPr id="150" name="Shape 150"/>
+        <p:cNvGrpSpPr/>
+        <p:nvPr/>
+      </p:nvGrpSpPr>
+      <p:grpSpPr>
+        <a:xfrm>
+          <a:off x="0" y="0"/>
+          <a:ext cx="0" cy="0"/>
+          <a:chOff x="0" y="0"/>
+          <a:chExt cx="0" cy="0"/>
+        </a:xfrm>
+      </p:grpSpPr>
+      <p:pic>
+        <p:nvPicPr>
+          <p:cNvPr id="151" name="Google Shape;151;p27"/>
+          <p:cNvPicPr preferRelativeResize="0"/>
+          <p:nvPr/>
+        </p:nvPicPr>
+        <p:blipFill>
+          <a:blip r:embed="rId3">
+            <a:alphaModFix amt="20000"/>
+          </a:blip>
+          <a:stretch>
+            <a:fillRect/>
+          </a:stretch>
+        </p:blipFill>
+        <p:spPr>
+          <a:xfrm>
+            <a:off x="0" y="0"/>
+            <a:ext cx="9144000" cy="5143500"/>
+          </a:xfrm>
+          <a:prstGeom prst="rect">
+            <a:avLst/>
+          </a:prstGeom>
+          <a:noFill/>
+          <a:ln>
+            <a:noFill/>
+          </a:ln>
+        </p:spPr>
+      </p:pic>
+      <p:sp>
+        <p:nvSpPr>
+          <p:cNvPr id="152" name="Google Shape;152;p27"/>
+          <p:cNvSpPr txBox="1"/>
+          <p:nvPr/>
+        </p:nvSpPr>
+        <p:spPr>
+          <a:xfrm>
+            <a:off x="71275" y="154300"/>
+            <a:ext cx="5375700" cy="4637400"/>
+          </a:xfrm>
+          <a:prstGeom prst="rect">
+            <a:avLst/>
+          </a:prstGeom>
+          <a:noFill/>
+          <a:ln>
+            <a:noFill/>
+          </a:ln>
+        </p:spPr>
+        <p:txBody>
+          <a:bodyPr anchorCtr="0" anchor="t" bIns="91425" lIns="91425" spcFirstLastPara="1" rIns="91425" wrap="square" tIns="91425">
+            <a:normAutofit fontScale="85000" lnSpcReduction="20000"/>
+          </a:bodyPr>
+          <a:lstStyle/>
+          <a:p>
+            <a:pPr indent="0" lvl="0" marL="0" rtl="0" algn="l">
+              <a:spcBef>
+                <a:spcPts val="0"/>
+              </a:spcBef>
+              <a:spcAft>
+                <a:spcPts val="0"/>
+              </a:spcAft>
+              <a:buNone/>
+            </a:pPr>
+            <a:r>
+              <a:rPr lang="en" sz="3200">
+                <a:solidFill>
+                  <a:srgbClr val="002F4A"/>
+                </a:solidFill>
+                <a:latin typeface="Merriweather"/>
+                <a:ea typeface="Merriweather"/>
+                <a:cs typeface="Merriweather"/>
+                <a:sym typeface="Merriweather"/>
+              </a:rPr>
+              <a:t>Content Based filtering</a:t>
+            </a:r>
+            <a:endParaRPr sz="3200">
+              <a:solidFill>
+                <a:srgbClr val="002F4A"/>
+              </a:solidFill>
+              <a:latin typeface="Merriweather"/>
+              <a:ea typeface="Merriweather"/>
+              <a:cs typeface="Merriweather"/>
+              <a:sym typeface="Merriweather"/>
+            </a:endParaRPr>
+          </a:p>
+          <a:p>
+            <a:pPr indent="0" lvl="0" marL="0" rtl="0" algn="l">
+              <a:spcBef>
+                <a:spcPts val="0"/>
+              </a:spcBef>
+              <a:spcAft>
+                <a:spcPts val="0"/>
+              </a:spcAft>
+              <a:buNone/>
+            </a:pPr>
+            <a:r>
+              <a:t/>
+            </a:r>
+            <a:endParaRPr sz="3200">
+              <a:solidFill>
+                <a:srgbClr val="002F4A"/>
+              </a:solidFill>
+              <a:latin typeface="Merriweather"/>
+              <a:ea typeface="Merriweather"/>
+              <a:cs typeface="Merriweather"/>
+              <a:sym typeface="Merriweather"/>
+            </a:endParaRPr>
+          </a:p>
+          <a:p>
+            <a:pPr indent="0" lvl="0" marL="0" rtl="0" algn="l">
+              <a:spcBef>
+                <a:spcPts val="0"/>
+              </a:spcBef>
+              <a:spcAft>
+                <a:spcPts val="0"/>
+              </a:spcAft>
+              <a:buNone/>
+            </a:pPr>
+            <a:r>
+              <a:t/>
+            </a:r>
+            <a:endParaRPr sz="2050">
+              <a:solidFill>
+                <a:srgbClr val="002F4A"/>
+              </a:solidFill>
+              <a:latin typeface="Merriweather"/>
+              <a:ea typeface="Merriweather"/>
+              <a:cs typeface="Merriweather"/>
+              <a:sym typeface="Merriweather"/>
+            </a:endParaRPr>
+          </a:p>
+          <a:p>
+            <a:pPr indent="0" lvl="0" marL="0" rtl="0" algn="l">
+              <a:spcBef>
+                <a:spcPts val="0"/>
+              </a:spcBef>
+              <a:spcAft>
+                <a:spcPts val="0"/>
+              </a:spcAft>
+              <a:buNone/>
+            </a:pPr>
+            <a:r>
+              <a:t/>
+            </a:r>
+            <a:endParaRPr sz="2050">
+              <a:solidFill>
+                <a:srgbClr val="002F4A"/>
+              </a:solidFill>
+              <a:latin typeface="Merriweather"/>
+              <a:ea typeface="Merriweather"/>
+              <a:cs typeface="Merriweather"/>
+              <a:sym typeface="Merriweather"/>
+            </a:endParaRPr>
+          </a:p>
+          <a:p>
+            <a:pPr indent="-339248" lvl="0" marL="457200" rtl="0" algn="l">
+              <a:spcBef>
+                <a:spcPts val="0"/>
+              </a:spcBef>
+              <a:spcAft>
+                <a:spcPts val="0"/>
+              </a:spcAft>
+              <a:buClr>
+                <a:srgbClr val="002F4A"/>
+              </a:buClr>
+              <a:buSzPct val="100000"/>
+              <a:buFont typeface="Merriweather"/>
+              <a:buAutoNum type="arabicPeriod"/>
+            </a:pPr>
+            <a:r>
+              <a:rPr lang="en" sz="2050">
+                <a:solidFill>
+                  <a:srgbClr val="002F4A"/>
+                </a:solidFill>
+                <a:latin typeface="Merriweather"/>
+                <a:ea typeface="Merriweather"/>
+                <a:cs typeface="Merriweather"/>
+                <a:sym typeface="Merriweather"/>
+              </a:rPr>
+              <a:t>Using item features to recommend items similar to what the user likes (eg. categories, genres, types)</a:t>
+            </a:r>
+            <a:endParaRPr sz="2050">
+              <a:solidFill>
+                <a:srgbClr val="002F4A"/>
+              </a:solidFill>
+              <a:latin typeface="Merriweather"/>
+              <a:ea typeface="Merriweather"/>
+              <a:cs typeface="Merriweather"/>
+              <a:sym typeface="Merriweather"/>
+            </a:endParaRPr>
+          </a:p>
+          <a:p>
+            <a:pPr indent="0" lvl="0" marL="457200" rtl="0" algn="l">
+              <a:spcBef>
+                <a:spcPts val="0"/>
+              </a:spcBef>
+              <a:spcAft>
+                <a:spcPts val="0"/>
+              </a:spcAft>
+              <a:buNone/>
+            </a:pPr>
+            <a:r>
+              <a:t/>
+            </a:r>
+            <a:endParaRPr sz="2050">
+              <a:solidFill>
+                <a:srgbClr val="002F4A"/>
+              </a:solidFill>
+              <a:latin typeface="Merriweather"/>
+              <a:ea typeface="Merriweather"/>
+              <a:cs typeface="Merriweather"/>
+              <a:sym typeface="Merriweather"/>
+            </a:endParaRPr>
+          </a:p>
+          <a:p>
+            <a:pPr indent="0" lvl="0" marL="0" rtl="0" algn="l">
+              <a:spcBef>
+                <a:spcPts val="0"/>
+              </a:spcBef>
+              <a:spcAft>
+                <a:spcPts val="0"/>
+              </a:spcAft>
+              <a:buNone/>
+            </a:pPr>
+            <a:r>
+              <a:t/>
+            </a:r>
+            <a:endParaRPr sz="2050">
+              <a:solidFill>
+                <a:srgbClr val="002F4A"/>
+              </a:solidFill>
+              <a:latin typeface="Merriweather"/>
+              <a:ea typeface="Merriweather"/>
+              <a:cs typeface="Merriweather"/>
+              <a:sym typeface="Merriweather"/>
+            </a:endParaRPr>
+          </a:p>
+          <a:p>
+            <a:pPr indent="-339248" lvl="0" marL="457200" rtl="0" algn="l">
+              <a:spcBef>
+                <a:spcPts val="0"/>
+              </a:spcBef>
+              <a:spcAft>
+                <a:spcPts val="0"/>
+              </a:spcAft>
+              <a:buClr>
+                <a:srgbClr val="002F4A"/>
+              </a:buClr>
+              <a:buSzPct val="100000"/>
+              <a:buFont typeface="Merriweather"/>
+              <a:buAutoNum type="arabicPeriod"/>
+            </a:pPr>
+            <a:r>
+              <a:rPr lang="en" sz="2050">
+                <a:solidFill>
+                  <a:srgbClr val="002F4A"/>
+                </a:solidFill>
+                <a:latin typeface="Merriweather"/>
+                <a:ea typeface="Merriweather"/>
+                <a:cs typeface="Merriweather"/>
+                <a:sym typeface="Merriweather"/>
+              </a:rPr>
+              <a:t>Easy to implement</a:t>
+            </a:r>
+            <a:endParaRPr sz="2050">
+              <a:solidFill>
+                <a:srgbClr val="002F4A"/>
+              </a:solidFill>
+              <a:latin typeface="Merriweather"/>
+              <a:ea typeface="Merriweather"/>
+              <a:cs typeface="Merriweather"/>
+              <a:sym typeface="Merriweather"/>
+            </a:endParaRPr>
+          </a:p>
+          <a:p>
+            <a:pPr indent="0" lvl="0" marL="457200" rtl="0" algn="l">
+              <a:spcBef>
+                <a:spcPts val="0"/>
+              </a:spcBef>
+              <a:spcAft>
+                <a:spcPts val="0"/>
+              </a:spcAft>
+              <a:buNone/>
+            </a:pPr>
+            <a:r>
+              <a:t/>
+            </a:r>
+            <a:endParaRPr sz="2050">
+              <a:solidFill>
+                <a:srgbClr val="002F4A"/>
+              </a:solidFill>
+              <a:latin typeface="Merriweather"/>
+              <a:ea typeface="Merriweather"/>
+              <a:cs typeface="Merriweather"/>
+              <a:sym typeface="Merriweather"/>
+            </a:endParaRPr>
+          </a:p>
+          <a:p>
+            <a:pPr indent="0" lvl="0" marL="0" rtl="0" algn="l">
+              <a:spcBef>
+                <a:spcPts val="0"/>
+              </a:spcBef>
+              <a:spcAft>
+                <a:spcPts val="0"/>
+              </a:spcAft>
+              <a:buNone/>
+            </a:pPr>
+            <a:r>
+              <a:t/>
+            </a:r>
+            <a:endParaRPr sz="2050">
+              <a:solidFill>
+                <a:srgbClr val="002F4A"/>
+              </a:solidFill>
+              <a:latin typeface="Merriweather"/>
+              <a:ea typeface="Merriweather"/>
+              <a:cs typeface="Merriweather"/>
+              <a:sym typeface="Merriweather"/>
+            </a:endParaRPr>
+          </a:p>
+          <a:p>
+            <a:pPr indent="-339248" lvl="0" marL="457200" rtl="0" algn="l">
+              <a:spcBef>
+                <a:spcPts val="0"/>
+              </a:spcBef>
+              <a:spcAft>
+                <a:spcPts val="0"/>
+              </a:spcAft>
+              <a:buClr>
+                <a:srgbClr val="002F4A"/>
+              </a:buClr>
+              <a:buSzPct val="100000"/>
+              <a:buFont typeface="Merriweather"/>
+              <a:buAutoNum type="arabicPeriod"/>
+            </a:pPr>
+            <a:r>
+              <a:rPr lang="en" sz="2050">
+                <a:solidFill>
+                  <a:srgbClr val="002F4A"/>
+                </a:solidFill>
+                <a:latin typeface="Merriweather"/>
+                <a:ea typeface="Merriweather"/>
+                <a:cs typeface="Merriweather"/>
+                <a:sym typeface="Merriweather"/>
+              </a:rPr>
+              <a:t>Highly relevant to user</a:t>
+            </a:r>
+            <a:endParaRPr sz="2050">
+              <a:solidFill>
+                <a:srgbClr val="002F4A"/>
+              </a:solidFill>
+              <a:latin typeface="Merriweather"/>
+              <a:ea typeface="Merriweather"/>
+              <a:cs typeface="Merriweather"/>
+              <a:sym typeface="Merriweather"/>
+            </a:endParaRPr>
+          </a:p>
+          <a:p>
+            <a:pPr indent="0" lvl="0" marL="457200" rtl="0" algn="l">
+              <a:spcBef>
+                <a:spcPts val="0"/>
+              </a:spcBef>
+              <a:spcAft>
+                <a:spcPts val="0"/>
+              </a:spcAft>
+              <a:buNone/>
+            </a:pPr>
+            <a:r>
+              <a:t/>
+            </a:r>
+            <a:endParaRPr sz="2050">
+              <a:solidFill>
+                <a:srgbClr val="002F4A"/>
+              </a:solidFill>
+              <a:latin typeface="Merriweather"/>
+              <a:ea typeface="Merriweather"/>
+              <a:cs typeface="Merriweather"/>
+              <a:sym typeface="Merriweather"/>
+            </a:endParaRPr>
+          </a:p>
+          <a:p>
+            <a:pPr indent="0" lvl="0" marL="0" rtl="0" algn="l">
+              <a:spcBef>
+                <a:spcPts val="0"/>
+              </a:spcBef>
+              <a:spcAft>
+                <a:spcPts val="0"/>
+              </a:spcAft>
+              <a:buNone/>
+            </a:pPr>
+            <a:r>
+              <a:t/>
+            </a:r>
+            <a:endParaRPr sz="2050">
+              <a:solidFill>
+                <a:srgbClr val="002F4A"/>
+              </a:solidFill>
+              <a:latin typeface="Merriweather"/>
+              <a:ea typeface="Merriweather"/>
+              <a:cs typeface="Merriweather"/>
+              <a:sym typeface="Merriweather"/>
+            </a:endParaRPr>
+          </a:p>
+          <a:p>
+            <a:pPr indent="-339248" lvl="0" marL="457200" rtl="0" algn="l">
+              <a:spcBef>
+                <a:spcPts val="0"/>
+              </a:spcBef>
+              <a:spcAft>
+                <a:spcPts val="0"/>
+              </a:spcAft>
+              <a:buClr>
+                <a:srgbClr val="002F4A"/>
+              </a:buClr>
+              <a:buSzPct val="100000"/>
+              <a:buFont typeface="Merriweather"/>
+              <a:buAutoNum type="arabicPeriod"/>
+            </a:pPr>
+            <a:r>
+              <a:rPr lang="en" sz="2050">
+                <a:solidFill>
+                  <a:srgbClr val="002F4A"/>
+                </a:solidFill>
+                <a:latin typeface="Merriweather"/>
+                <a:ea typeface="Merriweather"/>
+                <a:cs typeface="Merriweather"/>
+                <a:sym typeface="Merriweather"/>
+              </a:rPr>
+              <a:t>Lacks in novelty and serendipity</a:t>
+            </a:r>
+            <a:endParaRPr sz="2050">
+              <a:solidFill>
+                <a:srgbClr val="002F4A"/>
+              </a:solidFill>
+              <a:latin typeface="Merriweather"/>
+              <a:ea typeface="Merriweather"/>
+              <a:cs typeface="Merriweather"/>
+              <a:sym typeface="Merriweather"/>
+            </a:endParaRPr>
+          </a:p>
+          <a:p>
+            <a:pPr indent="0" lvl="0" marL="0" rtl="0" algn="l">
+              <a:spcBef>
+                <a:spcPts val="0"/>
+              </a:spcBef>
+              <a:spcAft>
+                <a:spcPts val="0"/>
+              </a:spcAft>
+              <a:buNone/>
+            </a:pPr>
+            <a:r>
+              <a:t/>
+            </a:r>
+            <a:endParaRPr sz="2100">
+              <a:solidFill>
+                <a:srgbClr val="002F4A"/>
+              </a:solidFill>
+              <a:latin typeface="Merriweather"/>
+              <a:ea typeface="Merriweather"/>
+              <a:cs typeface="Merriweather"/>
+              <a:sym typeface="Merriweather"/>
+            </a:endParaRPr>
+          </a:p>
+          <a:p>
+            <a:pPr indent="0" lvl="0" marL="0" rtl="0" algn="l">
+              <a:spcBef>
+                <a:spcPts val="0"/>
+              </a:spcBef>
+              <a:spcAft>
+                <a:spcPts val="0"/>
+              </a:spcAft>
+              <a:buNone/>
+            </a:pPr>
+            <a:r>
+              <a:t/>
+            </a:r>
+            <a:endParaRPr sz="2100">
+              <a:solidFill>
+                <a:srgbClr val="002F4A"/>
+              </a:solidFill>
+              <a:latin typeface="Merriweather"/>
+              <a:ea typeface="Merriweather"/>
+              <a:cs typeface="Merriweather"/>
+              <a:sym typeface="Merriweather"/>
+            </a:endParaRPr>
+          </a:p>
+          <a:p>
+            <a:pPr indent="0" lvl="0" marL="457200" rtl="0" algn="l">
+              <a:spcBef>
+                <a:spcPts val="0"/>
+              </a:spcBef>
+              <a:spcAft>
+                <a:spcPts val="0"/>
+              </a:spcAft>
+              <a:buNone/>
+            </a:pPr>
+            <a:r>
+              <a:t/>
+            </a:r>
+            <a:endParaRPr sz="2100">
+              <a:solidFill>
+                <a:srgbClr val="002F4A"/>
+              </a:solidFill>
+              <a:latin typeface="Merriweather"/>
+              <a:ea typeface="Merriweather"/>
+              <a:cs typeface="Merriweather"/>
+              <a:sym typeface="Merriweather"/>
+            </a:endParaRPr>
+          </a:p>
+        </p:txBody>
+      </p:sp>
+      <p:pic>
+        <p:nvPicPr>
+          <p:cNvPr id="153" name="Google Shape;153;p27"/>
+          <p:cNvPicPr preferRelativeResize="0"/>
+          <p:nvPr/>
+        </p:nvPicPr>
+        <p:blipFill>
+          <a:blip r:embed="rId4">
+            <a:alphaModFix/>
+          </a:blip>
+          <a:stretch>
+            <a:fillRect/>
+          </a:stretch>
+        </p:blipFill>
+        <p:spPr>
+          <a:xfrm>
+            <a:off x="5528250" y="104950"/>
+            <a:ext cx="3294125" cy="2980625"/>
+          </a:xfrm>
+          <a:prstGeom prst="rect">
+            <a:avLst/>
+          </a:prstGeom>
+          <a:noFill/>
+          <a:ln>
+            <a:noFill/>
+          </a:ln>
+        </p:spPr>
+      </p:pic>
+      <p:pic>
+        <p:nvPicPr>
+          <p:cNvPr id="154" name="Google Shape;154;p27"/>
+          <p:cNvPicPr preferRelativeResize="0"/>
+          <p:nvPr/>
+        </p:nvPicPr>
+        <p:blipFill>
+          <a:blip r:embed="rId5">
+            <a:alphaModFix/>
+          </a:blip>
+          <a:stretch>
+            <a:fillRect/>
+          </a:stretch>
+        </p:blipFill>
+        <p:spPr>
+          <a:xfrm>
+            <a:off x="5528250" y="3152824"/>
+            <a:ext cx="3294125" cy="1889851"/>
+          </a:xfrm>
+          <a:prstGeom prst="rect">
+            <a:avLst/>
+          </a:prstGeom>
+          <a:noFill/>
+          <a:ln>
+            <a:noFill/>
+          </a:ln>
+        </p:spPr>
+      </p:pic>
+    </p:spTree>
+  </p:cSld>
+  <p:clrMapOvr>
+    <a:masterClrMapping/>
+  </p:clrMapOvr>
+</p:sld>
+</file>
+
+<file path=ppt/slides/slide16.xml><?xml version="1.0" encoding="utf-8"?>
+<p:sld xmlns:a="http://schemas.openxmlformats.org/drawingml/2006/main" xmlns:r="http://schemas.openxmlformats.org/officeDocument/2006/relationships" xmlns:mc="http://schemas.openxmlformats.org/markup-compatibility/2006" xmlns:mv="urn:schemas-microsoft-com:mac:vml" xmlns:p="http://schemas.openxmlformats.org/presentationml/2006/main" xmlns:c="http://schemas.openxmlformats.org/drawingml/2006/chart" xmlns:dgm="http://schemas.openxmlformats.org/drawingml/2006/diagram" xmlns:o="urn:schemas-microsoft-com:office:office" xmlns:v="urn:schemas-microsoft-com:vml" xmlns:pvml="urn:schemas-microsoft-com:office:powerpoint" xmlns:com="http://schemas.openxmlformats.org/drawingml/2006/compatibility" xmlns:p14="http://schemas.microsoft.com/office/powerpoint/2010/main" xmlns:p15="http://schemas.microsoft.com/office/powerpoint/2012/main" xmlns:ahyp="http://schemas.microsoft.com/office/drawing/2018/hyperlinkcolor">
+  <p:cSld>
+    <p:spTree>
+      <p:nvGrpSpPr>
+        <p:cNvPr id="158" name="Shape 158"/>
+        <p:cNvGrpSpPr/>
+        <p:nvPr/>
+      </p:nvGrpSpPr>
+      <p:grpSpPr>
+        <a:xfrm>
+          <a:off x="0" y="0"/>
+          <a:ext cx="0" cy="0"/>
+          <a:chOff x="0" y="0"/>
+          <a:chExt cx="0" cy="0"/>
+        </a:xfrm>
+      </p:grpSpPr>
+      <p:pic>
+        <p:nvPicPr>
+          <p:cNvPr id="159" name="Google Shape;159;p28"/>
+          <p:cNvPicPr preferRelativeResize="0"/>
+          <p:nvPr/>
+        </p:nvPicPr>
+        <p:blipFill>
+          <a:blip r:embed="rId3">
+            <a:alphaModFix amt="20000"/>
+          </a:blip>
+          <a:stretch>
+            <a:fillRect/>
+          </a:stretch>
+        </p:blipFill>
+        <p:spPr>
+          <a:xfrm>
+            <a:off x="0" y="0"/>
+            <a:ext cx="9144000" cy="5143500"/>
+          </a:xfrm>
+          <a:prstGeom prst="rect">
+            <a:avLst/>
+          </a:prstGeom>
+          <a:noFill/>
+          <a:ln>
+            <a:noFill/>
+          </a:ln>
+        </p:spPr>
+      </p:pic>
+      <p:sp>
+        <p:nvSpPr>
+          <p:cNvPr id="160" name="Google Shape;160;p28"/>
+          <p:cNvSpPr txBox="1"/>
+          <p:nvPr/>
+        </p:nvSpPr>
+        <p:spPr>
+          <a:xfrm>
             <a:off x="71275" y="112250"/>
             <a:ext cx="6781500" cy="4679400"/>
           </a:xfrm>
@@ -9764,7 +10595,7 @@
       </p:sp>
       <p:pic>
         <p:nvPicPr>
-          <p:cNvPr id="147" name="Google Shape;147;p26"/>
+          <p:cNvPr id="161" name="Google Shape;161;p28"/>
           <p:cNvPicPr preferRelativeResize="0"/>
           <p:nvPr/>
         </p:nvPicPr>
@@ -9792,7 +10623,7 @@
       </p:pic>
       <p:pic>
         <p:nvPicPr>
-          <p:cNvPr id="148" name="Google Shape;148;p26"/>
+          <p:cNvPr id="162" name="Google Shape;162;p28"/>
           <p:cNvPicPr preferRelativeResize="0"/>
           <p:nvPr/>
         </p:nvPicPr>
@@ -9826,12 +10657,12 @@
 </p:sld>
 </file>
 
-<file path=ppt/slides/slide15.xml><?xml version="1.0" encoding="utf-8"?>
+<file path=ppt/slides/slide17.xml><?xml version="1.0" encoding="utf-8"?>
 <p:sld xmlns:a="http://schemas.openxmlformats.org/drawingml/2006/main" xmlns:r="http://schemas.openxmlformats.org/officeDocument/2006/relationships" xmlns:mc="http://schemas.openxmlformats.org/markup-compatibility/2006" xmlns:mv="urn:schemas-microsoft-com:mac:vml" xmlns:p="http://schemas.openxmlformats.org/presentationml/2006/main" xmlns:c="http://schemas.openxmlformats.org/drawingml/2006/chart" xmlns:dgm="http://schemas.openxmlformats.org/drawingml/2006/diagram" xmlns:o="urn:schemas-microsoft-com:office:office" xmlns:v="urn:schemas-microsoft-com:vml" xmlns:pvml="urn:schemas-microsoft-com:office:powerpoint" xmlns:com="http://schemas.openxmlformats.org/drawingml/2006/compatibility" xmlns:p14="http://schemas.microsoft.com/office/powerpoint/2010/main" xmlns:p15="http://schemas.microsoft.com/office/powerpoint/2012/main" xmlns:ahyp="http://schemas.microsoft.com/office/drawing/2018/hyperlinkcolor">
   <p:cSld>
     <p:spTree>
       <p:nvGrpSpPr>
-        <p:cNvPr id="152" name="Shape 152"/>
+        <p:cNvPr id="166" name="Shape 166"/>
         <p:cNvGrpSpPr/>
         <p:nvPr/>
       </p:nvGrpSpPr>
@@ -9845,13 +10676,13 @@
       </p:grpSpPr>
       <p:pic>
         <p:nvPicPr>
-          <p:cNvPr id="153" name="Google Shape;153;p27"/>
+          <p:cNvPr id="167" name="Google Shape;167;p29"/>
           <p:cNvPicPr preferRelativeResize="0"/>
           <p:nvPr/>
         </p:nvPicPr>
         <p:blipFill>
           <a:blip r:embed="rId3">
-            <a:alphaModFix amt="30000"/>
+            <a:alphaModFix amt="20000"/>
           </a:blip>
           <a:stretch>
             <a:fillRect/>
@@ -9873,7 +10704,7 @@
       </p:pic>
       <p:sp>
         <p:nvSpPr>
-          <p:cNvPr id="154" name="Google Shape;154;p27"/>
+          <p:cNvPr id="168" name="Google Shape;168;p29"/>
           <p:cNvSpPr txBox="1"/>
           <p:nvPr/>
         </p:nvSpPr>
@@ -10249,7 +11080,7 @@
       </p:sp>
       <p:pic>
         <p:nvPicPr>
-          <p:cNvPr id="155" name="Google Shape;155;p27"/>
+          <p:cNvPr id="169" name="Google Shape;169;p29"/>
           <p:cNvPicPr preferRelativeResize="0"/>
           <p:nvPr/>
         </p:nvPicPr>
@@ -10277,7 +11108,7 @@
       </p:pic>
       <p:pic>
         <p:nvPicPr>
-          <p:cNvPr id="156" name="Google Shape;156;p27"/>
+          <p:cNvPr id="170" name="Google Shape;170;p29"/>
           <p:cNvPicPr preferRelativeResize="0"/>
           <p:nvPr/>
         </p:nvPicPr>
@@ -10293,685 +11124,6 @@
           <a:xfrm>
             <a:off x="3823075" y="2977400"/>
             <a:ext cx="5126425" cy="2067425"/>
-          </a:xfrm>
-          <a:prstGeom prst="rect">
-            <a:avLst/>
-          </a:prstGeom>
-          <a:noFill/>
-          <a:ln>
-            <a:noFill/>
-          </a:ln>
-        </p:spPr>
-      </p:pic>
-    </p:spTree>
-  </p:cSld>
-  <p:clrMapOvr>
-    <a:masterClrMapping/>
-  </p:clrMapOvr>
-</p:sld>
-</file>
-
-<file path=ppt/slides/slide16.xml><?xml version="1.0" encoding="utf-8"?>
-<p:sld xmlns:a="http://schemas.openxmlformats.org/drawingml/2006/main" xmlns:r="http://schemas.openxmlformats.org/officeDocument/2006/relationships" xmlns:mc="http://schemas.openxmlformats.org/markup-compatibility/2006" xmlns:mv="urn:schemas-microsoft-com:mac:vml" xmlns:p="http://schemas.openxmlformats.org/presentationml/2006/main" xmlns:c="http://schemas.openxmlformats.org/drawingml/2006/chart" xmlns:dgm="http://schemas.openxmlformats.org/drawingml/2006/diagram" xmlns:o="urn:schemas-microsoft-com:office:office" xmlns:v="urn:schemas-microsoft-com:vml" xmlns:pvml="urn:schemas-microsoft-com:office:powerpoint" xmlns:com="http://schemas.openxmlformats.org/drawingml/2006/compatibility" xmlns:p14="http://schemas.microsoft.com/office/powerpoint/2010/main" xmlns:p15="http://schemas.microsoft.com/office/powerpoint/2012/main" xmlns:ahyp="http://schemas.microsoft.com/office/drawing/2018/hyperlinkcolor">
-  <p:cSld>
-    <p:spTree>
-      <p:nvGrpSpPr>
-        <p:cNvPr id="160" name="Shape 160"/>
-        <p:cNvGrpSpPr/>
-        <p:nvPr/>
-      </p:nvGrpSpPr>
-      <p:grpSpPr>
-        <a:xfrm>
-          <a:off x="0" y="0"/>
-          <a:ext cx="0" cy="0"/>
-          <a:chOff x="0" y="0"/>
-          <a:chExt cx="0" cy="0"/>
-        </a:xfrm>
-      </p:grpSpPr>
-      <p:pic>
-        <p:nvPicPr>
-          <p:cNvPr id="161" name="Google Shape;161;p28"/>
-          <p:cNvPicPr preferRelativeResize="0"/>
-          <p:nvPr/>
-        </p:nvPicPr>
-        <p:blipFill>
-          <a:blip r:embed="rId3">
-            <a:alphaModFix amt="30000"/>
-          </a:blip>
-          <a:stretch>
-            <a:fillRect/>
-          </a:stretch>
-        </p:blipFill>
-        <p:spPr>
-          <a:xfrm>
-            <a:off x="0" y="0"/>
-            <a:ext cx="9144000" cy="5143500"/>
-          </a:xfrm>
-          <a:prstGeom prst="rect">
-            <a:avLst/>
-          </a:prstGeom>
-          <a:noFill/>
-          <a:ln>
-            <a:noFill/>
-          </a:ln>
-        </p:spPr>
-      </p:pic>
-      <p:sp>
-        <p:nvSpPr>
-          <p:cNvPr id="162" name="Google Shape;162;p28"/>
-          <p:cNvSpPr txBox="1"/>
-          <p:nvPr/>
-        </p:nvSpPr>
-        <p:spPr>
-          <a:xfrm>
-            <a:off x="1683150" y="2093375"/>
-            <a:ext cx="6024300" cy="836700"/>
-          </a:xfrm>
-          <a:prstGeom prst="rect">
-            <a:avLst/>
-          </a:prstGeom>
-          <a:noFill/>
-          <a:ln>
-            <a:noFill/>
-          </a:ln>
-        </p:spPr>
-        <p:txBody>
-          <a:bodyPr anchorCtr="0" anchor="t" bIns="91425" lIns="91425" spcFirstLastPara="1" rIns="91425" wrap="square" tIns="91425">
-            <a:normAutofit/>
-          </a:bodyPr>
-          <a:lstStyle/>
-          <a:p>
-            <a:pPr indent="0" lvl="0" marL="0" rtl="0" algn="l">
-              <a:spcBef>
-                <a:spcPts val="0"/>
-              </a:spcBef>
-              <a:spcAft>
-                <a:spcPts val="0"/>
-              </a:spcAft>
-              <a:buNone/>
-            </a:pPr>
-            <a:r>
-              <a:rPr lang="en" sz="3200">
-                <a:solidFill>
-                  <a:srgbClr val="002F4A"/>
-                </a:solidFill>
-                <a:latin typeface="Merriweather"/>
-                <a:ea typeface="Merriweather"/>
-                <a:cs typeface="Merriweather"/>
-                <a:sym typeface="Merriweather"/>
-              </a:rPr>
-              <a:t>Collaborative Based filtering</a:t>
-            </a:r>
-            <a:endParaRPr sz="2100">
-              <a:solidFill>
-                <a:srgbClr val="002F4A"/>
-              </a:solidFill>
-              <a:latin typeface="Merriweather"/>
-              <a:ea typeface="Merriweather"/>
-              <a:cs typeface="Merriweather"/>
-              <a:sym typeface="Merriweather"/>
-            </a:endParaRPr>
-          </a:p>
-        </p:txBody>
-      </p:sp>
-    </p:spTree>
-  </p:cSld>
-  <p:clrMapOvr>
-    <a:masterClrMapping/>
-  </p:clrMapOvr>
-</p:sld>
-</file>
-
-<file path=ppt/slides/slide17.xml><?xml version="1.0" encoding="utf-8"?>
-<p:sld xmlns:a="http://schemas.openxmlformats.org/drawingml/2006/main" xmlns:r="http://schemas.openxmlformats.org/officeDocument/2006/relationships" xmlns:mc="http://schemas.openxmlformats.org/markup-compatibility/2006" xmlns:mv="urn:schemas-microsoft-com:mac:vml" xmlns:p="http://schemas.openxmlformats.org/presentationml/2006/main" xmlns:c="http://schemas.openxmlformats.org/drawingml/2006/chart" xmlns:dgm="http://schemas.openxmlformats.org/drawingml/2006/diagram" xmlns:o="urn:schemas-microsoft-com:office:office" xmlns:v="urn:schemas-microsoft-com:vml" xmlns:pvml="urn:schemas-microsoft-com:office:powerpoint" xmlns:com="http://schemas.openxmlformats.org/drawingml/2006/compatibility" xmlns:p14="http://schemas.microsoft.com/office/powerpoint/2010/main" xmlns:p15="http://schemas.microsoft.com/office/powerpoint/2012/main" xmlns:ahyp="http://schemas.microsoft.com/office/drawing/2018/hyperlinkcolor">
-  <p:cSld>
-    <p:spTree>
-      <p:nvGrpSpPr>
-        <p:cNvPr id="166" name="Shape 166"/>
-        <p:cNvGrpSpPr/>
-        <p:nvPr/>
-      </p:nvGrpSpPr>
-      <p:grpSpPr>
-        <a:xfrm>
-          <a:off x="0" y="0"/>
-          <a:ext cx="0" cy="0"/>
-          <a:chOff x="0" y="0"/>
-          <a:chExt cx="0" cy="0"/>
-        </a:xfrm>
-      </p:grpSpPr>
-      <p:pic>
-        <p:nvPicPr>
-          <p:cNvPr id="167" name="Google Shape;167;p29"/>
-          <p:cNvPicPr preferRelativeResize="0"/>
-          <p:nvPr/>
-        </p:nvPicPr>
-        <p:blipFill>
-          <a:blip r:embed="rId3">
-            <a:alphaModFix amt="30000"/>
-          </a:blip>
-          <a:stretch>
-            <a:fillRect/>
-          </a:stretch>
-        </p:blipFill>
-        <p:spPr>
-          <a:xfrm>
-            <a:off x="0" y="0"/>
-            <a:ext cx="9144000" cy="5143500"/>
-          </a:xfrm>
-          <a:prstGeom prst="rect">
-            <a:avLst/>
-          </a:prstGeom>
-          <a:noFill/>
-          <a:ln>
-            <a:noFill/>
-          </a:ln>
-        </p:spPr>
-      </p:pic>
-      <p:sp>
-        <p:nvSpPr>
-          <p:cNvPr id="168" name="Google Shape;168;p29"/>
-          <p:cNvSpPr txBox="1"/>
-          <p:nvPr/>
-        </p:nvSpPr>
-        <p:spPr>
-          <a:xfrm>
-            <a:off x="71275" y="154300"/>
-            <a:ext cx="5225400" cy="4637400"/>
-          </a:xfrm>
-          <a:prstGeom prst="rect">
-            <a:avLst/>
-          </a:prstGeom>
-          <a:noFill/>
-          <a:ln>
-            <a:noFill/>
-          </a:ln>
-        </p:spPr>
-        <p:txBody>
-          <a:bodyPr anchorCtr="0" anchor="t" bIns="91425" lIns="91425" spcFirstLastPara="1" rIns="91425" wrap="square" tIns="91425">
-            <a:normAutofit fontScale="92500" lnSpcReduction="20000"/>
-          </a:bodyPr>
-          <a:lstStyle/>
-          <a:p>
-            <a:pPr indent="0" lvl="0" marL="0" rtl="0" algn="l">
-              <a:spcBef>
-                <a:spcPts val="0"/>
-              </a:spcBef>
-              <a:spcAft>
-                <a:spcPts val="0"/>
-              </a:spcAft>
-              <a:buNone/>
-            </a:pPr>
-            <a:r>
-              <a:rPr lang="en" sz="2983">
-                <a:solidFill>
-                  <a:srgbClr val="002F4A"/>
-                </a:solidFill>
-                <a:latin typeface="Merriweather"/>
-                <a:ea typeface="Merriweather"/>
-                <a:cs typeface="Merriweather"/>
-                <a:sym typeface="Merriweather"/>
-              </a:rPr>
-              <a:t>Collaborative Based filtering</a:t>
-            </a:r>
-            <a:endParaRPr sz="2983">
-              <a:solidFill>
-                <a:srgbClr val="002F4A"/>
-              </a:solidFill>
-              <a:latin typeface="Merriweather"/>
-              <a:ea typeface="Merriweather"/>
-              <a:cs typeface="Merriweather"/>
-              <a:sym typeface="Merriweather"/>
-            </a:endParaRPr>
-          </a:p>
-          <a:p>
-            <a:pPr indent="0" lvl="0" marL="0" rtl="0" algn="l">
-              <a:spcBef>
-                <a:spcPts val="0"/>
-              </a:spcBef>
-              <a:spcAft>
-                <a:spcPts val="0"/>
-              </a:spcAft>
-              <a:buNone/>
-            </a:pPr>
-            <a:r>
-              <a:t/>
-            </a:r>
-            <a:endParaRPr sz="2050">
-              <a:solidFill>
-                <a:srgbClr val="002F4A"/>
-              </a:solidFill>
-              <a:latin typeface="Merriweather"/>
-              <a:ea typeface="Merriweather"/>
-              <a:cs typeface="Merriweather"/>
-              <a:sym typeface="Merriweather"/>
-            </a:endParaRPr>
-          </a:p>
-          <a:p>
-            <a:pPr indent="0" lvl="0" marL="0" rtl="0" algn="l">
-              <a:spcBef>
-                <a:spcPts val="0"/>
-              </a:spcBef>
-              <a:spcAft>
-                <a:spcPts val="0"/>
-              </a:spcAft>
-              <a:buNone/>
-            </a:pPr>
-            <a:r>
-              <a:t/>
-            </a:r>
-            <a:endParaRPr sz="2050">
-              <a:solidFill>
-                <a:srgbClr val="002F4A"/>
-              </a:solidFill>
-              <a:latin typeface="Merriweather"/>
-              <a:ea typeface="Merriweather"/>
-              <a:cs typeface="Merriweather"/>
-              <a:sym typeface="Merriweather"/>
-            </a:endParaRPr>
-          </a:p>
-          <a:p>
-            <a:pPr indent="-349011" lvl="0" marL="457200" rtl="0" algn="l">
-              <a:spcBef>
-                <a:spcPts val="0"/>
-              </a:spcBef>
-              <a:spcAft>
-                <a:spcPts val="0"/>
-              </a:spcAft>
-              <a:buClr>
-                <a:srgbClr val="002F4A"/>
-              </a:buClr>
-              <a:buSzPct val="100000"/>
-              <a:buFont typeface="Merriweather"/>
-              <a:buAutoNum type="arabicPeriod"/>
-            </a:pPr>
-            <a:r>
-              <a:rPr lang="en" sz="2050">
-                <a:solidFill>
-                  <a:srgbClr val="002F4A"/>
-                </a:solidFill>
-                <a:latin typeface="Merriweather"/>
-                <a:ea typeface="Merriweather"/>
-                <a:cs typeface="Merriweather"/>
-                <a:sym typeface="Merriweather"/>
-              </a:rPr>
-              <a:t>Using similarity between users / items to recommend items </a:t>
-            </a:r>
-            <a:endParaRPr sz="2050">
-              <a:solidFill>
-                <a:srgbClr val="002F4A"/>
-              </a:solidFill>
-              <a:latin typeface="Merriweather"/>
-              <a:ea typeface="Merriweather"/>
-              <a:cs typeface="Merriweather"/>
-              <a:sym typeface="Merriweather"/>
-            </a:endParaRPr>
-          </a:p>
-          <a:p>
-            <a:pPr indent="0" lvl="0" marL="457200" rtl="0" algn="l">
-              <a:spcBef>
-                <a:spcPts val="0"/>
-              </a:spcBef>
-              <a:spcAft>
-                <a:spcPts val="0"/>
-              </a:spcAft>
-              <a:buNone/>
-            </a:pPr>
-            <a:r>
-              <a:t/>
-            </a:r>
-            <a:endParaRPr sz="2050">
-              <a:solidFill>
-                <a:srgbClr val="002F4A"/>
-              </a:solidFill>
-              <a:latin typeface="Merriweather"/>
-              <a:ea typeface="Merriweather"/>
-              <a:cs typeface="Merriweather"/>
-              <a:sym typeface="Merriweather"/>
-            </a:endParaRPr>
-          </a:p>
-          <a:p>
-            <a:pPr indent="0" lvl="0" marL="0" rtl="0" algn="l">
-              <a:spcBef>
-                <a:spcPts val="0"/>
-              </a:spcBef>
-              <a:spcAft>
-                <a:spcPts val="0"/>
-              </a:spcAft>
-              <a:buNone/>
-            </a:pPr>
-            <a:r>
-              <a:t/>
-            </a:r>
-            <a:endParaRPr sz="2050">
-              <a:solidFill>
-                <a:srgbClr val="002F4A"/>
-              </a:solidFill>
-              <a:latin typeface="Merriweather"/>
-              <a:ea typeface="Merriweather"/>
-              <a:cs typeface="Merriweather"/>
-              <a:sym typeface="Merriweather"/>
-            </a:endParaRPr>
-          </a:p>
-          <a:p>
-            <a:pPr indent="-349011" lvl="0" marL="457200" rtl="0" algn="l">
-              <a:spcBef>
-                <a:spcPts val="0"/>
-              </a:spcBef>
-              <a:spcAft>
-                <a:spcPts val="0"/>
-              </a:spcAft>
-              <a:buClr>
-                <a:srgbClr val="002F4A"/>
-              </a:buClr>
-              <a:buSzPct val="100000"/>
-              <a:buFont typeface="Merriweather"/>
-              <a:buAutoNum type="arabicPeriod"/>
-            </a:pPr>
-            <a:r>
-              <a:rPr lang="en" sz="2050">
-                <a:solidFill>
-                  <a:srgbClr val="002F4A"/>
-                </a:solidFill>
-                <a:latin typeface="Merriweather"/>
-                <a:ea typeface="Merriweather"/>
-                <a:cs typeface="Merriweather"/>
-                <a:sym typeface="Merriweather"/>
-              </a:rPr>
-              <a:t>Requires user rating for recommendation</a:t>
-            </a:r>
-            <a:endParaRPr sz="2050">
-              <a:solidFill>
-                <a:srgbClr val="002F4A"/>
-              </a:solidFill>
-              <a:latin typeface="Merriweather"/>
-              <a:ea typeface="Merriweather"/>
-              <a:cs typeface="Merriweather"/>
-              <a:sym typeface="Merriweather"/>
-            </a:endParaRPr>
-          </a:p>
-          <a:p>
-            <a:pPr indent="0" lvl="0" marL="457200" rtl="0" algn="l">
-              <a:spcBef>
-                <a:spcPts val="0"/>
-              </a:spcBef>
-              <a:spcAft>
-                <a:spcPts val="0"/>
-              </a:spcAft>
-              <a:buNone/>
-            </a:pPr>
-            <a:r>
-              <a:t/>
-            </a:r>
-            <a:endParaRPr sz="2050">
-              <a:solidFill>
-                <a:srgbClr val="002F4A"/>
-              </a:solidFill>
-              <a:latin typeface="Merriweather"/>
-              <a:ea typeface="Merriweather"/>
-              <a:cs typeface="Merriweather"/>
-              <a:sym typeface="Merriweather"/>
-            </a:endParaRPr>
-          </a:p>
-          <a:p>
-            <a:pPr indent="0" lvl="0" marL="0" rtl="0" algn="l">
-              <a:spcBef>
-                <a:spcPts val="0"/>
-              </a:spcBef>
-              <a:spcAft>
-                <a:spcPts val="0"/>
-              </a:spcAft>
-              <a:buNone/>
-            </a:pPr>
-            <a:r>
-              <a:t/>
-            </a:r>
-            <a:endParaRPr sz="2050">
-              <a:solidFill>
-                <a:srgbClr val="002F4A"/>
-              </a:solidFill>
-              <a:latin typeface="Merriweather"/>
-              <a:ea typeface="Merriweather"/>
-              <a:cs typeface="Merriweather"/>
-              <a:sym typeface="Merriweather"/>
-            </a:endParaRPr>
-          </a:p>
-          <a:p>
-            <a:pPr indent="-349011" lvl="0" marL="457200" rtl="0" algn="l">
-              <a:spcBef>
-                <a:spcPts val="0"/>
-              </a:spcBef>
-              <a:spcAft>
-                <a:spcPts val="0"/>
-              </a:spcAft>
-              <a:buClr>
-                <a:srgbClr val="002F4A"/>
-              </a:buClr>
-              <a:buSzPct val="100000"/>
-              <a:buFont typeface="Merriweather"/>
-              <a:buAutoNum type="arabicPeriod"/>
-            </a:pPr>
-            <a:r>
-              <a:rPr lang="en" sz="2050">
-                <a:solidFill>
-                  <a:srgbClr val="002F4A"/>
-                </a:solidFill>
-                <a:latin typeface="Merriweather"/>
-                <a:ea typeface="Merriweather"/>
-                <a:cs typeface="Merriweather"/>
-                <a:sym typeface="Merriweather"/>
-              </a:rPr>
-              <a:t>Prone to cold start problem</a:t>
-            </a:r>
-            <a:endParaRPr sz="2050">
-              <a:solidFill>
-                <a:srgbClr val="002F4A"/>
-              </a:solidFill>
-              <a:latin typeface="Merriweather"/>
-              <a:ea typeface="Merriweather"/>
-              <a:cs typeface="Merriweather"/>
-              <a:sym typeface="Merriweather"/>
-            </a:endParaRPr>
-          </a:p>
-          <a:p>
-            <a:pPr indent="0" lvl="0" marL="457200" rtl="0" algn="l">
-              <a:spcBef>
-                <a:spcPts val="0"/>
-              </a:spcBef>
-              <a:spcAft>
-                <a:spcPts val="0"/>
-              </a:spcAft>
-              <a:buNone/>
-            </a:pPr>
-            <a:r>
-              <a:t/>
-            </a:r>
-            <a:endParaRPr sz="2050">
-              <a:solidFill>
-                <a:srgbClr val="002F4A"/>
-              </a:solidFill>
-              <a:latin typeface="Merriweather"/>
-              <a:ea typeface="Merriweather"/>
-              <a:cs typeface="Merriweather"/>
-              <a:sym typeface="Merriweather"/>
-            </a:endParaRPr>
-          </a:p>
-          <a:p>
-            <a:pPr indent="0" lvl="0" marL="0" rtl="0" algn="l">
-              <a:spcBef>
-                <a:spcPts val="0"/>
-              </a:spcBef>
-              <a:spcAft>
-                <a:spcPts val="0"/>
-              </a:spcAft>
-              <a:buNone/>
-            </a:pPr>
-            <a:r>
-              <a:t/>
-            </a:r>
-            <a:endParaRPr sz="2050">
-              <a:solidFill>
-                <a:srgbClr val="002F4A"/>
-              </a:solidFill>
-              <a:latin typeface="Merriweather"/>
-              <a:ea typeface="Merriweather"/>
-              <a:cs typeface="Merriweather"/>
-              <a:sym typeface="Merriweather"/>
-            </a:endParaRPr>
-          </a:p>
-          <a:p>
-            <a:pPr indent="-349011" lvl="0" marL="457200" rtl="0" algn="l">
-              <a:spcBef>
-                <a:spcPts val="0"/>
-              </a:spcBef>
-              <a:spcAft>
-                <a:spcPts val="0"/>
-              </a:spcAft>
-              <a:buClr>
-                <a:srgbClr val="002F4A"/>
-              </a:buClr>
-              <a:buSzPct val="100000"/>
-              <a:buFont typeface="Merriweather"/>
-              <a:buAutoNum type="arabicPeriod"/>
-            </a:pPr>
-            <a:r>
-              <a:rPr lang="en" sz="2050">
-                <a:solidFill>
-                  <a:srgbClr val="002F4A"/>
-                </a:solidFill>
-                <a:latin typeface="Merriweather"/>
-                <a:ea typeface="Merriweather"/>
-                <a:cs typeface="Merriweather"/>
-                <a:sym typeface="Merriweather"/>
-              </a:rPr>
-              <a:t>Provides novelty and serendipity</a:t>
-            </a:r>
-            <a:endParaRPr sz="2050">
-              <a:solidFill>
-                <a:srgbClr val="002F4A"/>
-              </a:solidFill>
-              <a:latin typeface="Merriweather"/>
-              <a:ea typeface="Merriweather"/>
-              <a:cs typeface="Merriweather"/>
-              <a:sym typeface="Merriweather"/>
-            </a:endParaRPr>
-          </a:p>
-          <a:p>
-            <a:pPr indent="0" lvl="0" marL="0" rtl="0" algn="l">
-              <a:spcBef>
-                <a:spcPts val="0"/>
-              </a:spcBef>
-              <a:spcAft>
-                <a:spcPts val="0"/>
-              </a:spcAft>
-              <a:buNone/>
-            </a:pPr>
-            <a:r>
-              <a:t/>
-            </a:r>
-            <a:endParaRPr sz="2100">
-              <a:solidFill>
-                <a:srgbClr val="002F4A"/>
-              </a:solidFill>
-              <a:latin typeface="Merriweather"/>
-              <a:ea typeface="Merriweather"/>
-              <a:cs typeface="Merriweather"/>
-              <a:sym typeface="Merriweather"/>
-            </a:endParaRPr>
-          </a:p>
-          <a:p>
-            <a:pPr indent="0" lvl="0" marL="0" rtl="0" algn="l">
-              <a:spcBef>
-                <a:spcPts val="0"/>
-              </a:spcBef>
-              <a:spcAft>
-                <a:spcPts val="0"/>
-              </a:spcAft>
-              <a:buNone/>
-            </a:pPr>
-            <a:r>
-              <a:t/>
-            </a:r>
-            <a:endParaRPr sz="2100">
-              <a:solidFill>
-                <a:srgbClr val="002F4A"/>
-              </a:solidFill>
-              <a:latin typeface="Merriweather"/>
-              <a:ea typeface="Merriweather"/>
-              <a:cs typeface="Merriweather"/>
-              <a:sym typeface="Merriweather"/>
-            </a:endParaRPr>
-          </a:p>
-          <a:p>
-            <a:pPr indent="0" lvl="0" marL="457200" rtl="0" algn="l">
-              <a:spcBef>
-                <a:spcPts val="0"/>
-              </a:spcBef>
-              <a:spcAft>
-                <a:spcPts val="0"/>
-              </a:spcAft>
-              <a:buNone/>
-            </a:pPr>
-            <a:r>
-              <a:t/>
-            </a:r>
-            <a:endParaRPr sz="2100">
-              <a:solidFill>
-                <a:srgbClr val="002F4A"/>
-              </a:solidFill>
-              <a:latin typeface="Merriweather"/>
-              <a:ea typeface="Merriweather"/>
-              <a:cs typeface="Merriweather"/>
-              <a:sym typeface="Merriweather"/>
-            </a:endParaRPr>
-          </a:p>
-        </p:txBody>
-      </p:sp>
-      <p:pic>
-        <p:nvPicPr>
-          <p:cNvPr id="169" name="Google Shape;169;p29"/>
-          <p:cNvPicPr preferRelativeResize="0"/>
-          <p:nvPr/>
-        </p:nvPicPr>
-        <p:blipFill>
-          <a:blip r:embed="rId4">
-            <a:alphaModFix/>
-          </a:blip>
-          <a:stretch>
-            <a:fillRect/>
-          </a:stretch>
-        </p:blipFill>
-        <p:spPr>
-          <a:xfrm>
-            <a:off x="5296725" y="303569"/>
-            <a:ext cx="3711050" cy="2147675"/>
-          </a:xfrm>
-          <a:prstGeom prst="rect">
-            <a:avLst/>
-          </a:prstGeom>
-          <a:noFill/>
-          <a:ln>
-            <a:noFill/>
-          </a:ln>
-        </p:spPr>
-      </p:pic>
-      <p:pic>
-        <p:nvPicPr>
-          <p:cNvPr id="170" name="Google Shape;170;p29"/>
-          <p:cNvPicPr preferRelativeResize="0"/>
-          <p:nvPr/>
-        </p:nvPicPr>
-        <p:blipFill>
-          <a:blip r:embed="rId5">
-            <a:alphaModFix/>
-          </a:blip>
-          <a:stretch>
-            <a:fillRect/>
-          </a:stretch>
-        </p:blipFill>
-        <p:spPr>
-          <a:xfrm>
-            <a:off x="5296725" y="2571750"/>
-            <a:ext cx="3711049" cy="2467000"/>
           </a:xfrm>
           <a:prstGeom prst="rect">
             <a:avLst/>
@@ -11015,7 +11167,7 @@
         </p:nvPicPr>
         <p:blipFill>
           <a:blip r:embed="rId3">
-            <a:alphaModFix amt="30000"/>
+            <a:alphaModFix amt="20000"/>
           </a:blip>
           <a:stretch>
             <a:fillRect/>
@@ -11043,8 +11195,8 @@
         </p:nvSpPr>
         <p:spPr>
           <a:xfrm>
-            <a:off x="71275" y="154300"/>
-            <a:ext cx="8666100" cy="4914900"/>
+            <a:off x="1683150" y="2093375"/>
+            <a:ext cx="6024300" cy="836700"/>
           </a:xfrm>
           <a:prstGeom prst="rect">
             <a:avLst/>
@@ -11056,7 +11208,7 @@
         </p:spPr>
         <p:txBody>
           <a:bodyPr anchorCtr="0" anchor="t" bIns="91425" lIns="91425" spcFirstLastPara="1" rIns="91425" wrap="square" tIns="91425">
-            <a:normAutofit lnSpcReduction="10000"/>
+            <a:normAutofit/>
           </a:bodyPr>
           <a:lstStyle/>
           <a:p>
@@ -11070,7 +11222,7 @@
               <a:buNone/>
             </a:pPr>
             <a:r>
-              <a:rPr lang="en" sz="2983">
+              <a:rPr lang="en" sz="3200">
                 <a:solidFill>
                   <a:srgbClr val="002F4A"/>
                 </a:solidFill>
@@ -11080,366 +11232,6 @@
                 <a:sym typeface="Merriweather"/>
               </a:rPr>
               <a:t>Collaborative Based filtering</a:t>
-            </a:r>
-            <a:endParaRPr sz="2983">
-              <a:solidFill>
-                <a:srgbClr val="002F4A"/>
-              </a:solidFill>
-              <a:latin typeface="Merriweather"/>
-              <a:ea typeface="Merriweather"/>
-              <a:cs typeface="Merriweather"/>
-              <a:sym typeface="Merriweather"/>
-            </a:endParaRPr>
-          </a:p>
-          <a:p>
-            <a:pPr indent="0" lvl="0" marL="0" rtl="0" algn="l">
-              <a:spcBef>
-                <a:spcPts val="0"/>
-              </a:spcBef>
-              <a:spcAft>
-                <a:spcPts val="0"/>
-              </a:spcAft>
-              <a:buNone/>
-            </a:pPr>
-            <a:r>
-              <a:t/>
-            </a:r>
-            <a:endParaRPr sz="2050">
-              <a:solidFill>
-                <a:srgbClr val="002F4A"/>
-              </a:solidFill>
-              <a:latin typeface="Merriweather"/>
-              <a:ea typeface="Merriweather"/>
-              <a:cs typeface="Merriweather"/>
-              <a:sym typeface="Merriweather"/>
-            </a:endParaRPr>
-          </a:p>
-          <a:p>
-            <a:pPr indent="0" lvl="0" marL="0" rtl="0" algn="l">
-              <a:spcBef>
-                <a:spcPts val="0"/>
-              </a:spcBef>
-              <a:spcAft>
-                <a:spcPts val="0"/>
-              </a:spcAft>
-              <a:buNone/>
-            </a:pPr>
-            <a:r>
-              <a:t/>
-            </a:r>
-            <a:endParaRPr sz="2050">
-              <a:solidFill>
-                <a:srgbClr val="002F4A"/>
-              </a:solidFill>
-              <a:latin typeface="Merriweather"/>
-              <a:ea typeface="Merriweather"/>
-              <a:cs typeface="Merriweather"/>
-              <a:sym typeface="Merriweather"/>
-            </a:endParaRPr>
-          </a:p>
-          <a:p>
-            <a:pPr indent="-339725" lvl="0" marL="457200" rtl="0" algn="l">
-              <a:spcBef>
-                <a:spcPts val="0"/>
-              </a:spcBef>
-              <a:spcAft>
-                <a:spcPts val="0"/>
-              </a:spcAft>
-              <a:buClr>
-                <a:srgbClr val="002F4A"/>
-              </a:buClr>
-              <a:buSzPts val="1750"/>
-              <a:buFont typeface="Merriweather"/>
-              <a:buAutoNum type="arabicPeriod"/>
-            </a:pPr>
-            <a:r>
-              <a:rPr lang="en" sz="1750">
-                <a:solidFill>
-                  <a:srgbClr val="002F4A"/>
-                </a:solidFill>
-                <a:latin typeface="Merriweather"/>
-                <a:ea typeface="Merriweather"/>
-                <a:cs typeface="Merriweather"/>
-                <a:sym typeface="Merriweather"/>
-              </a:rPr>
-              <a:t>Memory based techniques</a:t>
-            </a:r>
-            <a:endParaRPr sz="1750">
-              <a:solidFill>
-                <a:srgbClr val="002F4A"/>
-              </a:solidFill>
-              <a:latin typeface="Merriweather"/>
-              <a:ea typeface="Merriweather"/>
-              <a:cs typeface="Merriweather"/>
-              <a:sym typeface="Merriweather"/>
-            </a:endParaRPr>
-          </a:p>
-          <a:p>
-            <a:pPr indent="-339725" lvl="1" marL="914400" rtl="0" algn="l">
-              <a:spcBef>
-                <a:spcPts val="0"/>
-              </a:spcBef>
-              <a:spcAft>
-                <a:spcPts val="0"/>
-              </a:spcAft>
-              <a:buClr>
-                <a:srgbClr val="002F4A"/>
-              </a:buClr>
-              <a:buSzPts val="1750"/>
-              <a:buFont typeface="Merriweather"/>
-              <a:buAutoNum type="alphaLcPeriod"/>
-            </a:pPr>
-            <a:r>
-              <a:rPr lang="en" sz="1750">
-                <a:solidFill>
-                  <a:srgbClr val="002F4A"/>
-                </a:solidFill>
-                <a:latin typeface="Merriweather"/>
-                <a:ea typeface="Merriweather"/>
-                <a:cs typeface="Merriweather"/>
-                <a:sym typeface="Merriweather"/>
-              </a:rPr>
-              <a:t>rely heavily on simple similarity measures (Cosine similarity, Pearson correlation, Jaccard coefficient etc) to match similar people or items together. </a:t>
-            </a:r>
-            <a:endParaRPr sz="1750">
-              <a:solidFill>
-                <a:srgbClr val="002F4A"/>
-              </a:solidFill>
-              <a:latin typeface="Merriweather"/>
-              <a:ea typeface="Merriweather"/>
-              <a:cs typeface="Merriweather"/>
-              <a:sym typeface="Merriweather"/>
-            </a:endParaRPr>
-          </a:p>
-          <a:p>
-            <a:pPr indent="0" lvl="0" marL="914400" rtl="0" algn="l">
-              <a:spcBef>
-                <a:spcPts val="0"/>
-              </a:spcBef>
-              <a:spcAft>
-                <a:spcPts val="0"/>
-              </a:spcAft>
-              <a:buNone/>
-            </a:pPr>
-            <a:r>
-              <a:t/>
-            </a:r>
-            <a:endParaRPr sz="1750">
-              <a:solidFill>
-                <a:srgbClr val="002F4A"/>
-              </a:solidFill>
-              <a:latin typeface="Merriweather"/>
-              <a:ea typeface="Merriweather"/>
-              <a:cs typeface="Merriweather"/>
-              <a:sym typeface="Merriweather"/>
-            </a:endParaRPr>
-          </a:p>
-          <a:p>
-            <a:pPr indent="-339725" lvl="1" marL="914400" rtl="0" algn="l">
-              <a:spcBef>
-                <a:spcPts val="0"/>
-              </a:spcBef>
-              <a:spcAft>
-                <a:spcPts val="0"/>
-              </a:spcAft>
-              <a:buClr>
-                <a:srgbClr val="002F4A"/>
-              </a:buClr>
-              <a:buSzPts val="1750"/>
-              <a:buFont typeface="Merriweather"/>
-              <a:buAutoNum type="alphaLcPeriod"/>
-            </a:pPr>
-            <a:r>
-              <a:rPr lang="en" sz="1750">
-                <a:solidFill>
-                  <a:srgbClr val="002F4A"/>
-                </a:solidFill>
-                <a:latin typeface="Merriweather"/>
-                <a:ea typeface="Merriweather"/>
-                <a:cs typeface="Merriweather"/>
-                <a:sym typeface="Merriweather"/>
-              </a:rPr>
-              <a:t>considered a more memory intensive method compared to model based techniques.</a:t>
-            </a:r>
-            <a:endParaRPr sz="1750">
-              <a:solidFill>
-                <a:srgbClr val="002F4A"/>
-              </a:solidFill>
-              <a:latin typeface="Merriweather"/>
-              <a:ea typeface="Merriweather"/>
-              <a:cs typeface="Merriweather"/>
-              <a:sym typeface="Merriweather"/>
-            </a:endParaRPr>
-          </a:p>
-          <a:p>
-            <a:pPr indent="0" lvl="0" marL="0" rtl="0" algn="l">
-              <a:spcBef>
-                <a:spcPts val="0"/>
-              </a:spcBef>
-              <a:spcAft>
-                <a:spcPts val="0"/>
-              </a:spcAft>
-              <a:buNone/>
-            </a:pPr>
-            <a:r>
-              <a:t/>
-            </a:r>
-            <a:endParaRPr sz="1750">
-              <a:solidFill>
-                <a:srgbClr val="002F4A"/>
-              </a:solidFill>
-              <a:latin typeface="Merriweather"/>
-              <a:ea typeface="Merriweather"/>
-              <a:cs typeface="Merriweather"/>
-              <a:sym typeface="Merriweather"/>
-            </a:endParaRPr>
-          </a:p>
-          <a:p>
-            <a:pPr indent="-339725" lvl="0" marL="457200" rtl="0" algn="l">
-              <a:spcBef>
-                <a:spcPts val="0"/>
-              </a:spcBef>
-              <a:spcAft>
-                <a:spcPts val="0"/>
-              </a:spcAft>
-              <a:buClr>
-                <a:srgbClr val="002F4A"/>
-              </a:buClr>
-              <a:buSzPts val="1750"/>
-              <a:buFont typeface="Merriweather"/>
-              <a:buAutoNum type="arabicPeriod"/>
-            </a:pPr>
-            <a:r>
-              <a:rPr lang="en" sz="1750">
-                <a:solidFill>
-                  <a:srgbClr val="002F4A"/>
-                </a:solidFill>
-                <a:latin typeface="Merriweather"/>
-                <a:ea typeface="Merriweather"/>
-                <a:cs typeface="Merriweather"/>
-                <a:sym typeface="Merriweather"/>
-              </a:rPr>
-              <a:t>Model based techniques</a:t>
-            </a:r>
-            <a:endParaRPr sz="1750">
-              <a:solidFill>
-                <a:srgbClr val="002F4A"/>
-              </a:solidFill>
-              <a:latin typeface="Merriweather"/>
-              <a:ea typeface="Merriweather"/>
-              <a:cs typeface="Merriweather"/>
-              <a:sym typeface="Merriweather"/>
-            </a:endParaRPr>
-          </a:p>
-          <a:p>
-            <a:pPr indent="-339725" lvl="1" marL="914400" rtl="0" algn="l">
-              <a:spcBef>
-                <a:spcPts val="0"/>
-              </a:spcBef>
-              <a:spcAft>
-                <a:spcPts val="0"/>
-              </a:spcAft>
-              <a:buClr>
-                <a:srgbClr val="002F4A"/>
-              </a:buClr>
-              <a:buSzPts val="1750"/>
-              <a:buFont typeface="Merriweather"/>
-              <a:buAutoNum type="alphaLcPeriod"/>
-            </a:pPr>
-            <a:r>
-              <a:rPr lang="en" sz="1750">
-                <a:solidFill>
-                  <a:srgbClr val="002F4A"/>
-                </a:solidFill>
-                <a:latin typeface="Merriweather"/>
-                <a:ea typeface="Merriweather"/>
-                <a:cs typeface="Merriweather"/>
-                <a:sym typeface="Merriweather"/>
-              </a:rPr>
-              <a:t>tackle the task of “guessing” how much a user will like an item that they did not encounter before. </a:t>
-            </a:r>
-            <a:endParaRPr sz="1750">
-              <a:solidFill>
-                <a:srgbClr val="002F4A"/>
-              </a:solidFill>
-              <a:latin typeface="Merriweather"/>
-              <a:ea typeface="Merriweather"/>
-              <a:cs typeface="Merriweather"/>
-              <a:sym typeface="Merriweather"/>
-            </a:endParaRPr>
-          </a:p>
-          <a:p>
-            <a:pPr indent="0" lvl="0" marL="914400" rtl="0" algn="l">
-              <a:spcBef>
-                <a:spcPts val="0"/>
-              </a:spcBef>
-              <a:spcAft>
-                <a:spcPts val="0"/>
-              </a:spcAft>
-              <a:buNone/>
-            </a:pPr>
-            <a:r>
-              <a:t/>
-            </a:r>
-            <a:endParaRPr sz="1750">
-              <a:solidFill>
-                <a:srgbClr val="002F4A"/>
-              </a:solidFill>
-              <a:latin typeface="Merriweather"/>
-              <a:ea typeface="Merriweather"/>
-              <a:cs typeface="Merriweather"/>
-              <a:sym typeface="Merriweather"/>
-            </a:endParaRPr>
-          </a:p>
-          <a:p>
-            <a:pPr indent="-339725" lvl="1" marL="914400" rtl="0" algn="l">
-              <a:spcBef>
-                <a:spcPts val="0"/>
-              </a:spcBef>
-              <a:spcAft>
-                <a:spcPts val="0"/>
-              </a:spcAft>
-              <a:buClr>
-                <a:srgbClr val="002F4A"/>
-              </a:buClr>
-              <a:buSzPts val="1750"/>
-              <a:buFont typeface="Merriweather"/>
-              <a:buAutoNum type="alphaLcPeriod"/>
-            </a:pPr>
-            <a:r>
-              <a:rPr lang="en" sz="1750">
-                <a:solidFill>
-                  <a:srgbClr val="002F4A"/>
-                </a:solidFill>
-                <a:latin typeface="Merriweather"/>
-                <a:ea typeface="Merriweather"/>
-                <a:cs typeface="Merriweather"/>
-                <a:sym typeface="Merriweather"/>
-              </a:rPr>
-              <a:t>utilize several machine learning algorithms to train on the vector of items for a specific user </a:t>
-            </a:r>
-            <a:endParaRPr sz="1750">
-              <a:solidFill>
-                <a:srgbClr val="002F4A"/>
-              </a:solidFill>
-              <a:latin typeface="Merriweather"/>
-              <a:ea typeface="Merriweather"/>
-              <a:cs typeface="Merriweather"/>
-              <a:sym typeface="Merriweather"/>
-            </a:endParaRPr>
-          </a:p>
-          <a:p>
-            <a:pPr indent="0" lvl="0" marL="0" rtl="0" algn="l">
-              <a:spcBef>
-                <a:spcPts val="0"/>
-              </a:spcBef>
-              <a:spcAft>
-                <a:spcPts val="0"/>
-              </a:spcAft>
-              <a:buNone/>
-            </a:pPr>
-            <a:r>
-              <a:t/>
             </a:r>
             <a:endParaRPr sz="2100">
               <a:solidFill>
@@ -11486,7 +11278,7 @@
         </p:nvPicPr>
         <p:blipFill>
           <a:blip r:embed="rId3">
-            <a:alphaModFix amt="30000"/>
+            <a:alphaModFix amt="20000"/>
           </a:blip>
           <a:stretch>
             <a:fillRect/>
@@ -11515,7 +11307,7 @@
         <p:spPr>
           <a:xfrm>
             <a:off x="71275" y="154300"/>
-            <a:ext cx="8666100" cy="4914900"/>
+            <a:ext cx="5225400" cy="4637400"/>
           </a:xfrm>
           <a:prstGeom prst="rect">
             <a:avLst/>
@@ -11527,7 +11319,7 @@
         </p:spPr>
         <p:txBody>
           <a:bodyPr anchorCtr="0" anchor="t" bIns="91425" lIns="91425" spcFirstLastPara="1" rIns="91425" wrap="square" tIns="91425">
-            <a:normAutofit lnSpcReduction="10000"/>
+            <a:normAutofit fontScale="85000" lnSpcReduction="10000"/>
           </a:bodyPr>
           <a:lstStyle/>
           <a:p>
@@ -11596,6 +11388,34 @@
               <a:buNone/>
             </a:pPr>
             <a:r>
+              <a:t/>
+            </a:r>
+            <a:endParaRPr sz="2050">
+              <a:solidFill>
+                <a:srgbClr val="002F4A"/>
+              </a:solidFill>
+              <a:latin typeface="Merriweather"/>
+              <a:ea typeface="Merriweather"/>
+              <a:cs typeface="Merriweather"/>
+              <a:sym typeface="Merriweather"/>
+            </a:endParaRPr>
+          </a:p>
+          <a:p>
+            <a:pPr indent="-339248" lvl="0" marL="457200" rtl="0" algn="l">
+              <a:spcBef>
+                <a:spcPts val="0"/>
+              </a:spcBef>
+              <a:spcAft>
+                <a:spcPts val="0"/>
+              </a:spcAft>
+              <a:buClr>
+                <a:srgbClr val="002F4A"/>
+              </a:buClr>
+              <a:buSzPct val="100000"/>
+              <a:buFont typeface="Merriweather"/>
+              <a:buAutoNum type="arabicPeriod"/>
+            </a:pPr>
+            <a:r>
               <a:rPr lang="en" sz="2050">
                 <a:solidFill>
                   <a:srgbClr val="002F4A"/>
@@ -11605,7 +11425,7 @@
                 <a:cs typeface="Merriweather"/>
                 <a:sym typeface="Merriweather"/>
               </a:rPr>
-              <a:t>SURPRISE recommender library</a:t>
+              <a:t>Using similarity between users / items to recommend items </a:t>
             </a:r>
             <a:endParaRPr sz="2050">
               <a:solidFill>
@@ -11618,6 +11438,29 @@
             </a:endParaRPr>
           </a:p>
           <a:p>
+            <a:pPr indent="0" lvl="0" marL="457200" rtl="0" algn="l">
+              <a:spcBef>
+                <a:spcPts val="0"/>
+              </a:spcBef>
+              <a:spcAft>
+                <a:spcPts val="0"/>
+              </a:spcAft>
+              <a:buNone/>
+            </a:pPr>
+            <a:r>
+              <a:t/>
+            </a:r>
+            <a:endParaRPr sz="2050">
+              <a:solidFill>
+                <a:srgbClr val="002F4A"/>
+              </a:solidFill>
+              <a:latin typeface="Merriweather"/>
+              <a:ea typeface="Merriweather"/>
+              <a:cs typeface="Merriweather"/>
+              <a:sym typeface="Merriweather"/>
+            </a:endParaRPr>
+          </a:p>
+          <a:p>
             <a:pPr indent="0" lvl="0" marL="0" rtl="0" algn="l">
               <a:spcBef>
                 <a:spcPts val="0"/>
@@ -11641,7 +11484,7 @@
             </a:endParaRPr>
           </a:p>
           <a:p>
-            <a:pPr indent="-339725" lvl="0" marL="457200" rtl="0" algn="l">
+            <a:pPr indent="-339248" lvl="0" marL="457200" rtl="0" algn="l">
               <a:spcBef>
                 <a:spcPts val="0"/>
               </a:spcBef>
@@ -11651,12 +11494,12 @@
               <a:buClr>
                 <a:srgbClr val="002F4A"/>
               </a:buClr>
-              <a:buSzPts val="1750"/>
+              <a:buSzPct val="100000"/>
               <a:buFont typeface="Merriweather"/>
               <a:buAutoNum type="arabicPeriod"/>
             </a:pPr>
             <a:r>
-              <a:rPr lang="en" sz="1750">
+              <a:rPr lang="en" sz="2050">
                 <a:solidFill>
                   <a:srgbClr val="002F4A"/>
                 </a:solidFill>
@@ -11665,9 +11508,9 @@
                 <a:cs typeface="Merriweather"/>
                 <a:sym typeface="Merriweather"/>
               </a:rPr>
-              <a:t>Memory based techniques</a:t>
-            </a:r>
-            <a:endParaRPr sz="1750">
+              <a:t>Requires user rating for recommendation</a:t>
+            </a:r>
+            <a:endParaRPr sz="2050">
               <a:solidFill>
                 <a:srgbClr val="002F4A"/>
               </a:solidFill>
@@ -11690,18 +11533,41 @@
             <a:r>
               <a:t/>
             </a:r>
-            <a:endParaRPr sz="1750">
-              <a:solidFill>
-                <a:srgbClr val="002F4A"/>
-              </a:solidFill>
-              <a:latin typeface="Merriweather"/>
-              <a:ea typeface="Merriweather"/>
-              <a:cs typeface="Merriweather"/>
-              <a:sym typeface="Merriweather"/>
-            </a:endParaRPr>
-          </a:p>
-          <a:p>
-            <a:pPr indent="-339725" lvl="1" marL="914400" rtl="0" algn="l">
+            <a:endParaRPr sz="2050">
+              <a:solidFill>
+                <a:srgbClr val="002F4A"/>
+              </a:solidFill>
+              <a:latin typeface="Merriweather"/>
+              <a:ea typeface="Merriweather"/>
+              <a:cs typeface="Merriweather"/>
+              <a:sym typeface="Merriweather"/>
+            </a:endParaRPr>
+          </a:p>
+          <a:p>
+            <a:pPr indent="0" lvl="0" marL="0" rtl="0" algn="l">
+              <a:spcBef>
+                <a:spcPts val="0"/>
+              </a:spcBef>
+              <a:spcAft>
+                <a:spcPts val="0"/>
+              </a:spcAft>
+              <a:buNone/>
+            </a:pPr>
+            <a:r>
+              <a:t/>
+            </a:r>
+            <a:endParaRPr sz="2050">
+              <a:solidFill>
+                <a:srgbClr val="002F4A"/>
+              </a:solidFill>
+              <a:latin typeface="Merriweather"/>
+              <a:ea typeface="Merriweather"/>
+              <a:cs typeface="Merriweather"/>
+              <a:sym typeface="Merriweather"/>
+            </a:endParaRPr>
+          </a:p>
+          <a:p>
+            <a:pPr indent="-339248" lvl="0" marL="457200" rtl="0" algn="l">
               <a:spcBef>
                 <a:spcPts val="0"/>
               </a:spcBef>
@@ -11711,12 +11577,12 @@
               <a:buClr>
                 <a:srgbClr val="002F4A"/>
               </a:buClr>
-              <a:buSzPts val="1750"/>
+              <a:buSzPct val="100000"/>
               <a:buFont typeface="Merriweather"/>
-              <a:buAutoNum type="alphaLcPeriod"/>
-            </a:pPr>
-            <a:r>
-              <a:rPr lang="en" sz="1750">
+              <a:buAutoNum type="arabicPeriod"/>
+            </a:pPr>
+            <a:r>
+              <a:rPr lang="en" sz="2050">
                 <a:solidFill>
                   <a:srgbClr val="002F4A"/>
                 </a:solidFill>
@@ -11725,20 +11591,20 @@
                 <a:cs typeface="Merriweather"/>
                 <a:sym typeface="Merriweather"/>
               </a:rPr>
-              <a:t>KNNBasic - a basic collaborative filtering algorithm</a:t>
-            </a:r>
-            <a:endParaRPr sz="1750">
-              <a:solidFill>
-                <a:srgbClr val="002F4A"/>
-              </a:solidFill>
-              <a:latin typeface="Merriweather"/>
-              <a:ea typeface="Merriweather"/>
-              <a:cs typeface="Merriweather"/>
-              <a:sym typeface="Merriweather"/>
-            </a:endParaRPr>
-          </a:p>
-          <a:p>
-            <a:pPr indent="0" lvl="0" marL="914400" rtl="0" algn="l">
+              <a:t>Prone to cold start problem</a:t>
+            </a:r>
+            <a:endParaRPr sz="2050">
+              <a:solidFill>
+                <a:srgbClr val="002F4A"/>
+              </a:solidFill>
+              <a:latin typeface="Merriweather"/>
+              <a:ea typeface="Merriweather"/>
+              <a:cs typeface="Merriweather"/>
+              <a:sym typeface="Merriweather"/>
+            </a:endParaRPr>
+          </a:p>
+          <a:p>
+            <a:pPr indent="0" lvl="0" marL="457200" rtl="0" algn="l">
               <a:spcBef>
                 <a:spcPts val="0"/>
               </a:spcBef>
@@ -11750,18 +11616,41 @@
             <a:r>
               <a:t/>
             </a:r>
-            <a:endParaRPr sz="1750">
-              <a:solidFill>
-                <a:srgbClr val="002F4A"/>
-              </a:solidFill>
-              <a:latin typeface="Merriweather"/>
-              <a:ea typeface="Merriweather"/>
-              <a:cs typeface="Merriweather"/>
-              <a:sym typeface="Merriweather"/>
-            </a:endParaRPr>
-          </a:p>
-          <a:p>
-            <a:pPr indent="-339725" lvl="1" marL="914400" rtl="0" algn="l">
+            <a:endParaRPr sz="2050">
+              <a:solidFill>
+                <a:srgbClr val="002F4A"/>
+              </a:solidFill>
+              <a:latin typeface="Merriweather"/>
+              <a:ea typeface="Merriweather"/>
+              <a:cs typeface="Merriweather"/>
+              <a:sym typeface="Merriweather"/>
+            </a:endParaRPr>
+          </a:p>
+          <a:p>
+            <a:pPr indent="0" lvl="0" marL="0" rtl="0" algn="l">
+              <a:spcBef>
+                <a:spcPts val="0"/>
+              </a:spcBef>
+              <a:spcAft>
+                <a:spcPts val="0"/>
+              </a:spcAft>
+              <a:buNone/>
+            </a:pPr>
+            <a:r>
+              <a:t/>
+            </a:r>
+            <a:endParaRPr sz="2050">
+              <a:solidFill>
+                <a:srgbClr val="002F4A"/>
+              </a:solidFill>
+              <a:latin typeface="Merriweather"/>
+              <a:ea typeface="Merriweather"/>
+              <a:cs typeface="Merriweather"/>
+              <a:sym typeface="Merriweather"/>
+            </a:endParaRPr>
+          </a:p>
+          <a:p>
+            <a:pPr indent="-339248" lvl="0" marL="457200" rtl="0" algn="l">
               <a:spcBef>
                 <a:spcPts val="0"/>
               </a:spcBef>
@@ -11771,12 +11660,12 @@
               <a:buClr>
                 <a:srgbClr val="002F4A"/>
               </a:buClr>
-              <a:buSzPts val="1750"/>
+              <a:buSzPct val="100000"/>
               <a:buFont typeface="Merriweather"/>
-              <a:buAutoNum type="alphaLcPeriod"/>
-            </a:pPr>
-            <a:r>
-              <a:rPr lang="en" sz="1750">
+              <a:buAutoNum type="arabicPeriod"/>
+            </a:pPr>
+            <a:r>
+              <a:rPr lang="en" sz="2050">
                 <a:solidFill>
                   <a:srgbClr val="002F4A"/>
                 </a:solidFill>
@@ -11785,33 +11674,9 @@
                 <a:cs typeface="Merriweather"/>
                 <a:sym typeface="Merriweather"/>
               </a:rPr>
-              <a:t>KNNWithMeans - takes into </a:t>
-            </a:r>
-            <a:r>
-              <a:rPr lang="en" sz="1750">
-                <a:solidFill>
-                  <a:srgbClr val="002F4A"/>
-                </a:solidFill>
-                <a:latin typeface="Merriweather"/>
-                <a:ea typeface="Merriweather"/>
-                <a:cs typeface="Merriweather"/>
-                <a:sym typeface="Merriweather"/>
-              </a:rPr>
-              <a:t>account</a:t>
-            </a:r>
-            <a:r>
-              <a:rPr lang="en" sz="1750">
-                <a:solidFill>
-                  <a:srgbClr val="002F4A"/>
-                </a:solidFill>
-                <a:latin typeface="Merriweather"/>
-                <a:ea typeface="Merriweather"/>
-                <a:cs typeface="Merriweather"/>
-                <a:sym typeface="Merriweather"/>
-              </a:rPr>
-              <a:t> mean ratings of each user</a:t>
-            </a:r>
-            <a:endParaRPr sz="1750">
+              <a:t>Provides novelty and serendipity, lacks in relevance</a:t>
+            </a:r>
+            <a:endParaRPr sz="2050">
               <a:solidFill>
                 <a:srgbClr val="002F4A"/>
               </a:solidFill>
@@ -11834,44 +11699,30 @@
             <a:r>
               <a:t/>
             </a:r>
-            <a:endParaRPr sz="1750">
-              <a:solidFill>
-                <a:srgbClr val="002F4A"/>
-              </a:solidFill>
-              <a:latin typeface="Merriweather"/>
-              <a:ea typeface="Merriweather"/>
-              <a:cs typeface="Merriweather"/>
-              <a:sym typeface="Merriweather"/>
-            </a:endParaRPr>
-          </a:p>
-          <a:p>
-            <a:pPr indent="-339725" lvl="0" marL="457200" rtl="0" algn="l">
-              <a:spcBef>
-                <a:spcPts val="0"/>
-              </a:spcBef>
-              <a:spcAft>
-                <a:spcPts val="0"/>
-              </a:spcAft>
-              <a:buClr>
-                <a:srgbClr val="002F4A"/>
-              </a:buClr>
-              <a:buSzPts val="1750"/>
-              <a:buFont typeface="Merriweather"/>
-              <a:buAutoNum type="arabicPeriod"/>
-            </a:pPr>
-            <a:r>
-              <a:rPr lang="en" sz="1750">
-                <a:solidFill>
-                  <a:srgbClr val="002F4A"/>
-                </a:solidFill>
-                <a:latin typeface="Merriweather"/>
-                <a:ea typeface="Merriweather"/>
-                <a:cs typeface="Merriweather"/>
-                <a:sym typeface="Merriweather"/>
-              </a:rPr>
-              <a:t>Model based techniques</a:t>
-            </a:r>
-            <a:endParaRPr sz="1750">
+            <a:endParaRPr sz="2100">
+              <a:solidFill>
+                <a:srgbClr val="002F4A"/>
+              </a:solidFill>
+              <a:latin typeface="Merriweather"/>
+              <a:ea typeface="Merriweather"/>
+              <a:cs typeface="Merriweather"/>
+              <a:sym typeface="Merriweather"/>
+            </a:endParaRPr>
+          </a:p>
+          <a:p>
+            <a:pPr indent="0" lvl="0" marL="0" rtl="0" algn="l">
+              <a:spcBef>
+                <a:spcPts val="0"/>
+              </a:spcBef>
+              <a:spcAft>
+                <a:spcPts val="0"/>
+              </a:spcAft>
+              <a:buNone/>
+            </a:pPr>
+            <a:r>
+              <a:t/>
+            </a:r>
+            <a:endParaRPr sz="2100">
               <a:solidFill>
                 <a:srgbClr val="002F4A"/>
               </a:solidFill>
@@ -11883,186 +11734,6 @@
           </a:p>
           <a:p>
             <a:pPr indent="0" lvl="0" marL="457200" rtl="0" algn="l">
-              <a:spcBef>
-                <a:spcPts val="0"/>
-              </a:spcBef>
-              <a:spcAft>
-                <a:spcPts val="0"/>
-              </a:spcAft>
-              <a:buNone/>
-            </a:pPr>
-            <a:r>
-              <a:t/>
-            </a:r>
-            <a:endParaRPr sz="1750">
-              <a:solidFill>
-                <a:srgbClr val="002F4A"/>
-              </a:solidFill>
-              <a:latin typeface="Merriweather"/>
-              <a:ea typeface="Merriweather"/>
-              <a:cs typeface="Merriweather"/>
-              <a:sym typeface="Merriweather"/>
-            </a:endParaRPr>
-          </a:p>
-          <a:p>
-            <a:pPr indent="-339725" lvl="1" marL="914400" rtl="0" algn="l">
-              <a:spcBef>
-                <a:spcPts val="0"/>
-              </a:spcBef>
-              <a:spcAft>
-                <a:spcPts val="0"/>
-              </a:spcAft>
-              <a:buClr>
-                <a:srgbClr val="002F4A"/>
-              </a:buClr>
-              <a:buSzPts val="1750"/>
-              <a:buFont typeface="Merriweather"/>
-              <a:buAutoNum type="alphaLcPeriod"/>
-            </a:pPr>
-            <a:r>
-              <a:rPr lang="en" sz="1750">
-                <a:solidFill>
-                  <a:srgbClr val="002F4A"/>
-                </a:solidFill>
-                <a:latin typeface="Merriweather"/>
-                <a:ea typeface="Merriweather"/>
-                <a:cs typeface="Merriweather"/>
-                <a:sym typeface="Merriweather"/>
-              </a:rPr>
-              <a:t>SVD - similar to Probabilistic Matrix Factorization</a:t>
-            </a:r>
-            <a:endParaRPr sz="1750">
-              <a:solidFill>
-                <a:srgbClr val="002F4A"/>
-              </a:solidFill>
-              <a:latin typeface="Merriweather"/>
-              <a:ea typeface="Merriweather"/>
-              <a:cs typeface="Merriweather"/>
-              <a:sym typeface="Merriweather"/>
-            </a:endParaRPr>
-          </a:p>
-          <a:p>
-            <a:pPr indent="0" lvl="0" marL="914400" rtl="0" algn="l">
-              <a:spcBef>
-                <a:spcPts val="0"/>
-              </a:spcBef>
-              <a:spcAft>
-                <a:spcPts val="0"/>
-              </a:spcAft>
-              <a:buNone/>
-            </a:pPr>
-            <a:r>
-              <a:t/>
-            </a:r>
-            <a:endParaRPr sz="1750">
-              <a:solidFill>
-                <a:srgbClr val="002F4A"/>
-              </a:solidFill>
-              <a:latin typeface="Merriweather"/>
-              <a:ea typeface="Merriweather"/>
-              <a:cs typeface="Merriweather"/>
-              <a:sym typeface="Merriweather"/>
-            </a:endParaRPr>
-          </a:p>
-          <a:p>
-            <a:pPr indent="-339725" lvl="1" marL="914400" rtl="0" algn="l">
-              <a:spcBef>
-                <a:spcPts val="0"/>
-              </a:spcBef>
-              <a:spcAft>
-                <a:spcPts val="0"/>
-              </a:spcAft>
-              <a:buClr>
-                <a:srgbClr val="002F4A"/>
-              </a:buClr>
-              <a:buSzPts val="1750"/>
-              <a:buFont typeface="Merriweather"/>
-              <a:buAutoNum type="alphaLcPeriod"/>
-            </a:pPr>
-            <a:r>
-              <a:rPr lang="en" sz="1750">
-                <a:solidFill>
-                  <a:srgbClr val="002F4A"/>
-                </a:solidFill>
-                <a:latin typeface="Merriweather"/>
-                <a:ea typeface="Merriweather"/>
-                <a:cs typeface="Merriweather"/>
-                <a:sym typeface="Merriweather"/>
-              </a:rPr>
-              <a:t>BaselineOnly - predicts baseline estimate for user and item</a:t>
-            </a:r>
-            <a:endParaRPr sz="1750">
-              <a:solidFill>
-                <a:srgbClr val="002F4A"/>
-              </a:solidFill>
-              <a:latin typeface="Merriweather"/>
-              <a:ea typeface="Merriweather"/>
-              <a:cs typeface="Merriweather"/>
-              <a:sym typeface="Merriweather"/>
-            </a:endParaRPr>
-          </a:p>
-          <a:p>
-            <a:pPr indent="0" lvl="0" marL="914400" rtl="0" algn="l">
-              <a:spcBef>
-                <a:spcPts val="0"/>
-              </a:spcBef>
-              <a:spcAft>
-                <a:spcPts val="0"/>
-              </a:spcAft>
-              <a:buNone/>
-            </a:pPr>
-            <a:r>
-              <a:t/>
-            </a:r>
-            <a:endParaRPr sz="1750">
-              <a:solidFill>
-                <a:srgbClr val="002F4A"/>
-              </a:solidFill>
-              <a:latin typeface="Merriweather"/>
-              <a:ea typeface="Merriweather"/>
-              <a:cs typeface="Merriweather"/>
-              <a:sym typeface="Merriweather"/>
-            </a:endParaRPr>
-          </a:p>
-          <a:p>
-            <a:pPr indent="-339725" lvl="1" marL="914400" rtl="0" algn="l">
-              <a:spcBef>
-                <a:spcPts val="0"/>
-              </a:spcBef>
-              <a:spcAft>
-                <a:spcPts val="0"/>
-              </a:spcAft>
-              <a:buClr>
-                <a:srgbClr val="002F4A"/>
-              </a:buClr>
-              <a:buSzPts val="1750"/>
-              <a:buFont typeface="Merriweather"/>
-              <a:buAutoNum type="alphaLcPeriod"/>
-            </a:pPr>
-            <a:r>
-              <a:rPr lang="en" sz="1750">
-                <a:solidFill>
-                  <a:srgbClr val="002F4A"/>
-                </a:solidFill>
-                <a:latin typeface="Merriweather"/>
-                <a:ea typeface="Merriweather"/>
-                <a:cs typeface="Merriweather"/>
-                <a:sym typeface="Merriweather"/>
-              </a:rPr>
-              <a:t>NMF - very similar to SVD, user and item factors are kept positive </a:t>
-            </a:r>
-            <a:endParaRPr sz="1750">
-              <a:solidFill>
-                <a:srgbClr val="002F4A"/>
-              </a:solidFill>
-              <a:latin typeface="Merriweather"/>
-              <a:ea typeface="Merriweather"/>
-              <a:cs typeface="Merriweather"/>
-              <a:sym typeface="Merriweather"/>
-            </a:endParaRPr>
-          </a:p>
-          <a:p>
-            <a:pPr indent="0" lvl="0" marL="0" rtl="0" algn="l">
               <a:spcBef>
                 <a:spcPts val="0"/>
               </a:spcBef>
@@ -12086,6 +11757,62 @@
           </a:p>
         </p:txBody>
       </p:sp>
+      <p:pic>
+        <p:nvPicPr>
+          <p:cNvPr id="183" name="Google Shape;183;p31"/>
+          <p:cNvPicPr preferRelativeResize="0"/>
+          <p:nvPr/>
+        </p:nvPicPr>
+        <p:blipFill>
+          <a:blip r:embed="rId4">
+            <a:alphaModFix/>
+          </a:blip>
+          <a:stretch>
+            <a:fillRect/>
+          </a:stretch>
+        </p:blipFill>
+        <p:spPr>
+          <a:xfrm>
+            <a:off x="5296725" y="303569"/>
+            <a:ext cx="3711050" cy="2147675"/>
+          </a:xfrm>
+          <a:prstGeom prst="rect">
+            <a:avLst/>
+          </a:prstGeom>
+          <a:noFill/>
+          <a:ln>
+            <a:noFill/>
+          </a:ln>
+        </p:spPr>
+      </p:pic>
+      <p:pic>
+        <p:nvPicPr>
+          <p:cNvPr id="184" name="Google Shape;184;p31"/>
+          <p:cNvPicPr preferRelativeResize="0"/>
+          <p:nvPr/>
+        </p:nvPicPr>
+        <p:blipFill>
+          <a:blip r:embed="rId5">
+            <a:alphaModFix/>
+          </a:blip>
+          <a:stretch>
+            <a:fillRect/>
+          </a:stretch>
+        </p:blipFill>
+        <p:spPr>
+          <a:xfrm>
+            <a:off x="5296725" y="2571750"/>
+            <a:ext cx="3711049" cy="2467000"/>
+          </a:xfrm>
+          <a:prstGeom prst="rect">
+            <a:avLst/>
+          </a:prstGeom>
+          <a:noFill/>
+          <a:ln>
+            <a:noFill/>
+          </a:ln>
+        </p:spPr>
+      </p:pic>
     </p:spTree>
   </p:cSld>
   <p:clrMapOvr>
@@ -12119,7 +11846,7 @@
         </p:nvPicPr>
         <p:blipFill>
           <a:blip r:embed="rId3">
-            <a:alphaModFix amt="30000"/>
+            <a:alphaModFix amt="20000"/>
           </a:blip>
           <a:stretch>
             <a:fillRect/>
@@ -12510,7 +12237,7 @@
   <p:cSld>
     <p:spTree>
       <p:nvGrpSpPr>
-        <p:cNvPr id="186" name="Shape 186"/>
+        <p:cNvPr id="188" name="Shape 188"/>
         <p:cNvGrpSpPr/>
         <p:nvPr/>
       </p:nvGrpSpPr>
@@ -12524,13 +12251,13 @@
       </p:grpSpPr>
       <p:pic>
         <p:nvPicPr>
-          <p:cNvPr id="187" name="Google Shape;187;p32"/>
+          <p:cNvPr id="189" name="Google Shape;189;p32"/>
           <p:cNvPicPr preferRelativeResize="0"/>
           <p:nvPr/>
         </p:nvPicPr>
         <p:blipFill>
           <a:blip r:embed="rId3">
-            <a:alphaModFix amt="30000"/>
+            <a:alphaModFix amt="20000"/>
           </a:blip>
           <a:stretch>
             <a:fillRect/>
@@ -12552,7 +12279,1597 @@
       </p:pic>
       <p:sp>
         <p:nvSpPr>
-          <p:cNvPr id="188" name="Google Shape;188;p32"/>
+          <p:cNvPr id="190" name="Google Shape;190;p32"/>
+          <p:cNvSpPr txBox="1"/>
+          <p:nvPr/>
+        </p:nvSpPr>
+        <p:spPr>
+          <a:xfrm>
+            <a:off x="71275" y="154300"/>
+            <a:ext cx="8666100" cy="4914900"/>
+          </a:xfrm>
+          <a:prstGeom prst="rect">
+            <a:avLst/>
+          </a:prstGeom>
+          <a:noFill/>
+          <a:ln>
+            <a:noFill/>
+          </a:ln>
+        </p:spPr>
+        <p:txBody>
+          <a:bodyPr anchorCtr="0" anchor="t" bIns="91425" lIns="91425" spcFirstLastPara="1" rIns="91425" wrap="square" tIns="91425">
+            <a:normAutofit lnSpcReduction="10000"/>
+          </a:bodyPr>
+          <a:lstStyle/>
+          <a:p>
+            <a:pPr indent="0" lvl="0" marL="0" rtl="0" algn="l">
+              <a:spcBef>
+                <a:spcPts val="0"/>
+              </a:spcBef>
+              <a:spcAft>
+                <a:spcPts val="0"/>
+              </a:spcAft>
+              <a:buNone/>
+            </a:pPr>
+            <a:r>
+              <a:rPr lang="en" sz="2983">
+                <a:solidFill>
+                  <a:srgbClr val="002F4A"/>
+                </a:solidFill>
+                <a:latin typeface="Merriweather"/>
+                <a:ea typeface="Merriweather"/>
+                <a:cs typeface="Merriweather"/>
+                <a:sym typeface="Merriweather"/>
+              </a:rPr>
+              <a:t>Collaborative Based filtering</a:t>
+            </a:r>
+            <a:endParaRPr sz="2983">
+              <a:solidFill>
+                <a:srgbClr val="002F4A"/>
+              </a:solidFill>
+              <a:latin typeface="Merriweather"/>
+              <a:ea typeface="Merriweather"/>
+              <a:cs typeface="Merriweather"/>
+              <a:sym typeface="Merriweather"/>
+            </a:endParaRPr>
+          </a:p>
+          <a:p>
+            <a:pPr indent="0" lvl="0" marL="0" rtl="0" algn="l">
+              <a:spcBef>
+                <a:spcPts val="0"/>
+              </a:spcBef>
+              <a:spcAft>
+                <a:spcPts val="0"/>
+              </a:spcAft>
+              <a:buNone/>
+            </a:pPr>
+            <a:r>
+              <a:t/>
+            </a:r>
+            <a:endParaRPr sz="2050">
+              <a:solidFill>
+                <a:srgbClr val="002F4A"/>
+              </a:solidFill>
+              <a:latin typeface="Merriweather"/>
+              <a:ea typeface="Merriweather"/>
+              <a:cs typeface="Merriweather"/>
+              <a:sym typeface="Merriweather"/>
+            </a:endParaRPr>
+          </a:p>
+          <a:p>
+            <a:pPr indent="0" lvl="0" marL="0" rtl="0" algn="l">
+              <a:spcBef>
+                <a:spcPts val="0"/>
+              </a:spcBef>
+              <a:spcAft>
+                <a:spcPts val="0"/>
+              </a:spcAft>
+              <a:buNone/>
+            </a:pPr>
+            <a:r>
+              <a:t/>
+            </a:r>
+            <a:endParaRPr sz="2050">
+              <a:solidFill>
+                <a:srgbClr val="002F4A"/>
+              </a:solidFill>
+              <a:latin typeface="Merriweather"/>
+              <a:ea typeface="Merriweather"/>
+              <a:cs typeface="Merriweather"/>
+              <a:sym typeface="Merriweather"/>
+            </a:endParaRPr>
+          </a:p>
+          <a:p>
+            <a:pPr indent="-339725" lvl="0" marL="457200" rtl="0" algn="l">
+              <a:spcBef>
+                <a:spcPts val="0"/>
+              </a:spcBef>
+              <a:spcAft>
+                <a:spcPts val="0"/>
+              </a:spcAft>
+              <a:buClr>
+                <a:srgbClr val="002F4A"/>
+              </a:buClr>
+              <a:buSzPts val="1750"/>
+              <a:buFont typeface="Merriweather"/>
+              <a:buAutoNum type="arabicPeriod"/>
+            </a:pPr>
+            <a:r>
+              <a:rPr lang="en" sz="1750">
+                <a:solidFill>
+                  <a:srgbClr val="002F4A"/>
+                </a:solidFill>
+                <a:latin typeface="Merriweather"/>
+                <a:ea typeface="Merriweather"/>
+                <a:cs typeface="Merriweather"/>
+                <a:sym typeface="Merriweather"/>
+              </a:rPr>
+              <a:t>Memory based techniques</a:t>
+            </a:r>
+            <a:endParaRPr sz="1750">
+              <a:solidFill>
+                <a:srgbClr val="002F4A"/>
+              </a:solidFill>
+              <a:latin typeface="Merriweather"/>
+              <a:ea typeface="Merriweather"/>
+              <a:cs typeface="Merriweather"/>
+              <a:sym typeface="Merriweather"/>
+            </a:endParaRPr>
+          </a:p>
+          <a:p>
+            <a:pPr indent="-339725" lvl="1" marL="914400" rtl="0" algn="l">
+              <a:spcBef>
+                <a:spcPts val="0"/>
+              </a:spcBef>
+              <a:spcAft>
+                <a:spcPts val="0"/>
+              </a:spcAft>
+              <a:buClr>
+                <a:srgbClr val="002F4A"/>
+              </a:buClr>
+              <a:buSzPts val="1750"/>
+              <a:buFont typeface="Merriweather"/>
+              <a:buAutoNum type="alphaLcPeriod"/>
+            </a:pPr>
+            <a:r>
+              <a:rPr lang="en" sz="1750">
+                <a:solidFill>
+                  <a:srgbClr val="002F4A"/>
+                </a:solidFill>
+                <a:latin typeface="Merriweather"/>
+                <a:ea typeface="Merriweather"/>
+                <a:cs typeface="Merriweather"/>
+                <a:sym typeface="Merriweather"/>
+              </a:rPr>
+              <a:t>rely heavily on simple similarity measures (Cosine similarity, Pearson correlation, Jaccard coefficient etc) to match similar people or items together</a:t>
+            </a:r>
+            <a:endParaRPr sz="1750">
+              <a:solidFill>
+                <a:srgbClr val="002F4A"/>
+              </a:solidFill>
+              <a:latin typeface="Merriweather"/>
+              <a:ea typeface="Merriweather"/>
+              <a:cs typeface="Merriweather"/>
+              <a:sym typeface="Merriweather"/>
+            </a:endParaRPr>
+          </a:p>
+          <a:p>
+            <a:pPr indent="0" lvl="0" marL="914400" rtl="0" algn="l">
+              <a:spcBef>
+                <a:spcPts val="0"/>
+              </a:spcBef>
+              <a:spcAft>
+                <a:spcPts val="0"/>
+              </a:spcAft>
+              <a:buNone/>
+            </a:pPr>
+            <a:r>
+              <a:t/>
+            </a:r>
+            <a:endParaRPr sz="1750">
+              <a:solidFill>
+                <a:srgbClr val="002F4A"/>
+              </a:solidFill>
+              <a:latin typeface="Merriweather"/>
+              <a:ea typeface="Merriweather"/>
+              <a:cs typeface="Merriweather"/>
+              <a:sym typeface="Merriweather"/>
+            </a:endParaRPr>
+          </a:p>
+          <a:p>
+            <a:pPr indent="-339725" lvl="1" marL="914400" rtl="0" algn="l">
+              <a:spcBef>
+                <a:spcPts val="0"/>
+              </a:spcBef>
+              <a:spcAft>
+                <a:spcPts val="0"/>
+              </a:spcAft>
+              <a:buClr>
+                <a:srgbClr val="002F4A"/>
+              </a:buClr>
+              <a:buSzPts val="1750"/>
+              <a:buFont typeface="Merriweather"/>
+              <a:buAutoNum type="alphaLcPeriod"/>
+            </a:pPr>
+            <a:r>
+              <a:rPr lang="en" sz="1750">
+                <a:solidFill>
+                  <a:srgbClr val="002F4A"/>
+                </a:solidFill>
+                <a:latin typeface="Merriweather"/>
+                <a:ea typeface="Merriweather"/>
+                <a:cs typeface="Merriweather"/>
+                <a:sym typeface="Merriweather"/>
+              </a:rPr>
+              <a:t>considered more memory intensive as compared to model based techniques</a:t>
+            </a:r>
+            <a:endParaRPr sz="1750">
+              <a:solidFill>
+                <a:srgbClr val="002F4A"/>
+              </a:solidFill>
+              <a:latin typeface="Merriweather"/>
+              <a:ea typeface="Merriweather"/>
+              <a:cs typeface="Merriweather"/>
+              <a:sym typeface="Merriweather"/>
+            </a:endParaRPr>
+          </a:p>
+          <a:p>
+            <a:pPr indent="0" lvl="0" marL="0" rtl="0" algn="l">
+              <a:spcBef>
+                <a:spcPts val="0"/>
+              </a:spcBef>
+              <a:spcAft>
+                <a:spcPts val="0"/>
+              </a:spcAft>
+              <a:buNone/>
+            </a:pPr>
+            <a:r>
+              <a:t/>
+            </a:r>
+            <a:endParaRPr sz="1750">
+              <a:solidFill>
+                <a:srgbClr val="002F4A"/>
+              </a:solidFill>
+              <a:latin typeface="Merriweather"/>
+              <a:ea typeface="Merriweather"/>
+              <a:cs typeface="Merriweather"/>
+              <a:sym typeface="Merriweather"/>
+            </a:endParaRPr>
+          </a:p>
+          <a:p>
+            <a:pPr indent="-339725" lvl="0" marL="457200" rtl="0" algn="l">
+              <a:spcBef>
+                <a:spcPts val="0"/>
+              </a:spcBef>
+              <a:spcAft>
+                <a:spcPts val="0"/>
+              </a:spcAft>
+              <a:buClr>
+                <a:srgbClr val="002F4A"/>
+              </a:buClr>
+              <a:buSzPts val="1750"/>
+              <a:buFont typeface="Merriweather"/>
+              <a:buAutoNum type="arabicPeriod"/>
+            </a:pPr>
+            <a:r>
+              <a:rPr lang="en" sz="1750">
+                <a:solidFill>
+                  <a:srgbClr val="002F4A"/>
+                </a:solidFill>
+                <a:latin typeface="Merriweather"/>
+                <a:ea typeface="Merriweather"/>
+                <a:cs typeface="Merriweather"/>
+                <a:sym typeface="Merriweather"/>
+              </a:rPr>
+              <a:t>Model based techniques</a:t>
+            </a:r>
+            <a:endParaRPr sz="1750">
+              <a:solidFill>
+                <a:srgbClr val="002F4A"/>
+              </a:solidFill>
+              <a:latin typeface="Merriweather"/>
+              <a:ea typeface="Merriweather"/>
+              <a:cs typeface="Merriweather"/>
+              <a:sym typeface="Merriweather"/>
+            </a:endParaRPr>
+          </a:p>
+          <a:p>
+            <a:pPr indent="-339725" lvl="1" marL="914400" rtl="0" algn="l">
+              <a:spcBef>
+                <a:spcPts val="0"/>
+              </a:spcBef>
+              <a:spcAft>
+                <a:spcPts val="0"/>
+              </a:spcAft>
+              <a:buClr>
+                <a:srgbClr val="002F4A"/>
+              </a:buClr>
+              <a:buSzPts val="1750"/>
+              <a:buFont typeface="Merriweather"/>
+              <a:buAutoNum type="alphaLcPeriod"/>
+            </a:pPr>
+            <a:r>
+              <a:rPr lang="en" sz="1750">
+                <a:solidFill>
+                  <a:srgbClr val="002F4A"/>
+                </a:solidFill>
+                <a:latin typeface="Merriweather"/>
+                <a:ea typeface="Merriweather"/>
+                <a:cs typeface="Merriweather"/>
+                <a:sym typeface="Merriweather"/>
+              </a:rPr>
+              <a:t>“guess” how much a user will like an item that they did not encounter before</a:t>
+            </a:r>
+            <a:endParaRPr sz="1750">
+              <a:solidFill>
+                <a:srgbClr val="002F4A"/>
+              </a:solidFill>
+              <a:latin typeface="Merriweather"/>
+              <a:ea typeface="Merriweather"/>
+              <a:cs typeface="Merriweather"/>
+              <a:sym typeface="Merriweather"/>
+            </a:endParaRPr>
+          </a:p>
+          <a:p>
+            <a:pPr indent="0" lvl="0" marL="914400" rtl="0" algn="l">
+              <a:spcBef>
+                <a:spcPts val="0"/>
+              </a:spcBef>
+              <a:spcAft>
+                <a:spcPts val="0"/>
+              </a:spcAft>
+              <a:buNone/>
+            </a:pPr>
+            <a:r>
+              <a:t/>
+            </a:r>
+            <a:endParaRPr sz="1750">
+              <a:solidFill>
+                <a:srgbClr val="002F4A"/>
+              </a:solidFill>
+              <a:latin typeface="Merriweather"/>
+              <a:ea typeface="Merriweather"/>
+              <a:cs typeface="Merriweather"/>
+              <a:sym typeface="Merriweather"/>
+            </a:endParaRPr>
+          </a:p>
+          <a:p>
+            <a:pPr indent="-339725" lvl="1" marL="914400" rtl="0" algn="l">
+              <a:spcBef>
+                <a:spcPts val="0"/>
+              </a:spcBef>
+              <a:spcAft>
+                <a:spcPts val="0"/>
+              </a:spcAft>
+              <a:buClr>
+                <a:srgbClr val="002F4A"/>
+              </a:buClr>
+              <a:buSzPts val="1750"/>
+              <a:buFont typeface="Merriweather"/>
+              <a:buAutoNum type="alphaLcPeriod"/>
+            </a:pPr>
+            <a:r>
+              <a:rPr lang="en" sz="1750">
+                <a:solidFill>
+                  <a:srgbClr val="002F4A"/>
+                </a:solidFill>
+                <a:latin typeface="Merriweather"/>
+                <a:ea typeface="Merriweather"/>
+                <a:cs typeface="Merriweather"/>
+                <a:sym typeface="Merriweather"/>
+              </a:rPr>
+              <a:t>utilize machine learning algorithms to train on the vector of items for a specific user </a:t>
+            </a:r>
+            <a:endParaRPr sz="1750">
+              <a:solidFill>
+                <a:srgbClr val="002F4A"/>
+              </a:solidFill>
+              <a:latin typeface="Merriweather"/>
+              <a:ea typeface="Merriweather"/>
+              <a:cs typeface="Merriweather"/>
+              <a:sym typeface="Merriweather"/>
+            </a:endParaRPr>
+          </a:p>
+          <a:p>
+            <a:pPr indent="0" lvl="0" marL="0" rtl="0" algn="l">
+              <a:spcBef>
+                <a:spcPts val="0"/>
+              </a:spcBef>
+              <a:spcAft>
+                <a:spcPts val="0"/>
+              </a:spcAft>
+              <a:buNone/>
+            </a:pPr>
+            <a:r>
+              <a:t/>
+            </a:r>
+            <a:endParaRPr sz="2100">
+              <a:solidFill>
+                <a:srgbClr val="002F4A"/>
+              </a:solidFill>
+              <a:latin typeface="Merriweather"/>
+              <a:ea typeface="Merriweather"/>
+              <a:cs typeface="Merriweather"/>
+              <a:sym typeface="Merriweather"/>
+            </a:endParaRPr>
+          </a:p>
+        </p:txBody>
+      </p:sp>
+    </p:spTree>
+  </p:cSld>
+  <p:clrMapOvr>
+    <a:masterClrMapping/>
+  </p:clrMapOvr>
+</p:sld>
+</file>
+
+<file path=ppt/slides/slide21.xml><?xml version="1.0" encoding="utf-8"?>
+<p:sld xmlns:a="http://schemas.openxmlformats.org/drawingml/2006/main" xmlns:r="http://schemas.openxmlformats.org/officeDocument/2006/relationships" xmlns:mc="http://schemas.openxmlformats.org/markup-compatibility/2006" xmlns:mv="urn:schemas-microsoft-com:mac:vml" xmlns:p="http://schemas.openxmlformats.org/presentationml/2006/main" xmlns:c="http://schemas.openxmlformats.org/drawingml/2006/chart" xmlns:dgm="http://schemas.openxmlformats.org/drawingml/2006/diagram" xmlns:o="urn:schemas-microsoft-com:office:office" xmlns:v="urn:schemas-microsoft-com:vml" xmlns:pvml="urn:schemas-microsoft-com:office:powerpoint" xmlns:com="http://schemas.openxmlformats.org/drawingml/2006/compatibility" xmlns:p14="http://schemas.microsoft.com/office/powerpoint/2010/main" xmlns:p15="http://schemas.microsoft.com/office/powerpoint/2012/main" xmlns:ahyp="http://schemas.microsoft.com/office/drawing/2018/hyperlinkcolor">
+  <p:cSld>
+    <p:spTree>
+      <p:nvGrpSpPr>
+        <p:cNvPr id="194" name="Shape 194"/>
+        <p:cNvGrpSpPr/>
+        <p:nvPr/>
+      </p:nvGrpSpPr>
+      <p:grpSpPr>
+        <a:xfrm>
+          <a:off x="0" y="0"/>
+          <a:ext cx="0" cy="0"/>
+          <a:chOff x="0" y="0"/>
+          <a:chExt cx="0" cy="0"/>
+        </a:xfrm>
+      </p:grpSpPr>
+      <p:pic>
+        <p:nvPicPr>
+          <p:cNvPr id="195" name="Google Shape;195;p33"/>
+          <p:cNvPicPr preferRelativeResize="0"/>
+          <p:nvPr/>
+        </p:nvPicPr>
+        <p:blipFill>
+          <a:blip r:embed="rId3">
+            <a:alphaModFix amt="20000"/>
+          </a:blip>
+          <a:stretch>
+            <a:fillRect/>
+          </a:stretch>
+        </p:blipFill>
+        <p:spPr>
+          <a:xfrm>
+            <a:off x="0" y="0"/>
+            <a:ext cx="9144000" cy="5143500"/>
+          </a:xfrm>
+          <a:prstGeom prst="rect">
+            <a:avLst/>
+          </a:prstGeom>
+          <a:noFill/>
+          <a:ln>
+            <a:noFill/>
+          </a:ln>
+        </p:spPr>
+      </p:pic>
+      <p:sp>
+        <p:nvSpPr>
+          <p:cNvPr id="196" name="Google Shape;196;p33"/>
+          <p:cNvSpPr txBox="1"/>
+          <p:nvPr/>
+        </p:nvSpPr>
+        <p:spPr>
+          <a:xfrm>
+            <a:off x="71275" y="154300"/>
+            <a:ext cx="8666100" cy="4914900"/>
+          </a:xfrm>
+          <a:prstGeom prst="rect">
+            <a:avLst/>
+          </a:prstGeom>
+          <a:noFill/>
+          <a:ln>
+            <a:noFill/>
+          </a:ln>
+        </p:spPr>
+        <p:txBody>
+          <a:bodyPr anchorCtr="0" anchor="t" bIns="91425" lIns="91425" spcFirstLastPara="1" rIns="91425" wrap="square" tIns="91425">
+            <a:normAutofit lnSpcReduction="10000"/>
+          </a:bodyPr>
+          <a:lstStyle/>
+          <a:p>
+            <a:pPr indent="0" lvl="0" marL="0" rtl="0" algn="l">
+              <a:spcBef>
+                <a:spcPts val="0"/>
+              </a:spcBef>
+              <a:spcAft>
+                <a:spcPts val="0"/>
+              </a:spcAft>
+              <a:buNone/>
+            </a:pPr>
+            <a:r>
+              <a:rPr lang="en" sz="2983">
+                <a:solidFill>
+                  <a:srgbClr val="002F4A"/>
+                </a:solidFill>
+                <a:latin typeface="Merriweather"/>
+                <a:ea typeface="Merriweather"/>
+                <a:cs typeface="Merriweather"/>
+                <a:sym typeface="Merriweather"/>
+              </a:rPr>
+              <a:t>Collaborative Based filtering</a:t>
+            </a:r>
+            <a:endParaRPr sz="2983">
+              <a:solidFill>
+                <a:srgbClr val="002F4A"/>
+              </a:solidFill>
+              <a:latin typeface="Merriweather"/>
+              <a:ea typeface="Merriweather"/>
+              <a:cs typeface="Merriweather"/>
+              <a:sym typeface="Merriweather"/>
+            </a:endParaRPr>
+          </a:p>
+          <a:p>
+            <a:pPr indent="0" lvl="0" marL="0" rtl="0" algn="l">
+              <a:spcBef>
+                <a:spcPts val="0"/>
+              </a:spcBef>
+              <a:spcAft>
+                <a:spcPts val="0"/>
+              </a:spcAft>
+              <a:buNone/>
+            </a:pPr>
+            <a:r>
+              <a:t/>
+            </a:r>
+            <a:endParaRPr sz="2050">
+              <a:solidFill>
+                <a:srgbClr val="002F4A"/>
+              </a:solidFill>
+              <a:latin typeface="Merriweather"/>
+              <a:ea typeface="Merriweather"/>
+              <a:cs typeface="Merriweather"/>
+              <a:sym typeface="Merriweather"/>
+            </a:endParaRPr>
+          </a:p>
+          <a:p>
+            <a:pPr indent="0" lvl="0" marL="0" rtl="0" algn="l">
+              <a:spcBef>
+                <a:spcPts val="0"/>
+              </a:spcBef>
+              <a:spcAft>
+                <a:spcPts val="0"/>
+              </a:spcAft>
+              <a:buNone/>
+            </a:pPr>
+            <a:r>
+              <a:rPr lang="en" sz="2050">
+                <a:solidFill>
+                  <a:srgbClr val="002F4A"/>
+                </a:solidFill>
+                <a:latin typeface="Merriweather"/>
+                <a:ea typeface="Merriweather"/>
+                <a:cs typeface="Merriweather"/>
+                <a:sym typeface="Merriweather"/>
+              </a:rPr>
+              <a:t>SURPRISE recommender library</a:t>
+            </a:r>
+            <a:endParaRPr sz="2050">
+              <a:solidFill>
+                <a:srgbClr val="002F4A"/>
+              </a:solidFill>
+              <a:latin typeface="Merriweather"/>
+              <a:ea typeface="Merriweather"/>
+              <a:cs typeface="Merriweather"/>
+              <a:sym typeface="Merriweather"/>
+            </a:endParaRPr>
+          </a:p>
+          <a:p>
+            <a:pPr indent="0" lvl="0" marL="0" rtl="0" algn="l">
+              <a:spcBef>
+                <a:spcPts val="0"/>
+              </a:spcBef>
+              <a:spcAft>
+                <a:spcPts val="0"/>
+              </a:spcAft>
+              <a:buNone/>
+            </a:pPr>
+            <a:r>
+              <a:t/>
+            </a:r>
+            <a:endParaRPr sz="2050">
+              <a:solidFill>
+                <a:srgbClr val="002F4A"/>
+              </a:solidFill>
+              <a:latin typeface="Merriweather"/>
+              <a:ea typeface="Merriweather"/>
+              <a:cs typeface="Merriweather"/>
+              <a:sym typeface="Merriweather"/>
+            </a:endParaRPr>
+          </a:p>
+          <a:p>
+            <a:pPr indent="-339725" lvl="0" marL="457200" rtl="0" algn="l">
+              <a:spcBef>
+                <a:spcPts val="0"/>
+              </a:spcBef>
+              <a:spcAft>
+                <a:spcPts val="0"/>
+              </a:spcAft>
+              <a:buClr>
+                <a:srgbClr val="002F4A"/>
+              </a:buClr>
+              <a:buSzPts val="1750"/>
+              <a:buFont typeface="Merriweather"/>
+              <a:buAutoNum type="arabicPeriod"/>
+            </a:pPr>
+            <a:r>
+              <a:rPr lang="en" sz="1750">
+                <a:solidFill>
+                  <a:srgbClr val="002F4A"/>
+                </a:solidFill>
+                <a:latin typeface="Merriweather"/>
+                <a:ea typeface="Merriweather"/>
+                <a:cs typeface="Merriweather"/>
+                <a:sym typeface="Merriweather"/>
+              </a:rPr>
+              <a:t>Memory based techniques</a:t>
+            </a:r>
+            <a:endParaRPr sz="1750">
+              <a:solidFill>
+                <a:srgbClr val="002F4A"/>
+              </a:solidFill>
+              <a:latin typeface="Merriweather"/>
+              <a:ea typeface="Merriweather"/>
+              <a:cs typeface="Merriweather"/>
+              <a:sym typeface="Merriweather"/>
+            </a:endParaRPr>
+          </a:p>
+          <a:p>
+            <a:pPr indent="0" lvl="0" marL="457200" rtl="0" algn="l">
+              <a:spcBef>
+                <a:spcPts val="0"/>
+              </a:spcBef>
+              <a:spcAft>
+                <a:spcPts val="0"/>
+              </a:spcAft>
+              <a:buNone/>
+            </a:pPr>
+            <a:r>
+              <a:t/>
+            </a:r>
+            <a:endParaRPr sz="1750">
+              <a:solidFill>
+                <a:srgbClr val="002F4A"/>
+              </a:solidFill>
+              <a:latin typeface="Merriweather"/>
+              <a:ea typeface="Merriweather"/>
+              <a:cs typeface="Merriweather"/>
+              <a:sym typeface="Merriweather"/>
+            </a:endParaRPr>
+          </a:p>
+          <a:p>
+            <a:pPr indent="-339725" lvl="1" marL="914400" rtl="0" algn="l">
+              <a:spcBef>
+                <a:spcPts val="0"/>
+              </a:spcBef>
+              <a:spcAft>
+                <a:spcPts val="0"/>
+              </a:spcAft>
+              <a:buClr>
+                <a:srgbClr val="002F4A"/>
+              </a:buClr>
+              <a:buSzPts val="1750"/>
+              <a:buFont typeface="Merriweather"/>
+              <a:buAutoNum type="alphaLcPeriod"/>
+            </a:pPr>
+            <a:r>
+              <a:rPr lang="en" sz="1750">
+                <a:solidFill>
+                  <a:srgbClr val="002F4A"/>
+                </a:solidFill>
+                <a:latin typeface="Merriweather"/>
+                <a:ea typeface="Merriweather"/>
+                <a:cs typeface="Merriweather"/>
+                <a:sym typeface="Merriweather"/>
+              </a:rPr>
+              <a:t>KNNBasic - a basic collaborative filtering algorithm</a:t>
+            </a:r>
+            <a:endParaRPr sz="1750">
+              <a:solidFill>
+                <a:srgbClr val="002F4A"/>
+              </a:solidFill>
+              <a:latin typeface="Merriweather"/>
+              <a:ea typeface="Merriweather"/>
+              <a:cs typeface="Merriweather"/>
+              <a:sym typeface="Merriweather"/>
+            </a:endParaRPr>
+          </a:p>
+          <a:p>
+            <a:pPr indent="0" lvl="0" marL="914400" rtl="0" algn="l">
+              <a:spcBef>
+                <a:spcPts val="0"/>
+              </a:spcBef>
+              <a:spcAft>
+                <a:spcPts val="0"/>
+              </a:spcAft>
+              <a:buNone/>
+            </a:pPr>
+            <a:r>
+              <a:t/>
+            </a:r>
+            <a:endParaRPr sz="1750">
+              <a:solidFill>
+                <a:srgbClr val="002F4A"/>
+              </a:solidFill>
+              <a:latin typeface="Merriweather"/>
+              <a:ea typeface="Merriweather"/>
+              <a:cs typeface="Merriweather"/>
+              <a:sym typeface="Merriweather"/>
+            </a:endParaRPr>
+          </a:p>
+          <a:p>
+            <a:pPr indent="-339725" lvl="1" marL="914400" rtl="0" algn="l">
+              <a:spcBef>
+                <a:spcPts val="0"/>
+              </a:spcBef>
+              <a:spcAft>
+                <a:spcPts val="0"/>
+              </a:spcAft>
+              <a:buClr>
+                <a:srgbClr val="002F4A"/>
+              </a:buClr>
+              <a:buSzPts val="1750"/>
+              <a:buFont typeface="Merriweather"/>
+              <a:buAutoNum type="alphaLcPeriod"/>
+            </a:pPr>
+            <a:r>
+              <a:rPr lang="en" sz="1750">
+                <a:solidFill>
+                  <a:srgbClr val="002F4A"/>
+                </a:solidFill>
+                <a:latin typeface="Merriweather"/>
+                <a:ea typeface="Merriweather"/>
+                <a:cs typeface="Merriweather"/>
+                <a:sym typeface="Merriweather"/>
+              </a:rPr>
+              <a:t>KNNWithMeans - takes into </a:t>
+            </a:r>
+            <a:r>
+              <a:rPr lang="en" sz="1750">
+                <a:solidFill>
+                  <a:srgbClr val="002F4A"/>
+                </a:solidFill>
+                <a:latin typeface="Merriweather"/>
+                <a:ea typeface="Merriweather"/>
+                <a:cs typeface="Merriweather"/>
+                <a:sym typeface="Merriweather"/>
+              </a:rPr>
+              <a:t>account</a:t>
+            </a:r>
+            <a:r>
+              <a:rPr lang="en" sz="1750">
+                <a:solidFill>
+                  <a:srgbClr val="002F4A"/>
+                </a:solidFill>
+                <a:latin typeface="Merriweather"/>
+                <a:ea typeface="Merriweather"/>
+                <a:cs typeface="Merriweather"/>
+                <a:sym typeface="Merriweather"/>
+              </a:rPr>
+              <a:t> mean ratings of each user</a:t>
+            </a:r>
+            <a:endParaRPr sz="1750">
+              <a:solidFill>
+                <a:srgbClr val="002F4A"/>
+              </a:solidFill>
+              <a:latin typeface="Merriweather"/>
+              <a:ea typeface="Merriweather"/>
+              <a:cs typeface="Merriweather"/>
+              <a:sym typeface="Merriweather"/>
+            </a:endParaRPr>
+          </a:p>
+          <a:p>
+            <a:pPr indent="0" lvl="0" marL="0" rtl="0" algn="l">
+              <a:spcBef>
+                <a:spcPts val="0"/>
+              </a:spcBef>
+              <a:spcAft>
+                <a:spcPts val="0"/>
+              </a:spcAft>
+              <a:buNone/>
+            </a:pPr>
+            <a:r>
+              <a:t/>
+            </a:r>
+            <a:endParaRPr sz="1750">
+              <a:solidFill>
+                <a:srgbClr val="002F4A"/>
+              </a:solidFill>
+              <a:latin typeface="Merriweather"/>
+              <a:ea typeface="Merriweather"/>
+              <a:cs typeface="Merriweather"/>
+              <a:sym typeface="Merriweather"/>
+            </a:endParaRPr>
+          </a:p>
+          <a:p>
+            <a:pPr indent="-339725" lvl="0" marL="457200" rtl="0" algn="l">
+              <a:spcBef>
+                <a:spcPts val="0"/>
+              </a:spcBef>
+              <a:spcAft>
+                <a:spcPts val="0"/>
+              </a:spcAft>
+              <a:buClr>
+                <a:srgbClr val="002F4A"/>
+              </a:buClr>
+              <a:buSzPts val="1750"/>
+              <a:buFont typeface="Merriweather"/>
+              <a:buAutoNum type="arabicPeriod"/>
+            </a:pPr>
+            <a:r>
+              <a:rPr lang="en" sz="1750">
+                <a:solidFill>
+                  <a:srgbClr val="002F4A"/>
+                </a:solidFill>
+                <a:latin typeface="Merriweather"/>
+                <a:ea typeface="Merriweather"/>
+                <a:cs typeface="Merriweather"/>
+                <a:sym typeface="Merriweather"/>
+              </a:rPr>
+              <a:t>Model based techniques</a:t>
+            </a:r>
+            <a:endParaRPr sz="1750">
+              <a:solidFill>
+                <a:srgbClr val="002F4A"/>
+              </a:solidFill>
+              <a:latin typeface="Merriweather"/>
+              <a:ea typeface="Merriweather"/>
+              <a:cs typeface="Merriweather"/>
+              <a:sym typeface="Merriweather"/>
+            </a:endParaRPr>
+          </a:p>
+          <a:p>
+            <a:pPr indent="0" lvl="0" marL="457200" rtl="0" algn="l">
+              <a:spcBef>
+                <a:spcPts val="0"/>
+              </a:spcBef>
+              <a:spcAft>
+                <a:spcPts val="0"/>
+              </a:spcAft>
+              <a:buNone/>
+            </a:pPr>
+            <a:r>
+              <a:t/>
+            </a:r>
+            <a:endParaRPr sz="1750">
+              <a:solidFill>
+                <a:srgbClr val="002F4A"/>
+              </a:solidFill>
+              <a:latin typeface="Merriweather"/>
+              <a:ea typeface="Merriweather"/>
+              <a:cs typeface="Merriweather"/>
+              <a:sym typeface="Merriweather"/>
+            </a:endParaRPr>
+          </a:p>
+          <a:p>
+            <a:pPr indent="-339725" lvl="1" marL="914400" rtl="0" algn="l">
+              <a:spcBef>
+                <a:spcPts val="0"/>
+              </a:spcBef>
+              <a:spcAft>
+                <a:spcPts val="0"/>
+              </a:spcAft>
+              <a:buClr>
+                <a:srgbClr val="002F4A"/>
+              </a:buClr>
+              <a:buSzPts val="1750"/>
+              <a:buFont typeface="Merriweather"/>
+              <a:buAutoNum type="alphaLcPeriod"/>
+            </a:pPr>
+            <a:r>
+              <a:rPr lang="en" sz="1750">
+                <a:solidFill>
+                  <a:srgbClr val="002F4A"/>
+                </a:solidFill>
+                <a:latin typeface="Merriweather"/>
+                <a:ea typeface="Merriweather"/>
+                <a:cs typeface="Merriweather"/>
+                <a:sym typeface="Merriweather"/>
+              </a:rPr>
+              <a:t>SVD - similar to Probabilistic Matrix Factorization</a:t>
+            </a:r>
+            <a:endParaRPr sz="1750">
+              <a:solidFill>
+                <a:srgbClr val="002F4A"/>
+              </a:solidFill>
+              <a:latin typeface="Merriweather"/>
+              <a:ea typeface="Merriweather"/>
+              <a:cs typeface="Merriweather"/>
+              <a:sym typeface="Merriweather"/>
+            </a:endParaRPr>
+          </a:p>
+          <a:p>
+            <a:pPr indent="0" lvl="0" marL="914400" rtl="0" algn="l">
+              <a:spcBef>
+                <a:spcPts val="0"/>
+              </a:spcBef>
+              <a:spcAft>
+                <a:spcPts val="0"/>
+              </a:spcAft>
+              <a:buNone/>
+            </a:pPr>
+            <a:r>
+              <a:t/>
+            </a:r>
+            <a:endParaRPr sz="1750">
+              <a:solidFill>
+                <a:srgbClr val="002F4A"/>
+              </a:solidFill>
+              <a:latin typeface="Merriweather"/>
+              <a:ea typeface="Merriweather"/>
+              <a:cs typeface="Merriweather"/>
+              <a:sym typeface="Merriweather"/>
+            </a:endParaRPr>
+          </a:p>
+          <a:p>
+            <a:pPr indent="-339725" lvl="1" marL="914400" rtl="0" algn="l">
+              <a:spcBef>
+                <a:spcPts val="0"/>
+              </a:spcBef>
+              <a:spcAft>
+                <a:spcPts val="0"/>
+              </a:spcAft>
+              <a:buClr>
+                <a:srgbClr val="002F4A"/>
+              </a:buClr>
+              <a:buSzPts val="1750"/>
+              <a:buFont typeface="Merriweather"/>
+              <a:buAutoNum type="alphaLcPeriod"/>
+            </a:pPr>
+            <a:r>
+              <a:rPr lang="en" sz="1750">
+                <a:solidFill>
+                  <a:srgbClr val="002F4A"/>
+                </a:solidFill>
+                <a:latin typeface="Merriweather"/>
+                <a:ea typeface="Merriweather"/>
+                <a:cs typeface="Merriweather"/>
+                <a:sym typeface="Merriweather"/>
+              </a:rPr>
+              <a:t>BaselineOnly - predicts baseline estimate for user and item</a:t>
+            </a:r>
+            <a:endParaRPr sz="1750">
+              <a:solidFill>
+                <a:srgbClr val="002F4A"/>
+              </a:solidFill>
+              <a:latin typeface="Merriweather"/>
+              <a:ea typeface="Merriweather"/>
+              <a:cs typeface="Merriweather"/>
+              <a:sym typeface="Merriweather"/>
+            </a:endParaRPr>
+          </a:p>
+          <a:p>
+            <a:pPr indent="0" lvl="0" marL="914400" rtl="0" algn="l">
+              <a:spcBef>
+                <a:spcPts val="0"/>
+              </a:spcBef>
+              <a:spcAft>
+                <a:spcPts val="0"/>
+              </a:spcAft>
+              <a:buNone/>
+            </a:pPr>
+            <a:r>
+              <a:t/>
+            </a:r>
+            <a:endParaRPr sz="1750">
+              <a:solidFill>
+                <a:srgbClr val="002F4A"/>
+              </a:solidFill>
+              <a:latin typeface="Merriweather"/>
+              <a:ea typeface="Merriweather"/>
+              <a:cs typeface="Merriweather"/>
+              <a:sym typeface="Merriweather"/>
+            </a:endParaRPr>
+          </a:p>
+          <a:p>
+            <a:pPr indent="-339725" lvl="1" marL="914400" rtl="0" algn="l">
+              <a:spcBef>
+                <a:spcPts val="0"/>
+              </a:spcBef>
+              <a:spcAft>
+                <a:spcPts val="0"/>
+              </a:spcAft>
+              <a:buClr>
+                <a:srgbClr val="002F4A"/>
+              </a:buClr>
+              <a:buSzPts val="1750"/>
+              <a:buFont typeface="Merriweather"/>
+              <a:buAutoNum type="alphaLcPeriod"/>
+            </a:pPr>
+            <a:r>
+              <a:rPr lang="en" sz="1750">
+                <a:solidFill>
+                  <a:srgbClr val="002F4A"/>
+                </a:solidFill>
+                <a:latin typeface="Merriweather"/>
+                <a:ea typeface="Merriweather"/>
+                <a:cs typeface="Merriweather"/>
+                <a:sym typeface="Merriweather"/>
+              </a:rPr>
+              <a:t>NMF - very similar to SVD, user and item factors are kept positive </a:t>
+            </a:r>
+            <a:endParaRPr sz="1750">
+              <a:solidFill>
+                <a:srgbClr val="002F4A"/>
+              </a:solidFill>
+              <a:latin typeface="Merriweather"/>
+              <a:ea typeface="Merriweather"/>
+              <a:cs typeface="Merriweather"/>
+              <a:sym typeface="Merriweather"/>
+            </a:endParaRPr>
+          </a:p>
+          <a:p>
+            <a:pPr indent="0" lvl="0" marL="0" rtl="0" algn="l">
+              <a:spcBef>
+                <a:spcPts val="0"/>
+              </a:spcBef>
+              <a:spcAft>
+                <a:spcPts val="0"/>
+              </a:spcAft>
+              <a:buNone/>
+            </a:pPr>
+            <a:r>
+              <a:t/>
+            </a:r>
+            <a:endParaRPr sz="2100">
+              <a:solidFill>
+                <a:srgbClr val="002F4A"/>
+              </a:solidFill>
+              <a:latin typeface="Merriweather"/>
+              <a:ea typeface="Merriweather"/>
+              <a:cs typeface="Merriweather"/>
+              <a:sym typeface="Merriweather"/>
+            </a:endParaRPr>
+          </a:p>
+        </p:txBody>
+      </p:sp>
+    </p:spTree>
+  </p:cSld>
+  <p:clrMapOvr>
+    <a:masterClrMapping/>
+  </p:clrMapOvr>
+</p:sld>
+</file>
+
+<file path=ppt/slides/slide22.xml><?xml version="1.0" encoding="utf-8"?>
+<p:sld xmlns:a="http://schemas.openxmlformats.org/drawingml/2006/main" xmlns:r="http://schemas.openxmlformats.org/officeDocument/2006/relationships" xmlns:mc="http://schemas.openxmlformats.org/markup-compatibility/2006" xmlns:mv="urn:schemas-microsoft-com:mac:vml" xmlns:p="http://schemas.openxmlformats.org/presentationml/2006/main" xmlns:c="http://schemas.openxmlformats.org/drawingml/2006/chart" xmlns:dgm="http://schemas.openxmlformats.org/drawingml/2006/diagram" xmlns:o="urn:schemas-microsoft-com:office:office" xmlns:v="urn:schemas-microsoft-com:vml" xmlns:pvml="urn:schemas-microsoft-com:office:powerpoint" xmlns:com="http://schemas.openxmlformats.org/drawingml/2006/compatibility" xmlns:p14="http://schemas.microsoft.com/office/powerpoint/2010/main" xmlns:p15="http://schemas.microsoft.com/office/powerpoint/2012/main" xmlns:ahyp="http://schemas.microsoft.com/office/drawing/2018/hyperlinkcolor">
+  <p:cSld>
+    <p:spTree>
+      <p:nvGrpSpPr>
+        <p:cNvPr id="200" name="Shape 200"/>
+        <p:cNvGrpSpPr/>
+        <p:nvPr/>
+      </p:nvGrpSpPr>
+      <p:grpSpPr>
+        <a:xfrm>
+          <a:off x="0" y="0"/>
+          <a:ext cx="0" cy="0"/>
+          <a:chOff x="0" y="0"/>
+          <a:chExt cx="0" cy="0"/>
+        </a:xfrm>
+      </p:grpSpPr>
+      <p:pic>
+        <p:nvPicPr>
+          <p:cNvPr id="201" name="Google Shape;201;p34"/>
+          <p:cNvPicPr preferRelativeResize="0"/>
+          <p:nvPr/>
+        </p:nvPicPr>
+        <p:blipFill>
+          <a:blip r:embed="rId3">
+            <a:alphaModFix amt="20000"/>
+          </a:blip>
+          <a:stretch>
+            <a:fillRect/>
+          </a:stretch>
+        </p:blipFill>
+        <p:spPr>
+          <a:xfrm>
+            <a:off x="0" y="0"/>
+            <a:ext cx="9144000" cy="5143500"/>
+          </a:xfrm>
+          <a:prstGeom prst="rect">
+            <a:avLst/>
+          </a:prstGeom>
+          <a:noFill/>
+          <a:ln>
+            <a:noFill/>
+          </a:ln>
+        </p:spPr>
+      </p:pic>
+      <p:sp>
+        <p:nvSpPr>
+          <p:cNvPr id="202" name="Google Shape;202;p34"/>
+          <p:cNvSpPr txBox="1"/>
+          <p:nvPr/>
+        </p:nvSpPr>
+        <p:spPr>
+          <a:xfrm>
+            <a:off x="144675" y="142050"/>
+            <a:ext cx="8666100" cy="4914900"/>
+          </a:xfrm>
+          <a:prstGeom prst="rect">
+            <a:avLst/>
+          </a:prstGeom>
+          <a:noFill/>
+          <a:ln>
+            <a:noFill/>
+          </a:ln>
+        </p:spPr>
+        <p:txBody>
+          <a:bodyPr anchorCtr="0" anchor="t" bIns="91425" lIns="91425" spcFirstLastPara="1" rIns="91425" wrap="square" tIns="91425">
+            <a:normAutofit/>
+          </a:bodyPr>
+          <a:lstStyle/>
+          <a:p>
+            <a:pPr indent="0" lvl="0" marL="0" rtl="0" algn="l">
+              <a:spcBef>
+                <a:spcPts val="0"/>
+              </a:spcBef>
+              <a:spcAft>
+                <a:spcPts val="0"/>
+              </a:spcAft>
+              <a:buNone/>
+            </a:pPr>
+            <a:r>
+              <a:rPr lang="en" sz="2983">
+                <a:solidFill>
+                  <a:srgbClr val="002F4A"/>
+                </a:solidFill>
+                <a:latin typeface="Merriweather"/>
+                <a:ea typeface="Merriweather"/>
+                <a:cs typeface="Merriweather"/>
+                <a:sym typeface="Merriweather"/>
+              </a:rPr>
+              <a:t>Collaborative Based filtering</a:t>
+            </a:r>
+            <a:endParaRPr sz="2983">
+              <a:solidFill>
+                <a:srgbClr val="002F4A"/>
+              </a:solidFill>
+              <a:latin typeface="Merriweather"/>
+              <a:ea typeface="Merriweather"/>
+              <a:cs typeface="Merriweather"/>
+              <a:sym typeface="Merriweather"/>
+            </a:endParaRPr>
+          </a:p>
+          <a:p>
+            <a:pPr indent="0" lvl="0" marL="0" rtl="0" algn="l">
+              <a:spcBef>
+                <a:spcPts val="0"/>
+              </a:spcBef>
+              <a:spcAft>
+                <a:spcPts val="0"/>
+              </a:spcAft>
+              <a:buNone/>
+            </a:pPr>
+            <a:r>
+              <a:t/>
+            </a:r>
+            <a:endParaRPr sz="2050">
+              <a:solidFill>
+                <a:srgbClr val="002F4A"/>
+              </a:solidFill>
+              <a:latin typeface="Merriweather"/>
+              <a:ea typeface="Merriweather"/>
+              <a:cs typeface="Merriweather"/>
+              <a:sym typeface="Merriweather"/>
+            </a:endParaRPr>
+          </a:p>
+          <a:p>
+            <a:pPr indent="-352425" lvl="0" marL="457200" rtl="0" algn="l">
+              <a:spcBef>
+                <a:spcPts val="0"/>
+              </a:spcBef>
+              <a:spcAft>
+                <a:spcPts val="0"/>
+              </a:spcAft>
+              <a:buClr>
+                <a:srgbClr val="002F4A"/>
+              </a:buClr>
+              <a:buSzPts val="1950"/>
+              <a:buFont typeface="Merriweather"/>
+              <a:buAutoNum type="arabicPeriod"/>
+            </a:pPr>
+            <a:r>
+              <a:rPr lang="en" sz="1950">
+                <a:solidFill>
+                  <a:srgbClr val="002F4A"/>
+                </a:solidFill>
+                <a:latin typeface="Merriweather"/>
+                <a:ea typeface="Merriweather"/>
+                <a:cs typeface="Merriweather"/>
+                <a:sym typeface="Merriweather"/>
+              </a:rPr>
+              <a:t>Metrics used: RMSE, MAP@K</a:t>
+            </a:r>
+            <a:endParaRPr sz="1950">
+              <a:solidFill>
+                <a:srgbClr val="002F4A"/>
+              </a:solidFill>
+              <a:latin typeface="Merriweather"/>
+              <a:ea typeface="Merriweather"/>
+              <a:cs typeface="Merriweather"/>
+              <a:sym typeface="Merriweather"/>
+            </a:endParaRPr>
+          </a:p>
+          <a:p>
+            <a:pPr indent="-352425" lvl="0" marL="457200" rtl="0" algn="l">
+              <a:spcBef>
+                <a:spcPts val="0"/>
+              </a:spcBef>
+              <a:spcAft>
+                <a:spcPts val="0"/>
+              </a:spcAft>
+              <a:buClr>
+                <a:srgbClr val="002F4A"/>
+              </a:buClr>
+              <a:buSzPts val="1950"/>
+              <a:buFont typeface="Merriweather"/>
+              <a:buAutoNum type="arabicPeriod"/>
+            </a:pPr>
+            <a:r>
+              <a:rPr lang="en" sz="1950">
+                <a:solidFill>
+                  <a:srgbClr val="002F4A"/>
+                </a:solidFill>
+                <a:latin typeface="Merriweather"/>
+                <a:ea typeface="Merriweather"/>
+                <a:cs typeface="Merriweather"/>
+                <a:sym typeface="Merriweather"/>
+              </a:rPr>
+              <a:t>Users &gt;= 200 ratings</a:t>
+            </a:r>
+            <a:endParaRPr sz="1650">
+              <a:solidFill>
+                <a:srgbClr val="002F4A"/>
+              </a:solidFill>
+              <a:latin typeface="Merriweather"/>
+              <a:ea typeface="Merriweather"/>
+              <a:cs typeface="Merriweather"/>
+              <a:sym typeface="Merriweather"/>
+            </a:endParaRPr>
+          </a:p>
+          <a:p>
+            <a:pPr indent="-355600" lvl="0" marL="457200" rtl="0" algn="l">
+              <a:spcBef>
+                <a:spcPts val="0"/>
+              </a:spcBef>
+              <a:spcAft>
+                <a:spcPts val="0"/>
+              </a:spcAft>
+              <a:buClr>
+                <a:srgbClr val="002F4A"/>
+              </a:buClr>
+              <a:buSzPts val="2000"/>
+              <a:buFont typeface="Merriweather"/>
+              <a:buAutoNum type="arabicPeriod"/>
+            </a:pPr>
+            <a:r>
+              <a:rPr lang="en" sz="2000">
+                <a:solidFill>
+                  <a:srgbClr val="002F4A"/>
+                </a:solidFill>
+                <a:latin typeface="Merriweather"/>
+                <a:ea typeface="Merriweather"/>
+                <a:cs typeface="Merriweather"/>
+                <a:sym typeface="Merriweather"/>
+              </a:rPr>
+              <a:t>100,000 random rows</a:t>
+            </a:r>
+            <a:endParaRPr sz="2000">
+              <a:solidFill>
+                <a:srgbClr val="002F4A"/>
+              </a:solidFill>
+              <a:latin typeface="Merriweather"/>
+              <a:ea typeface="Merriweather"/>
+              <a:cs typeface="Merriweather"/>
+              <a:sym typeface="Merriweather"/>
+            </a:endParaRPr>
+          </a:p>
+          <a:p>
+            <a:pPr indent="0" lvl="0" marL="457200" rtl="0" algn="l">
+              <a:spcBef>
+                <a:spcPts val="0"/>
+              </a:spcBef>
+              <a:spcAft>
+                <a:spcPts val="0"/>
+              </a:spcAft>
+              <a:buNone/>
+            </a:pPr>
+            <a:r>
+              <a:t/>
+            </a:r>
+            <a:endParaRPr sz="2000">
+              <a:solidFill>
+                <a:srgbClr val="002F4A"/>
+              </a:solidFill>
+              <a:latin typeface="Merriweather"/>
+              <a:ea typeface="Merriweather"/>
+              <a:cs typeface="Merriweather"/>
+              <a:sym typeface="Merriweather"/>
+            </a:endParaRPr>
+          </a:p>
+        </p:txBody>
+      </p:sp>
+      <p:pic>
+        <p:nvPicPr>
+          <p:cNvPr id="203" name="Google Shape;203;p34"/>
+          <p:cNvPicPr preferRelativeResize="0"/>
+          <p:nvPr/>
+        </p:nvPicPr>
+        <p:blipFill>
+          <a:blip r:embed="rId4">
+            <a:alphaModFix/>
+          </a:blip>
+          <a:stretch>
+            <a:fillRect/>
+          </a:stretch>
+        </p:blipFill>
+        <p:spPr>
+          <a:xfrm>
+            <a:off x="4353050" y="2351750"/>
+            <a:ext cx="4620700" cy="2390825"/>
+          </a:xfrm>
+          <a:prstGeom prst="rect">
+            <a:avLst/>
+          </a:prstGeom>
+          <a:noFill/>
+          <a:ln>
+            <a:noFill/>
+          </a:ln>
+        </p:spPr>
+      </p:pic>
+      <p:pic>
+        <p:nvPicPr>
+          <p:cNvPr id="204" name="Google Shape;204;p34"/>
+          <p:cNvPicPr preferRelativeResize="0"/>
+          <p:nvPr/>
+        </p:nvPicPr>
+        <p:blipFill>
+          <a:blip r:embed="rId5">
+            <a:alphaModFix/>
+          </a:blip>
+          <a:stretch>
+            <a:fillRect/>
+          </a:stretch>
+        </p:blipFill>
+        <p:spPr>
+          <a:xfrm>
+            <a:off x="71275" y="2351750"/>
+            <a:ext cx="4071275" cy="2390825"/>
+          </a:xfrm>
+          <a:prstGeom prst="rect">
+            <a:avLst/>
+          </a:prstGeom>
+          <a:noFill/>
+          <a:ln>
+            <a:noFill/>
+          </a:ln>
+        </p:spPr>
+      </p:pic>
+      <p:sp>
+        <p:nvSpPr>
+          <p:cNvPr id="205" name="Google Shape;205;p34"/>
+          <p:cNvSpPr/>
+          <p:nvPr/>
+        </p:nvSpPr>
+        <p:spPr>
+          <a:xfrm>
+            <a:off x="1156750" y="3976750"/>
+            <a:ext cx="2860200" cy="250800"/>
+          </a:xfrm>
+          <a:prstGeom prst="rect">
+            <a:avLst/>
+          </a:prstGeom>
+          <a:noFill/>
+          <a:ln cap="flat" cmpd="sng" w="19050">
+            <a:solidFill>
+              <a:srgbClr val="FF0000"/>
+            </a:solidFill>
+            <a:prstDash val="solid"/>
+            <a:round/>
+            <a:headEnd len="sm" w="sm" type="none"/>
+            <a:tailEnd len="sm" w="sm" type="none"/>
+          </a:ln>
+        </p:spPr>
+        <p:txBody>
+          <a:bodyPr anchorCtr="0" anchor="ctr" bIns="91425" lIns="91425" spcFirstLastPara="1" rIns="91425" wrap="square" tIns="91425">
+            <a:noAutofit/>
+          </a:bodyPr>
+          <a:lstStyle/>
+          <a:p>
+            <a:pPr indent="0" lvl="0" marL="0" rtl="0" algn="l">
+              <a:spcBef>
+                <a:spcPts val="0"/>
+              </a:spcBef>
+              <a:spcAft>
+                <a:spcPts val="0"/>
+              </a:spcAft>
+              <a:buNone/>
+            </a:pPr>
+            <a:r>
+              <a:t/>
+            </a:r>
+            <a:endParaRPr/>
+          </a:p>
+        </p:txBody>
+      </p:sp>
+      <p:sp>
+        <p:nvSpPr>
+          <p:cNvPr id="206" name="Google Shape;206;p34"/>
+          <p:cNvSpPr txBox="1"/>
+          <p:nvPr/>
+        </p:nvSpPr>
+        <p:spPr>
+          <a:xfrm>
+            <a:off x="4525250" y="877725"/>
+            <a:ext cx="3871500" cy="1000500"/>
+          </a:xfrm>
+          <a:prstGeom prst="rect">
+            <a:avLst/>
+          </a:prstGeom>
+          <a:noFill/>
+          <a:ln>
+            <a:noFill/>
+          </a:ln>
+        </p:spPr>
+        <p:txBody>
+          <a:bodyPr anchorCtr="0" anchor="t" bIns="91425" lIns="91425" spcFirstLastPara="1" rIns="91425" wrap="square" tIns="91425">
+            <a:spAutoFit/>
+          </a:bodyPr>
+          <a:lstStyle/>
+          <a:p>
+            <a:pPr indent="-352425" lvl="0" marL="457200" rtl="0" algn="l">
+              <a:spcBef>
+                <a:spcPts val="0"/>
+              </a:spcBef>
+              <a:spcAft>
+                <a:spcPts val="0"/>
+              </a:spcAft>
+              <a:buClr>
+                <a:srgbClr val="002F4A"/>
+              </a:buClr>
+              <a:buSzPts val="1950"/>
+              <a:buFont typeface="Merriweather"/>
+              <a:buAutoNum type="arabicPeriod" startAt="4"/>
+            </a:pPr>
+            <a:r>
+              <a:rPr lang="en" sz="1950">
+                <a:solidFill>
+                  <a:srgbClr val="002F4A"/>
+                </a:solidFill>
+                <a:latin typeface="Merriweather"/>
+                <a:ea typeface="Merriweather"/>
+                <a:cs typeface="Merriweather"/>
+                <a:sym typeface="Merriweather"/>
+              </a:rPr>
+              <a:t>Threshold at score of 7</a:t>
+            </a:r>
+            <a:endParaRPr sz="1950">
+              <a:solidFill>
+                <a:srgbClr val="002F4A"/>
+              </a:solidFill>
+              <a:latin typeface="Merriweather"/>
+              <a:ea typeface="Merriweather"/>
+              <a:cs typeface="Merriweather"/>
+              <a:sym typeface="Merriweather"/>
+            </a:endParaRPr>
+          </a:p>
+          <a:p>
+            <a:pPr indent="-352425" lvl="0" marL="457200" rtl="0" algn="l">
+              <a:spcBef>
+                <a:spcPts val="0"/>
+              </a:spcBef>
+              <a:spcAft>
+                <a:spcPts val="0"/>
+              </a:spcAft>
+              <a:buClr>
+                <a:srgbClr val="002F4A"/>
+              </a:buClr>
+              <a:buSzPts val="1950"/>
+              <a:buFont typeface="Merriweather"/>
+              <a:buAutoNum type="arabicPeriod" startAt="4"/>
+            </a:pPr>
+            <a:r>
+              <a:rPr lang="en" sz="1950">
+                <a:solidFill>
+                  <a:srgbClr val="002F4A"/>
+                </a:solidFill>
+                <a:latin typeface="Merriweather"/>
+                <a:ea typeface="Merriweather"/>
+                <a:cs typeface="Merriweather"/>
+                <a:sym typeface="Merriweather"/>
+              </a:rPr>
+              <a:t>GridSearchCV</a:t>
+            </a:r>
+            <a:endParaRPr sz="1950">
+              <a:solidFill>
+                <a:srgbClr val="002F4A"/>
+              </a:solidFill>
+              <a:latin typeface="Merriweather"/>
+              <a:ea typeface="Merriweather"/>
+              <a:cs typeface="Merriweather"/>
+              <a:sym typeface="Merriweather"/>
+            </a:endParaRPr>
+          </a:p>
+          <a:p>
+            <a:pPr indent="0" lvl="0" marL="0" rtl="0" algn="l">
+              <a:spcBef>
+                <a:spcPts val="0"/>
+              </a:spcBef>
+              <a:spcAft>
+                <a:spcPts val="0"/>
+              </a:spcAft>
+              <a:buNone/>
+            </a:pPr>
+            <a:r>
+              <a:t/>
+            </a:r>
+            <a:endParaRPr/>
+          </a:p>
+        </p:txBody>
+      </p:sp>
+    </p:spTree>
+  </p:cSld>
+  <p:clrMapOvr>
+    <a:masterClrMapping/>
+  </p:clrMapOvr>
+</p:sld>
+</file>
+
+<file path=ppt/slides/slide23.xml><?xml version="1.0" encoding="utf-8"?>
+<p:sld xmlns:a="http://schemas.openxmlformats.org/drawingml/2006/main" xmlns:r="http://schemas.openxmlformats.org/officeDocument/2006/relationships" xmlns:mc="http://schemas.openxmlformats.org/markup-compatibility/2006" xmlns:mv="urn:schemas-microsoft-com:mac:vml" xmlns:p="http://schemas.openxmlformats.org/presentationml/2006/main" xmlns:c="http://schemas.openxmlformats.org/drawingml/2006/chart" xmlns:dgm="http://schemas.openxmlformats.org/drawingml/2006/diagram" xmlns:o="urn:schemas-microsoft-com:office:office" xmlns:v="urn:schemas-microsoft-com:vml" xmlns:pvml="urn:schemas-microsoft-com:office:powerpoint" xmlns:com="http://schemas.openxmlformats.org/drawingml/2006/compatibility" xmlns:p14="http://schemas.microsoft.com/office/powerpoint/2010/main" xmlns:p15="http://schemas.microsoft.com/office/powerpoint/2012/main" xmlns:ahyp="http://schemas.microsoft.com/office/drawing/2018/hyperlinkcolor">
+  <p:cSld>
+    <p:spTree>
+      <p:nvGrpSpPr>
+        <p:cNvPr id="210" name="Shape 210"/>
+        <p:cNvGrpSpPr/>
+        <p:nvPr/>
+      </p:nvGrpSpPr>
+      <p:grpSpPr>
+        <a:xfrm>
+          <a:off x="0" y="0"/>
+          <a:ext cx="0" cy="0"/>
+          <a:chOff x="0" y="0"/>
+          <a:chExt cx="0" cy="0"/>
+        </a:xfrm>
+      </p:grpSpPr>
+      <p:pic>
+        <p:nvPicPr>
+          <p:cNvPr id="211" name="Google Shape;211;p35"/>
+          <p:cNvPicPr preferRelativeResize="0"/>
+          <p:nvPr/>
+        </p:nvPicPr>
+        <p:blipFill>
+          <a:blip r:embed="rId3">
+            <a:alphaModFix amt="20000"/>
+          </a:blip>
+          <a:stretch>
+            <a:fillRect/>
+          </a:stretch>
+        </p:blipFill>
+        <p:spPr>
+          <a:xfrm>
+            <a:off x="0" y="0"/>
+            <a:ext cx="9144000" cy="5143500"/>
+          </a:xfrm>
+          <a:prstGeom prst="rect">
+            <a:avLst/>
+          </a:prstGeom>
+          <a:noFill/>
+          <a:ln>
+            <a:noFill/>
+          </a:ln>
+        </p:spPr>
+      </p:pic>
+      <p:sp>
+        <p:nvSpPr>
+          <p:cNvPr id="212" name="Google Shape;212;p35"/>
           <p:cNvSpPr txBox="1"/>
           <p:nvPr/>
         </p:nvSpPr>
@@ -12630,105 +13947,17 @@
             </a:endParaRPr>
           </a:p>
           <a:p>
-            <a:pPr indent="-352425" lvl="0" marL="457200" rtl="0" algn="l">
-              <a:spcBef>
-                <a:spcPts val="0"/>
-              </a:spcBef>
-              <a:spcAft>
-                <a:spcPts val="0"/>
-              </a:spcAft>
-              <a:buClr>
-                <a:srgbClr val="002F4A"/>
-              </a:buClr>
-              <a:buSzPts val="1950"/>
-              <a:buFont typeface="Merriweather"/>
-              <a:buAutoNum type="arabicPeriod"/>
-            </a:pPr>
-            <a:r>
-              <a:rPr lang="en" sz="1950">
-                <a:solidFill>
-                  <a:srgbClr val="002F4A"/>
-                </a:solidFill>
-                <a:latin typeface="Merriweather"/>
-                <a:ea typeface="Merriweather"/>
-                <a:cs typeface="Merriweather"/>
-                <a:sym typeface="Merriweather"/>
-              </a:rPr>
-              <a:t>Users &gt;= 200 ratings</a:t>
-            </a:r>
-            <a:endParaRPr sz="1650">
-              <a:solidFill>
-                <a:srgbClr val="002F4A"/>
-              </a:solidFill>
-              <a:latin typeface="Merriweather"/>
-              <a:ea typeface="Merriweather"/>
-              <a:cs typeface="Merriweather"/>
-              <a:sym typeface="Merriweather"/>
-            </a:endParaRPr>
-          </a:p>
-          <a:p>
-            <a:pPr indent="-355600" lvl="0" marL="457200" rtl="0" algn="l">
-              <a:spcBef>
-                <a:spcPts val="0"/>
-              </a:spcBef>
-              <a:spcAft>
-                <a:spcPts val="0"/>
-              </a:spcAft>
-              <a:buClr>
-                <a:srgbClr val="002F4A"/>
-              </a:buClr>
-              <a:buSzPts val="2000"/>
-              <a:buFont typeface="Merriweather"/>
-              <a:buAutoNum type="arabicPeriod"/>
-            </a:pPr>
-            <a:r>
-              <a:rPr lang="en" sz="2000">
-                <a:solidFill>
-                  <a:srgbClr val="002F4A"/>
-                </a:solidFill>
-                <a:latin typeface="Merriweather"/>
-                <a:ea typeface="Merriweather"/>
-                <a:cs typeface="Merriweather"/>
-                <a:sym typeface="Merriweather"/>
-              </a:rPr>
-              <a:t>100,000 random rows</a:t>
-            </a:r>
-            <a:endParaRPr sz="2000">
-              <a:solidFill>
-                <a:srgbClr val="002F4A"/>
-              </a:solidFill>
-              <a:latin typeface="Merriweather"/>
-              <a:ea typeface="Merriweather"/>
-              <a:cs typeface="Merriweather"/>
-              <a:sym typeface="Merriweather"/>
-            </a:endParaRPr>
-          </a:p>
-          <a:p>
-            <a:pPr indent="-355600" lvl="0" marL="457200" rtl="0" algn="l">
-              <a:spcBef>
-                <a:spcPts val="0"/>
-              </a:spcBef>
-              <a:spcAft>
-                <a:spcPts val="0"/>
-              </a:spcAft>
-              <a:buClr>
-                <a:srgbClr val="002F4A"/>
-              </a:buClr>
-              <a:buSzPts val="2000"/>
-              <a:buFont typeface="Merriweather"/>
-              <a:buAutoNum type="arabicPeriod"/>
-            </a:pPr>
-            <a:r>
-              <a:rPr lang="en" sz="2000">
-                <a:solidFill>
-                  <a:srgbClr val="002F4A"/>
-                </a:solidFill>
-                <a:latin typeface="Merriweather"/>
-                <a:ea typeface="Merriweather"/>
-                <a:cs typeface="Merriweather"/>
-                <a:sym typeface="Merriweather"/>
-              </a:rPr>
-              <a:t>Threshold at score 7</a:t>
+            <a:pPr indent="0" lvl="0" marL="457200" rtl="0" algn="l">
+              <a:spcBef>
+                <a:spcPts val="0"/>
+              </a:spcBef>
+              <a:spcAft>
+                <a:spcPts val="0"/>
+              </a:spcAft>
+              <a:buNone/>
+            </a:pPr>
+            <a:r>
+              <a:t/>
             </a:r>
             <a:endParaRPr sz="2000">
               <a:solidFill>
@@ -12744,267 +13973,7 @@
       </p:sp>
       <p:pic>
         <p:nvPicPr>
-          <p:cNvPr id="189" name="Google Shape;189;p32"/>
-          <p:cNvPicPr preferRelativeResize="0"/>
-          <p:nvPr/>
-        </p:nvPicPr>
-        <p:blipFill>
-          <a:blip r:embed="rId4">
-            <a:alphaModFix/>
-          </a:blip>
-          <a:stretch>
-            <a:fillRect/>
-          </a:stretch>
-        </p:blipFill>
-        <p:spPr>
-          <a:xfrm>
-            <a:off x="4353050" y="2278350"/>
-            <a:ext cx="4620700" cy="2390825"/>
-          </a:xfrm>
-          <a:prstGeom prst="rect">
-            <a:avLst/>
-          </a:prstGeom>
-          <a:noFill/>
-          <a:ln>
-            <a:noFill/>
-          </a:ln>
-        </p:spPr>
-      </p:pic>
-      <p:pic>
-        <p:nvPicPr>
-          <p:cNvPr id="190" name="Google Shape;190;p32"/>
-          <p:cNvPicPr preferRelativeResize="0"/>
-          <p:nvPr/>
-        </p:nvPicPr>
-        <p:blipFill>
-          <a:blip r:embed="rId5">
-            <a:alphaModFix/>
-          </a:blip>
-          <a:stretch>
-            <a:fillRect/>
-          </a:stretch>
-        </p:blipFill>
-        <p:spPr>
-          <a:xfrm>
-            <a:off x="71275" y="2278350"/>
-            <a:ext cx="4071275" cy="2390825"/>
-          </a:xfrm>
-          <a:prstGeom prst="rect">
-            <a:avLst/>
-          </a:prstGeom>
-          <a:noFill/>
-          <a:ln>
-            <a:noFill/>
-          </a:ln>
-        </p:spPr>
-      </p:pic>
-      <p:sp>
-        <p:nvSpPr>
-          <p:cNvPr id="191" name="Google Shape;191;p32"/>
-          <p:cNvSpPr/>
-          <p:nvPr/>
-        </p:nvSpPr>
-        <p:spPr>
-          <a:xfrm>
-            <a:off x="1162875" y="3878900"/>
-            <a:ext cx="2860200" cy="250800"/>
-          </a:xfrm>
-          <a:prstGeom prst="rect">
-            <a:avLst/>
-          </a:prstGeom>
-          <a:noFill/>
-          <a:ln cap="flat" cmpd="sng" w="19050">
-            <a:solidFill>
-              <a:srgbClr val="FF0000"/>
-            </a:solidFill>
-            <a:prstDash val="solid"/>
-            <a:round/>
-            <a:headEnd len="sm" w="sm" type="none"/>
-            <a:tailEnd len="sm" w="sm" type="none"/>
-          </a:ln>
-        </p:spPr>
-        <p:txBody>
-          <a:bodyPr anchorCtr="0" anchor="ctr" bIns="91425" lIns="91425" spcFirstLastPara="1" rIns="91425" wrap="square" tIns="91425">
-            <a:noAutofit/>
-          </a:bodyPr>
-          <a:lstStyle/>
-          <a:p>
-            <a:pPr indent="0" lvl="0" marL="0" rtl="0" algn="l">
-              <a:spcBef>
-                <a:spcPts val="0"/>
-              </a:spcBef>
-              <a:spcAft>
-                <a:spcPts val="0"/>
-              </a:spcAft>
-              <a:buNone/>
-            </a:pPr>
-            <a:r>
-              <a:t/>
-            </a:r>
-            <a:endParaRPr/>
-          </a:p>
-        </p:txBody>
-      </p:sp>
-    </p:spTree>
-  </p:cSld>
-  <p:clrMapOvr>
-    <a:masterClrMapping/>
-  </p:clrMapOvr>
-</p:sld>
-</file>
-
-<file path=ppt/slides/slide21.xml><?xml version="1.0" encoding="utf-8"?>
-<p:sld xmlns:a="http://schemas.openxmlformats.org/drawingml/2006/main" xmlns:r="http://schemas.openxmlformats.org/officeDocument/2006/relationships" xmlns:mc="http://schemas.openxmlformats.org/markup-compatibility/2006" xmlns:mv="urn:schemas-microsoft-com:mac:vml" xmlns:p="http://schemas.openxmlformats.org/presentationml/2006/main" xmlns:c="http://schemas.openxmlformats.org/drawingml/2006/chart" xmlns:dgm="http://schemas.openxmlformats.org/drawingml/2006/diagram" xmlns:o="urn:schemas-microsoft-com:office:office" xmlns:v="urn:schemas-microsoft-com:vml" xmlns:pvml="urn:schemas-microsoft-com:office:powerpoint" xmlns:com="http://schemas.openxmlformats.org/drawingml/2006/compatibility" xmlns:p14="http://schemas.microsoft.com/office/powerpoint/2010/main" xmlns:p15="http://schemas.microsoft.com/office/powerpoint/2012/main" xmlns:ahyp="http://schemas.microsoft.com/office/drawing/2018/hyperlinkcolor">
-  <p:cSld>
-    <p:spTree>
-      <p:nvGrpSpPr>
-        <p:cNvPr id="195" name="Shape 195"/>
-        <p:cNvGrpSpPr/>
-        <p:nvPr/>
-      </p:nvGrpSpPr>
-      <p:grpSpPr>
-        <a:xfrm>
-          <a:off x="0" y="0"/>
-          <a:ext cx="0" cy="0"/>
-          <a:chOff x="0" y="0"/>
-          <a:chExt cx="0" cy="0"/>
-        </a:xfrm>
-      </p:grpSpPr>
-      <p:pic>
-        <p:nvPicPr>
-          <p:cNvPr id="196" name="Google Shape;196;p33"/>
-          <p:cNvPicPr preferRelativeResize="0"/>
-          <p:nvPr/>
-        </p:nvPicPr>
-        <p:blipFill>
-          <a:blip r:embed="rId3">
-            <a:alphaModFix amt="30000"/>
-          </a:blip>
-          <a:stretch>
-            <a:fillRect/>
-          </a:stretch>
-        </p:blipFill>
-        <p:spPr>
-          <a:xfrm>
-            <a:off x="0" y="0"/>
-            <a:ext cx="9144000" cy="5143500"/>
-          </a:xfrm>
-          <a:prstGeom prst="rect">
-            <a:avLst/>
-          </a:prstGeom>
-          <a:noFill/>
-          <a:ln>
-            <a:noFill/>
-          </a:ln>
-        </p:spPr>
-      </p:pic>
-      <p:sp>
-        <p:nvSpPr>
-          <p:cNvPr id="197" name="Google Shape;197;p33"/>
-          <p:cNvSpPr txBox="1"/>
-          <p:nvPr/>
-        </p:nvSpPr>
-        <p:spPr>
-          <a:xfrm>
-            <a:off x="71275" y="154300"/>
-            <a:ext cx="8666100" cy="4914900"/>
-          </a:xfrm>
-          <a:prstGeom prst="rect">
-            <a:avLst/>
-          </a:prstGeom>
-          <a:noFill/>
-          <a:ln>
-            <a:noFill/>
-          </a:ln>
-        </p:spPr>
-        <p:txBody>
-          <a:bodyPr anchorCtr="0" anchor="t" bIns="91425" lIns="91425" spcFirstLastPara="1" rIns="91425" wrap="square" tIns="91425">
-            <a:normAutofit/>
-          </a:bodyPr>
-          <a:lstStyle/>
-          <a:p>
-            <a:pPr indent="0" lvl="0" marL="0" rtl="0" algn="l">
-              <a:spcBef>
-                <a:spcPts val="0"/>
-              </a:spcBef>
-              <a:spcAft>
-                <a:spcPts val="0"/>
-              </a:spcAft>
-              <a:buNone/>
-            </a:pPr>
-            <a:r>
-              <a:rPr lang="en" sz="2983">
-                <a:solidFill>
-                  <a:srgbClr val="002F4A"/>
-                </a:solidFill>
-                <a:latin typeface="Merriweather"/>
-                <a:ea typeface="Merriweather"/>
-                <a:cs typeface="Merriweather"/>
-                <a:sym typeface="Merriweather"/>
-              </a:rPr>
-              <a:t>Collaborative Based filtering</a:t>
-            </a:r>
-            <a:endParaRPr sz="2983">
-              <a:solidFill>
-                <a:srgbClr val="002F4A"/>
-              </a:solidFill>
-              <a:latin typeface="Merriweather"/>
-              <a:ea typeface="Merriweather"/>
-              <a:cs typeface="Merriweather"/>
-              <a:sym typeface="Merriweather"/>
-            </a:endParaRPr>
-          </a:p>
-          <a:p>
-            <a:pPr indent="0" lvl="0" marL="0" rtl="0" algn="l">
-              <a:spcBef>
-                <a:spcPts val="0"/>
-              </a:spcBef>
-              <a:spcAft>
-                <a:spcPts val="0"/>
-              </a:spcAft>
-              <a:buNone/>
-            </a:pPr>
-            <a:r>
-              <a:t/>
-            </a:r>
-            <a:endParaRPr sz="2050">
-              <a:solidFill>
-                <a:srgbClr val="002F4A"/>
-              </a:solidFill>
-              <a:latin typeface="Merriweather"/>
-              <a:ea typeface="Merriweather"/>
-              <a:cs typeface="Merriweather"/>
-              <a:sym typeface="Merriweather"/>
-            </a:endParaRPr>
-          </a:p>
-          <a:p>
-            <a:pPr indent="0" lvl="0" marL="457200" rtl="0" algn="l">
-              <a:spcBef>
-                <a:spcPts val="0"/>
-              </a:spcBef>
-              <a:spcAft>
-                <a:spcPts val="0"/>
-              </a:spcAft>
-              <a:buNone/>
-            </a:pPr>
-            <a:r>
-              <a:t/>
-            </a:r>
-            <a:endParaRPr sz="2000">
-              <a:solidFill>
-                <a:srgbClr val="002F4A"/>
-              </a:solidFill>
-              <a:latin typeface="Merriweather"/>
-              <a:ea typeface="Merriweather"/>
-              <a:cs typeface="Merriweather"/>
-              <a:sym typeface="Merriweather"/>
-            </a:endParaRPr>
-          </a:p>
-        </p:txBody>
-      </p:sp>
-      <p:pic>
-        <p:nvPicPr>
-          <p:cNvPr id="198" name="Google Shape;198;p33"/>
+          <p:cNvPr id="213" name="Google Shape;213;p35"/>
           <p:cNvPicPr preferRelativeResize="0"/>
           <p:nvPr/>
         </p:nvPicPr>
@@ -13032,7 +14001,7 @@
       </p:pic>
       <p:pic>
         <p:nvPicPr>
-          <p:cNvPr id="199" name="Google Shape;199;p33"/>
+          <p:cNvPr id="214" name="Google Shape;214;p35"/>
           <p:cNvPicPr preferRelativeResize="0"/>
           <p:nvPr/>
         </p:nvPicPr>
@@ -13058,6 +14027,194 @@
           </a:ln>
         </p:spPr>
       </p:pic>
+      <p:sp>
+        <p:nvSpPr>
+          <p:cNvPr id="215" name="Google Shape;215;p35"/>
+          <p:cNvSpPr/>
+          <p:nvPr/>
+        </p:nvSpPr>
+        <p:spPr>
+          <a:xfrm>
+            <a:off x="132725" y="3175550"/>
+            <a:ext cx="4319100" cy="1536900"/>
+          </a:xfrm>
+          <a:prstGeom prst="rect">
+            <a:avLst/>
+          </a:prstGeom>
+          <a:noFill/>
+          <a:ln cap="flat" cmpd="sng" w="19050">
+            <a:solidFill>
+              <a:srgbClr val="0000FF"/>
+            </a:solidFill>
+            <a:prstDash val="solid"/>
+            <a:round/>
+            <a:headEnd len="sm" w="sm" type="none"/>
+            <a:tailEnd len="sm" w="sm" type="none"/>
+          </a:ln>
+        </p:spPr>
+        <p:txBody>
+          <a:bodyPr anchorCtr="0" anchor="ctr" bIns="91425" lIns="91425" spcFirstLastPara="1" rIns="91425" wrap="square" tIns="91425">
+            <a:noAutofit/>
+          </a:bodyPr>
+          <a:lstStyle/>
+          <a:p>
+            <a:pPr indent="0" lvl="0" marL="0" rtl="0" algn="l">
+              <a:spcBef>
+                <a:spcPts val="0"/>
+              </a:spcBef>
+              <a:spcAft>
+                <a:spcPts val="0"/>
+              </a:spcAft>
+              <a:buNone/>
+            </a:pPr>
+            <a:r>
+              <a:t/>
+            </a:r>
+            <a:endParaRPr/>
+          </a:p>
+        </p:txBody>
+      </p:sp>
+      <p:sp>
+        <p:nvSpPr>
+          <p:cNvPr id="216" name="Google Shape;216;p35"/>
+          <p:cNvSpPr/>
+          <p:nvPr/>
+        </p:nvSpPr>
+        <p:spPr>
+          <a:xfrm>
+            <a:off x="4604151" y="3175550"/>
+            <a:ext cx="4043100" cy="1536900"/>
+          </a:xfrm>
+          <a:prstGeom prst="rect">
+            <a:avLst/>
+          </a:prstGeom>
+          <a:noFill/>
+          <a:ln cap="flat" cmpd="sng" w="19050">
+            <a:solidFill>
+              <a:srgbClr val="0000FF"/>
+            </a:solidFill>
+            <a:prstDash val="solid"/>
+            <a:round/>
+            <a:headEnd len="sm" w="sm" type="none"/>
+            <a:tailEnd len="sm" w="sm" type="none"/>
+          </a:ln>
+        </p:spPr>
+        <p:txBody>
+          <a:bodyPr anchorCtr="0" anchor="ctr" bIns="91425" lIns="91425" spcFirstLastPara="1" rIns="91425" wrap="square" tIns="91425">
+            <a:noAutofit/>
+          </a:bodyPr>
+          <a:lstStyle/>
+          <a:p>
+            <a:pPr indent="0" lvl="0" marL="0" rtl="0" algn="l">
+              <a:spcBef>
+                <a:spcPts val="0"/>
+              </a:spcBef>
+              <a:spcAft>
+                <a:spcPts val="0"/>
+              </a:spcAft>
+              <a:buNone/>
+            </a:pPr>
+            <a:r>
+              <a:t/>
+            </a:r>
+            <a:endParaRPr/>
+          </a:p>
+        </p:txBody>
+      </p:sp>
+      <p:sp>
+        <p:nvSpPr>
+          <p:cNvPr id="217" name="Google Shape;217;p35"/>
+          <p:cNvSpPr/>
+          <p:nvPr/>
+        </p:nvSpPr>
+        <p:spPr>
+          <a:xfrm>
+            <a:off x="132725" y="1566575"/>
+            <a:ext cx="4319100" cy="1536900"/>
+          </a:xfrm>
+          <a:prstGeom prst="rect">
+            <a:avLst/>
+          </a:prstGeom>
+          <a:noFill/>
+          <a:ln cap="flat" cmpd="sng" w="19050">
+            <a:solidFill>
+              <a:srgbClr val="CC4125"/>
+            </a:solidFill>
+            <a:prstDash val="solid"/>
+            <a:round/>
+            <a:headEnd len="sm" w="sm" type="none"/>
+            <a:tailEnd len="sm" w="sm" type="none"/>
+          </a:ln>
+        </p:spPr>
+        <p:txBody>
+          <a:bodyPr anchorCtr="0" anchor="ctr" bIns="91425" lIns="91425" spcFirstLastPara="1" rIns="91425" wrap="square" tIns="91425">
+            <a:noAutofit/>
+          </a:bodyPr>
+          <a:lstStyle/>
+          <a:p>
+            <a:pPr indent="0" lvl="0" marL="0" rtl="0" algn="l">
+              <a:spcBef>
+                <a:spcPts val="0"/>
+              </a:spcBef>
+              <a:spcAft>
+                <a:spcPts val="0"/>
+              </a:spcAft>
+              <a:buNone/>
+            </a:pPr>
+            <a:r>
+              <a:t/>
+            </a:r>
+            <a:endParaRPr/>
+          </a:p>
+        </p:txBody>
+      </p:sp>
+      <p:sp>
+        <p:nvSpPr>
+          <p:cNvPr id="218" name="Google Shape;218;p35"/>
+          <p:cNvSpPr/>
+          <p:nvPr/>
+        </p:nvSpPr>
+        <p:spPr>
+          <a:xfrm>
+            <a:off x="4604175" y="1526375"/>
+            <a:ext cx="4043100" cy="1577100"/>
+          </a:xfrm>
+          <a:prstGeom prst="rect">
+            <a:avLst/>
+          </a:prstGeom>
+          <a:noFill/>
+          <a:ln cap="flat" cmpd="sng" w="19050">
+            <a:solidFill>
+              <a:srgbClr val="CC4125"/>
+            </a:solidFill>
+            <a:prstDash val="solid"/>
+            <a:round/>
+            <a:headEnd len="sm" w="sm" type="none"/>
+            <a:tailEnd len="sm" w="sm" type="none"/>
+          </a:ln>
+        </p:spPr>
+        <p:txBody>
+          <a:bodyPr anchorCtr="0" anchor="ctr" bIns="91425" lIns="91425" spcFirstLastPara="1" rIns="91425" wrap="square" tIns="91425">
+            <a:noAutofit/>
+          </a:bodyPr>
+          <a:lstStyle/>
+          <a:p>
+            <a:pPr indent="0" lvl="0" marL="0" rtl="0" algn="l">
+              <a:spcBef>
+                <a:spcPts val="0"/>
+              </a:spcBef>
+              <a:spcAft>
+                <a:spcPts val="0"/>
+              </a:spcAft>
+              <a:buNone/>
+            </a:pPr>
+            <a:r>
+              <a:t/>
+            </a:r>
+            <a:endParaRPr/>
+          </a:p>
+        </p:txBody>
+      </p:sp>
     </p:spTree>
   </p:cSld>
   <p:clrMapOvr>
@@ -13066,12 +14223,12 @@
 </p:sld>
 </file>
 
-<file path=ppt/slides/slide22.xml><?xml version="1.0" encoding="utf-8"?>
+<file path=ppt/slides/slide24.xml><?xml version="1.0" encoding="utf-8"?>
 <p:sld xmlns:a="http://schemas.openxmlformats.org/drawingml/2006/main" xmlns:r="http://schemas.openxmlformats.org/officeDocument/2006/relationships" xmlns:mc="http://schemas.openxmlformats.org/markup-compatibility/2006" xmlns:mv="urn:schemas-microsoft-com:mac:vml" xmlns:p="http://schemas.openxmlformats.org/presentationml/2006/main" xmlns:c="http://schemas.openxmlformats.org/drawingml/2006/chart" xmlns:dgm="http://schemas.openxmlformats.org/drawingml/2006/diagram" xmlns:o="urn:schemas-microsoft-com:office:office" xmlns:v="urn:schemas-microsoft-com:vml" xmlns:pvml="urn:schemas-microsoft-com:office:powerpoint" xmlns:com="http://schemas.openxmlformats.org/drawingml/2006/compatibility" xmlns:p14="http://schemas.microsoft.com/office/powerpoint/2010/main" xmlns:p15="http://schemas.microsoft.com/office/powerpoint/2012/main" xmlns:ahyp="http://schemas.microsoft.com/office/drawing/2018/hyperlinkcolor">
   <p:cSld>
     <p:spTree>
       <p:nvGrpSpPr>
-        <p:cNvPr id="203" name="Shape 203"/>
+        <p:cNvPr id="222" name="Shape 222"/>
         <p:cNvGrpSpPr/>
         <p:nvPr/>
       </p:nvGrpSpPr>
@@ -13085,13 +14242,13 @@
       </p:grpSpPr>
       <p:pic>
         <p:nvPicPr>
-          <p:cNvPr id="204" name="Google Shape;204;p34"/>
+          <p:cNvPr id="223" name="Google Shape;223;p36"/>
           <p:cNvPicPr preferRelativeResize="0"/>
           <p:nvPr/>
         </p:nvPicPr>
         <p:blipFill>
           <a:blip r:embed="rId3">
-            <a:alphaModFix amt="30000"/>
+            <a:alphaModFix amt="20000"/>
           </a:blip>
           <a:stretch>
             <a:fillRect/>
@@ -13113,7 +14270,7 @@
       </p:pic>
       <p:sp>
         <p:nvSpPr>
-          <p:cNvPr id="205" name="Google Shape;205;p34"/>
+          <p:cNvPr id="224" name="Google Shape;224;p36"/>
           <p:cNvSpPr txBox="1"/>
           <p:nvPr/>
         </p:nvSpPr>
@@ -13440,12 +14597,12 @@
 </p:sld>
 </file>
 
-<file path=ppt/slides/slide23.xml><?xml version="1.0" encoding="utf-8"?>
+<file path=ppt/slides/slide25.xml><?xml version="1.0" encoding="utf-8"?>
 <p:sld xmlns:a="http://schemas.openxmlformats.org/drawingml/2006/main" xmlns:r="http://schemas.openxmlformats.org/officeDocument/2006/relationships" xmlns:mc="http://schemas.openxmlformats.org/markup-compatibility/2006" xmlns:mv="urn:schemas-microsoft-com:mac:vml" xmlns:p="http://schemas.openxmlformats.org/presentationml/2006/main" xmlns:c="http://schemas.openxmlformats.org/drawingml/2006/chart" xmlns:dgm="http://schemas.openxmlformats.org/drawingml/2006/diagram" xmlns:o="urn:schemas-microsoft-com:office:office" xmlns:v="urn:schemas-microsoft-com:vml" xmlns:pvml="urn:schemas-microsoft-com:office:powerpoint" xmlns:com="http://schemas.openxmlformats.org/drawingml/2006/compatibility" xmlns:p14="http://schemas.microsoft.com/office/powerpoint/2010/main" xmlns:p15="http://schemas.microsoft.com/office/powerpoint/2012/main" xmlns:ahyp="http://schemas.microsoft.com/office/drawing/2018/hyperlinkcolor">
   <p:cSld>
     <p:spTree>
       <p:nvGrpSpPr>
-        <p:cNvPr id="209" name="Shape 209"/>
+        <p:cNvPr id="228" name="Shape 228"/>
         <p:cNvGrpSpPr/>
         <p:nvPr/>
       </p:nvGrpSpPr>
@@ -13459,13 +14616,13 @@
       </p:grpSpPr>
       <p:pic>
         <p:nvPicPr>
-          <p:cNvPr id="210" name="Google Shape;210;p35"/>
+          <p:cNvPr id="229" name="Google Shape;229;p37"/>
           <p:cNvPicPr preferRelativeResize="0"/>
           <p:nvPr/>
         </p:nvPicPr>
         <p:blipFill>
           <a:blip r:embed="rId3">
-            <a:alphaModFix amt="30000"/>
+            <a:alphaModFix amt="20000"/>
           </a:blip>
           <a:stretch>
             <a:fillRect/>
@@ -13487,7 +14644,7 @@
       </p:pic>
       <p:sp>
         <p:nvSpPr>
-          <p:cNvPr id="211" name="Google Shape;211;p35"/>
+          <p:cNvPr id="230" name="Google Shape;230;p37"/>
           <p:cNvSpPr txBox="1"/>
           <p:nvPr/>
         </p:nvSpPr>
@@ -13576,7 +14733,7 @@
         </p:nvPicPr>
         <p:blipFill>
           <a:blip r:embed="rId3">
-            <a:alphaModFix amt="30000"/>
+            <a:alphaModFix amt="20000"/>
           </a:blip>
           <a:stretch>
             <a:fillRect/>
@@ -13605,6 +14762,282 @@
         <p:spPr>
           <a:xfrm>
             <a:off x="71275" y="154300"/>
+            <a:ext cx="8753400" cy="4637400"/>
+          </a:xfrm>
+          <a:prstGeom prst="rect">
+            <a:avLst/>
+          </a:prstGeom>
+          <a:noFill/>
+          <a:ln>
+            <a:noFill/>
+          </a:ln>
+        </p:spPr>
+        <p:txBody>
+          <a:bodyPr anchorCtr="0" anchor="t" bIns="91425" lIns="91425" spcFirstLastPara="1" rIns="91425" wrap="square" tIns="91425">
+            <a:normAutofit/>
+          </a:bodyPr>
+          <a:lstStyle/>
+          <a:p>
+            <a:pPr indent="0" lvl="0" marL="0" rtl="0" algn="l">
+              <a:spcBef>
+                <a:spcPts val="0"/>
+              </a:spcBef>
+              <a:spcAft>
+                <a:spcPts val="0"/>
+              </a:spcAft>
+              <a:buNone/>
+            </a:pPr>
+            <a:r>
+              <a:rPr lang="en" sz="3200">
+                <a:solidFill>
+                  <a:srgbClr val="002F4A"/>
+                </a:solidFill>
+                <a:latin typeface="Merriweather"/>
+                <a:ea typeface="Merriweather"/>
+                <a:cs typeface="Merriweather"/>
+                <a:sym typeface="Merriweather"/>
+              </a:rPr>
+              <a:t>Introduction</a:t>
+            </a:r>
+            <a:endParaRPr sz="3200">
+              <a:solidFill>
+                <a:srgbClr val="002F4A"/>
+              </a:solidFill>
+              <a:latin typeface="Merriweather"/>
+              <a:ea typeface="Merriweather"/>
+              <a:cs typeface="Merriweather"/>
+              <a:sym typeface="Merriweather"/>
+            </a:endParaRPr>
+          </a:p>
+          <a:p>
+            <a:pPr indent="0" lvl="0" marL="0" rtl="0" algn="l">
+              <a:spcBef>
+                <a:spcPts val="0"/>
+              </a:spcBef>
+              <a:spcAft>
+                <a:spcPts val="0"/>
+              </a:spcAft>
+              <a:buNone/>
+            </a:pPr>
+            <a:r>
+              <a:t/>
+            </a:r>
+            <a:endParaRPr sz="3200">
+              <a:solidFill>
+                <a:srgbClr val="002F4A"/>
+              </a:solidFill>
+              <a:latin typeface="Merriweather"/>
+              <a:ea typeface="Merriweather"/>
+              <a:cs typeface="Merriweather"/>
+              <a:sym typeface="Merriweather"/>
+            </a:endParaRPr>
+          </a:p>
+          <a:p>
+            <a:pPr indent="0" lvl="0" marL="0" rtl="0" algn="l">
+              <a:spcBef>
+                <a:spcPts val="0"/>
+              </a:spcBef>
+              <a:spcAft>
+                <a:spcPts val="0"/>
+              </a:spcAft>
+              <a:buNone/>
+            </a:pPr>
+            <a:r>
+              <a:rPr lang="en" sz="2100" u="sng">
+                <a:solidFill>
+                  <a:srgbClr val="002F4A"/>
+                </a:solidFill>
+                <a:latin typeface="Merriweather"/>
+                <a:ea typeface="Merriweather"/>
+                <a:cs typeface="Merriweather"/>
+                <a:sym typeface="Merriweather"/>
+              </a:rPr>
+              <a:t>Problem Statement</a:t>
+            </a:r>
+            <a:endParaRPr sz="2100" u="sng">
+              <a:solidFill>
+                <a:srgbClr val="002F4A"/>
+              </a:solidFill>
+              <a:latin typeface="Merriweather"/>
+              <a:ea typeface="Merriweather"/>
+              <a:cs typeface="Merriweather"/>
+              <a:sym typeface="Merriweather"/>
+            </a:endParaRPr>
+          </a:p>
+          <a:p>
+            <a:pPr indent="0" lvl="0" marL="0" rtl="0" algn="l">
+              <a:spcBef>
+                <a:spcPts val="0"/>
+              </a:spcBef>
+              <a:spcAft>
+                <a:spcPts val="0"/>
+              </a:spcAft>
+              <a:buNone/>
+            </a:pPr>
+            <a:r>
+              <a:t/>
+            </a:r>
+            <a:endParaRPr sz="2100">
+              <a:solidFill>
+                <a:srgbClr val="002F4A"/>
+              </a:solidFill>
+              <a:latin typeface="Merriweather"/>
+              <a:ea typeface="Merriweather"/>
+              <a:cs typeface="Merriweather"/>
+              <a:sym typeface="Merriweather"/>
+            </a:endParaRPr>
+          </a:p>
+          <a:p>
+            <a:pPr indent="0" lvl="0" marL="0" rtl="0" algn="l">
+              <a:spcBef>
+                <a:spcPts val="0"/>
+              </a:spcBef>
+              <a:spcAft>
+                <a:spcPts val="0"/>
+              </a:spcAft>
+              <a:buNone/>
+            </a:pPr>
+            <a:r>
+              <a:rPr lang="en" sz="2100">
+                <a:solidFill>
+                  <a:srgbClr val="002F4A"/>
+                </a:solidFill>
+                <a:latin typeface="Merriweather"/>
+                <a:ea typeface="Merriweather"/>
+                <a:cs typeface="Merriweather"/>
+                <a:sym typeface="Merriweather"/>
+              </a:rPr>
+              <a:t>To create a recommendation system using an anime dataset and understand how ‘good’ the recommendations are</a:t>
+            </a:r>
+            <a:endParaRPr sz="2100">
+              <a:solidFill>
+                <a:srgbClr val="002F4A"/>
+              </a:solidFill>
+              <a:latin typeface="Merriweather"/>
+              <a:ea typeface="Merriweather"/>
+              <a:cs typeface="Merriweather"/>
+              <a:sym typeface="Merriweather"/>
+            </a:endParaRPr>
+          </a:p>
+          <a:p>
+            <a:pPr indent="0" lvl="0" marL="457200" rtl="0" algn="l">
+              <a:spcBef>
+                <a:spcPts val="0"/>
+              </a:spcBef>
+              <a:spcAft>
+                <a:spcPts val="0"/>
+              </a:spcAft>
+              <a:buNone/>
+            </a:pPr>
+            <a:r>
+              <a:t/>
+            </a:r>
+            <a:endParaRPr sz="2100">
+              <a:solidFill>
+                <a:srgbClr val="002F4A"/>
+              </a:solidFill>
+              <a:latin typeface="Merriweather"/>
+              <a:ea typeface="Merriweather"/>
+              <a:cs typeface="Merriweather"/>
+              <a:sym typeface="Merriweather"/>
+            </a:endParaRPr>
+          </a:p>
+          <a:p>
+            <a:pPr indent="0" lvl="0" marL="0" rtl="0" algn="l">
+              <a:spcBef>
+                <a:spcPts val="0"/>
+              </a:spcBef>
+              <a:spcAft>
+                <a:spcPts val="0"/>
+              </a:spcAft>
+              <a:buNone/>
+            </a:pPr>
+            <a:r>
+              <a:rPr lang="en" sz="2100">
+                <a:solidFill>
+                  <a:srgbClr val="002F4A"/>
+                </a:solidFill>
+                <a:latin typeface="Merriweather"/>
+                <a:ea typeface="Merriweather"/>
+                <a:cs typeface="Merriweather"/>
+                <a:sym typeface="Merriweather"/>
+              </a:rPr>
+              <a:t>Evaluation: How many recommendations are relevant to users?</a:t>
+            </a:r>
+            <a:endParaRPr sz="2100">
+              <a:solidFill>
+                <a:srgbClr val="002F4A"/>
+              </a:solidFill>
+              <a:latin typeface="Merriweather"/>
+              <a:ea typeface="Merriweather"/>
+              <a:cs typeface="Merriweather"/>
+              <a:sym typeface="Merriweather"/>
+            </a:endParaRPr>
+          </a:p>
+        </p:txBody>
+      </p:sp>
+    </p:spTree>
+  </p:cSld>
+  <p:clrMapOvr>
+    <a:masterClrMapping/>
+  </p:clrMapOvr>
+</p:sld>
+</file>
+
+<file path=ppt/slides/slide4.xml><?xml version="1.0" encoding="utf-8"?>
+<p:sld xmlns:a="http://schemas.openxmlformats.org/drawingml/2006/main" xmlns:r="http://schemas.openxmlformats.org/officeDocument/2006/relationships" xmlns:mc="http://schemas.openxmlformats.org/markup-compatibility/2006" xmlns:mv="urn:schemas-microsoft-com:mac:vml" xmlns:p="http://schemas.openxmlformats.org/presentationml/2006/main" xmlns:c="http://schemas.openxmlformats.org/drawingml/2006/chart" xmlns:dgm="http://schemas.openxmlformats.org/drawingml/2006/diagram" xmlns:o="urn:schemas-microsoft-com:office:office" xmlns:v="urn:schemas-microsoft-com:vml" xmlns:pvml="urn:schemas-microsoft-com:office:powerpoint" xmlns:com="http://schemas.openxmlformats.org/drawingml/2006/compatibility" xmlns:p14="http://schemas.microsoft.com/office/powerpoint/2010/main" xmlns:p15="http://schemas.microsoft.com/office/powerpoint/2012/main" xmlns:ahyp="http://schemas.microsoft.com/office/drawing/2018/hyperlinkcolor">
+  <p:cSld>
+    <p:spTree>
+      <p:nvGrpSpPr>
+        <p:cNvPr id="72" name="Shape 72"/>
+        <p:cNvGrpSpPr/>
+        <p:nvPr/>
+      </p:nvGrpSpPr>
+      <p:grpSpPr>
+        <a:xfrm>
+          <a:off x="0" y="0"/>
+          <a:ext cx="0" cy="0"/>
+          <a:chOff x="0" y="0"/>
+          <a:chExt cx="0" cy="0"/>
+        </a:xfrm>
+      </p:grpSpPr>
+      <p:pic>
+        <p:nvPicPr>
+          <p:cNvPr id="73" name="Google Shape;73;p16"/>
+          <p:cNvPicPr preferRelativeResize="0"/>
+          <p:nvPr/>
+        </p:nvPicPr>
+        <p:blipFill>
+          <a:blip r:embed="rId3">
+            <a:alphaModFix amt="20000"/>
+          </a:blip>
+          <a:stretch>
+            <a:fillRect/>
+          </a:stretch>
+        </p:blipFill>
+        <p:spPr>
+          <a:xfrm>
+            <a:off x="0" y="0"/>
+            <a:ext cx="9144000" cy="5143500"/>
+          </a:xfrm>
+          <a:prstGeom prst="rect">
+            <a:avLst/>
+          </a:prstGeom>
+          <a:noFill/>
+          <a:ln>
+            <a:noFill/>
+          </a:ln>
+        </p:spPr>
+      </p:pic>
+      <p:sp>
+        <p:nvSpPr>
+          <p:cNvPr id="74" name="Google Shape;74;p16"/>
+          <p:cNvSpPr txBox="1"/>
+          <p:nvPr/>
+        </p:nvSpPr>
+        <p:spPr>
+          <a:xfrm>
+            <a:off x="71275" y="154300"/>
             <a:ext cx="8419500" cy="4637400"/>
           </a:xfrm>
           <a:prstGeom prst="rect">
@@ -13942,7 +15375,7 @@
       </p:sp>
       <p:pic>
         <p:nvPicPr>
-          <p:cNvPr id="69" name="Google Shape;69;p15"/>
+          <p:cNvPr id="75" name="Google Shape;75;p16"/>
           <p:cNvPicPr preferRelativeResize="0"/>
           <p:nvPr/>
         </p:nvPicPr>
@@ -13976,12 +15409,12 @@
 </p:sld>
 </file>
 
-<file path=ppt/slides/slide4.xml><?xml version="1.0" encoding="utf-8"?>
+<file path=ppt/slides/slide5.xml><?xml version="1.0" encoding="utf-8"?>
 <p:sld xmlns:a="http://schemas.openxmlformats.org/drawingml/2006/main" xmlns:r="http://schemas.openxmlformats.org/officeDocument/2006/relationships" xmlns:mc="http://schemas.openxmlformats.org/markup-compatibility/2006" xmlns:mv="urn:schemas-microsoft-com:mac:vml" xmlns:p="http://schemas.openxmlformats.org/presentationml/2006/main" xmlns:c="http://schemas.openxmlformats.org/drawingml/2006/chart" xmlns:dgm="http://schemas.openxmlformats.org/drawingml/2006/diagram" xmlns:o="urn:schemas-microsoft-com:office:office" xmlns:v="urn:schemas-microsoft-com:vml" xmlns:pvml="urn:schemas-microsoft-com:office:powerpoint" xmlns:com="http://schemas.openxmlformats.org/drawingml/2006/compatibility" xmlns:p14="http://schemas.microsoft.com/office/powerpoint/2010/main" xmlns:p15="http://schemas.microsoft.com/office/powerpoint/2012/main" xmlns:ahyp="http://schemas.microsoft.com/office/drawing/2018/hyperlinkcolor">
   <p:cSld>
     <p:spTree>
       <p:nvGrpSpPr>
-        <p:cNvPr id="73" name="Shape 73"/>
+        <p:cNvPr id="79" name="Shape 79"/>
         <p:cNvGrpSpPr/>
         <p:nvPr/>
       </p:nvGrpSpPr>
@@ -13995,13 +15428,13 @@
       </p:grpSpPr>
       <p:pic>
         <p:nvPicPr>
-          <p:cNvPr id="74" name="Google Shape;74;p16"/>
+          <p:cNvPr id="80" name="Google Shape;80;p17"/>
           <p:cNvPicPr preferRelativeResize="0"/>
           <p:nvPr/>
         </p:nvPicPr>
         <p:blipFill>
           <a:blip r:embed="rId3">
-            <a:alphaModFix amt="30000"/>
+            <a:alphaModFix amt="20000"/>
           </a:blip>
           <a:stretch>
             <a:fillRect/>
@@ -14023,7 +15456,7 @@
       </p:pic>
       <p:sp>
         <p:nvSpPr>
-          <p:cNvPr id="75" name="Google Shape;75;p16"/>
+          <p:cNvPr id="81" name="Google Shape;81;p17"/>
           <p:cNvSpPr txBox="1"/>
           <p:nvPr/>
         </p:nvSpPr>
@@ -14042,7 +15475,404 @@
         </p:spPr>
         <p:txBody>
           <a:bodyPr anchorCtr="0" anchor="t" bIns="91425" lIns="91425" spcFirstLastPara="1" rIns="91425" wrap="square" tIns="91425">
-            <a:normAutofit lnSpcReduction="10000"/>
+            <a:normAutofit/>
+          </a:bodyPr>
+          <a:lstStyle/>
+          <a:p>
+            <a:pPr indent="0" lvl="0" marL="0" rtl="0" algn="l">
+              <a:spcBef>
+                <a:spcPts val="0"/>
+              </a:spcBef>
+              <a:spcAft>
+                <a:spcPts val="0"/>
+              </a:spcAft>
+              <a:buNone/>
+            </a:pPr>
+            <a:r>
+              <a:rPr lang="en" sz="3200">
+                <a:solidFill>
+                  <a:srgbClr val="002F4A"/>
+                </a:solidFill>
+                <a:latin typeface="Merriweather"/>
+                <a:ea typeface="Merriweather"/>
+                <a:cs typeface="Merriweather"/>
+                <a:sym typeface="Merriweather"/>
+              </a:rPr>
+              <a:t>Relevance</a:t>
+            </a:r>
+            <a:endParaRPr sz="3200">
+              <a:solidFill>
+                <a:srgbClr val="002F4A"/>
+              </a:solidFill>
+              <a:latin typeface="Merriweather"/>
+              <a:ea typeface="Merriweather"/>
+              <a:cs typeface="Merriweather"/>
+              <a:sym typeface="Merriweather"/>
+            </a:endParaRPr>
+          </a:p>
+          <a:p>
+            <a:pPr indent="0" lvl="0" marL="0" rtl="0" algn="l">
+              <a:spcBef>
+                <a:spcPts val="0"/>
+              </a:spcBef>
+              <a:spcAft>
+                <a:spcPts val="0"/>
+              </a:spcAft>
+              <a:buNone/>
+            </a:pPr>
+            <a:r>
+              <a:t/>
+            </a:r>
+            <a:endParaRPr sz="3200">
+              <a:solidFill>
+                <a:srgbClr val="002F4A"/>
+              </a:solidFill>
+              <a:latin typeface="Merriweather"/>
+              <a:ea typeface="Merriweather"/>
+              <a:cs typeface="Merriweather"/>
+              <a:sym typeface="Merriweather"/>
+            </a:endParaRPr>
+          </a:p>
+          <a:p>
+            <a:pPr indent="0" lvl="0" marL="0" rtl="0" algn="l">
+              <a:spcBef>
+                <a:spcPts val="0"/>
+              </a:spcBef>
+              <a:spcAft>
+                <a:spcPts val="0"/>
+              </a:spcAft>
+              <a:buNone/>
+            </a:pPr>
+            <a:r>
+              <a:t/>
+            </a:r>
+            <a:endParaRPr sz="3200">
+              <a:solidFill>
+                <a:srgbClr val="002F4A"/>
+              </a:solidFill>
+              <a:latin typeface="Merriweather"/>
+              <a:ea typeface="Merriweather"/>
+              <a:cs typeface="Merriweather"/>
+              <a:sym typeface="Merriweather"/>
+            </a:endParaRPr>
+          </a:p>
+          <a:p>
+            <a:pPr indent="-336550" lvl="0" marL="457200" rtl="0" algn="l">
+              <a:spcBef>
+                <a:spcPts val="0"/>
+              </a:spcBef>
+              <a:spcAft>
+                <a:spcPts val="0"/>
+              </a:spcAft>
+              <a:buClr>
+                <a:srgbClr val="002F4A"/>
+              </a:buClr>
+              <a:buSzPts val="1700"/>
+              <a:buFont typeface="Merriweather"/>
+              <a:buChar char="-"/>
+            </a:pPr>
+            <a:r>
+              <a:rPr lang="en" sz="1700">
+                <a:solidFill>
+                  <a:srgbClr val="002F4A"/>
+                </a:solidFill>
+                <a:latin typeface="Merriweather"/>
+                <a:ea typeface="Merriweather"/>
+                <a:cs typeface="Merriweather"/>
+                <a:sym typeface="Merriweather"/>
+              </a:rPr>
+              <a:t>How many items out of total recommendations does user like</a:t>
+            </a:r>
+            <a:endParaRPr sz="1700">
+              <a:solidFill>
+                <a:srgbClr val="002F4A"/>
+              </a:solidFill>
+              <a:latin typeface="Merriweather"/>
+              <a:ea typeface="Merriweather"/>
+              <a:cs typeface="Merriweather"/>
+              <a:sym typeface="Merriweather"/>
+            </a:endParaRPr>
+          </a:p>
+          <a:p>
+            <a:pPr indent="0" lvl="0" marL="457200" rtl="0" algn="l">
+              <a:spcBef>
+                <a:spcPts val="0"/>
+              </a:spcBef>
+              <a:spcAft>
+                <a:spcPts val="0"/>
+              </a:spcAft>
+              <a:buNone/>
+            </a:pPr>
+            <a:r>
+              <a:t/>
+            </a:r>
+            <a:endParaRPr sz="1700">
+              <a:solidFill>
+                <a:srgbClr val="002F4A"/>
+              </a:solidFill>
+              <a:latin typeface="Merriweather"/>
+              <a:ea typeface="Merriweather"/>
+              <a:cs typeface="Merriweather"/>
+              <a:sym typeface="Merriweather"/>
+            </a:endParaRPr>
+          </a:p>
+          <a:p>
+            <a:pPr indent="-336550" lvl="0" marL="457200" rtl="0" algn="l">
+              <a:spcBef>
+                <a:spcPts val="0"/>
+              </a:spcBef>
+              <a:spcAft>
+                <a:spcPts val="0"/>
+              </a:spcAft>
+              <a:buClr>
+                <a:srgbClr val="002F4A"/>
+              </a:buClr>
+              <a:buSzPts val="1700"/>
+              <a:buFont typeface="Merriweather"/>
+              <a:buChar char="-"/>
+            </a:pPr>
+            <a:r>
+              <a:rPr lang="en" sz="1700">
+                <a:solidFill>
+                  <a:srgbClr val="002F4A"/>
+                </a:solidFill>
+                <a:latin typeface="Merriweather"/>
+                <a:ea typeface="Merriweather"/>
+                <a:cs typeface="Merriweather"/>
+                <a:sym typeface="Merriweather"/>
+              </a:rPr>
+              <a:t>Similar to ‘accuracy’</a:t>
+            </a:r>
+            <a:endParaRPr sz="1700">
+              <a:solidFill>
+                <a:srgbClr val="002F4A"/>
+              </a:solidFill>
+              <a:latin typeface="Merriweather"/>
+              <a:ea typeface="Merriweather"/>
+              <a:cs typeface="Merriweather"/>
+              <a:sym typeface="Merriweather"/>
+            </a:endParaRPr>
+          </a:p>
+          <a:p>
+            <a:pPr indent="0" lvl="0" marL="0" rtl="0" algn="l">
+              <a:spcBef>
+                <a:spcPts val="0"/>
+              </a:spcBef>
+              <a:spcAft>
+                <a:spcPts val="0"/>
+              </a:spcAft>
+              <a:buNone/>
+            </a:pPr>
+            <a:r>
+              <a:t/>
+            </a:r>
+            <a:endParaRPr sz="1700">
+              <a:solidFill>
+                <a:srgbClr val="002F4A"/>
+              </a:solidFill>
+              <a:latin typeface="Merriweather"/>
+              <a:ea typeface="Merriweather"/>
+              <a:cs typeface="Merriweather"/>
+              <a:sym typeface="Merriweather"/>
+            </a:endParaRPr>
+          </a:p>
+          <a:p>
+            <a:pPr indent="0" lvl="0" marL="457200" rtl="0" algn="l">
+              <a:spcBef>
+                <a:spcPts val="0"/>
+              </a:spcBef>
+              <a:spcAft>
+                <a:spcPts val="0"/>
+              </a:spcAft>
+              <a:buNone/>
+            </a:pPr>
+            <a:r>
+              <a:t/>
+            </a:r>
+            <a:endParaRPr sz="1700">
+              <a:solidFill>
+                <a:srgbClr val="002F4A"/>
+              </a:solidFill>
+              <a:latin typeface="Merriweather"/>
+              <a:ea typeface="Merriweather"/>
+              <a:cs typeface="Merriweather"/>
+              <a:sym typeface="Merriweather"/>
+            </a:endParaRPr>
+          </a:p>
+          <a:p>
+            <a:pPr indent="0" lvl="0" marL="457200" rtl="0" algn="l">
+              <a:spcBef>
+                <a:spcPts val="0"/>
+              </a:spcBef>
+              <a:spcAft>
+                <a:spcPts val="0"/>
+              </a:spcAft>
+              <a:buNone/>
+            </a:pPr>
+            <a:r>
+              <a:t/>
+            </a:r>
+            <a:endParaRPr sz="1700">
+              <a:solidFill>
+                <a:srgbClr val="002F4A"/>
+              </a:solidFill>
+              <a:latin typeface="Merriweather"/>
+              <a:ea typeface="Merriweather"/>
+              <a:cs typeface="Merriweather"/>
+              <a:sym typeface="Merriweather"/>
+            </a:endParaRPr>
+          </a:p>
+          <a:p>
+            <a:pPr indent="0" lvl="0" marL="0" rtl="0" algn="l">
+              <a:spcBef>
+                <a:spcPts val="0"/>
+              </a:spcBef>
+              <a:spcAft>
+                <a:spcPts val="0"/>
+              </a:spcAft>
+              <a:buNone/>
+            </a:pPr>
+            <a:r>
+              <a:t/>
+            </a:r>
+            <a:endParaRPr sz="3200">
+              <a:solidFill>
+                <a:srgbClr val="002F4A"/>
+              </a:solidFill>
+              <a:latin typeface="Merriweather"/>
+              <a:ea typeface="Merriweather"/>
+              <a:cs typeface="Merriweather"/>
+              <a:sym typeface="Merriweather"/>
+            </a:endParaRPr>
+          </a:p>
+          <a:p>
+            <a:pPr indent="0" lvl="0" marL="457200" rtl="0" algn="l">
+              <a:spcBef>
+                <a:spcPts val="0"/>
+              </a:spcBef>
+              <a:spcAft>
+                <a:spcPts val="0"/>
+              </a:spcAft>
+              <a:buNone/>
+            </a:pPr>
+            <a:r>
+              <a:t/>
+            </a:r>
+            <a:endParaRPr sz="2100">
+              <a:solidFill>
+                <a:srgbClr val="002F4A"/>
+              </a:solidFill>
+              <a:latin typeface="Merriweather"/>
+              <a:ea typeface="Merriweather"/>
+              <a:cs typeface="Merriweather"/>
+              <a:sym typeface="Merriweather"/>
+            </a:endParaRPr>
+          </a:p>
+        </p:txBody>
+      </p:sp>
+      <p:pic>
+        <p:nvPicPr>
+          <p:cNvPr id="82" name="Google Shape;82;p17"/>
+          <p:cNvPicPr preferRelativeResize="0"/>
+          <p:nvPr/>
+        </p:nvPicPr>
+        <p:blipFill>
+          <a:blip r:embed="rId4">
+            <a:alphaModFix/>
+          </a:blip>
+          <a:stretch>
+            <a:fillRect/>
+          </a:stretch>
+        </p:blipFill>
+        <p:spPr>
+          <a:xfrm>
+            <a:off x="4213850" y="1392300"/>
+            <a:ext cx="4795450" cy="2413799"/>
+          </a:xfrm>
+          <a:prstGeom prst="rect">
+            <a:avLst/>
+          </a:prstGeom>
+          <a:noFill/>
+          <a:ln>
+            <a:noFill/>
+          </a:ln>
+        </p:spPr>
+      </p:pic>
+    </p:spTree>
+  </p:cSld>
+  <p:clrMapOvr>
+    <a:masterClrMapping/>
+  </p:clrMapOvr>
+</p:sld>
+</file>
+
+<file path=ppt/slides/slide6.xml><?xml version="1.0" encoding="utf-8"?>
+<p:sld xmlns:a="http://schemas.openxmlformats.org/drawingml/2006/main" xmlns:r="http://schemas.openxmlformats.org/officeDocument/2006/relationships" xmlns:mc="http://schemas.openxmlformats.org/markup-compatibility/2006" xmlns:mv="urn:schemas-microsoft-com:mac:vml" xmlns:p="http://schemas.openxmlformats.org/presentationml/2006/main" xmlns:c="http://schemas.openxmlformats.org/drawingml/2006/chart" xmlns:dgm="http://schemas.openxmlformats.org/drawingml/2006/diagram" xmlns:o="urn:schemas-microsoft-com:office:office" xmlns:v="urn:schemas-microsoft-com:vml" xmlns:pvml="urn:schemas-microsoft-com:office:powerpoint" xmlns:com="http://schemas.openxmlformats.org/drawingml/2006/compatibility" xmlns:p14="http://schemas.microsoft.com/office/powerpoint/2010/main" xmlns:p15="http://schemas.microsoft.com/office/powerpoint/2012/main" xmlns:ahyp="http://schemas.microsoft.com/office/drawing/2018/hyperlinkcolor">
+  <p:cSld>
+    <p:spTree>
+      <p:nvGrpSpPr>
+        <p:cNvPr id="86" name="Shape 86"/>
+        <p:cNvGrpSpPr/>
+        <p:nvPr/>
+      </p:nvGrpSpPr>
+      <p:grpSpPr>
+        <a:xfrm>
+          <a:off x="0" y="0"/>
+          <a:ext cx="0" cy="0"/>
+          <a:chOff x="0" y="0"/>
+          <a:chExt cx="0" cy="0"/>
+        </a:xfrm>
+      </p:grpSpPr>
+      <p:pic>
+        <p:nvPicPr>
+          <p:cNvPr id="87" name="Google Shape;87;p18"/>
+          <p:cNvPicPr preferRelativeResize="0"/>
+          <p:nvPr/>
+        </p:nvPicPr>
+        <p:blipFill>
+          <a:blip r:embed="rId3">
+            <a:alphaModFix amt="20000"/>
+          </a:blip>
+          <a:stretch>
+            <a:fillRect/>
+          </a:stretch>
+        </p:blipFill>
+        <p:spPr>
+          <a:xfrm>
+            <a:off x="0" y="0"/>
+            <a:ext cx="9144000" cy="5143500"/>
+          </a:xfrm>
+          <a:prstGeom prst="rect">
+            <a:avLst/>
+          </a:prstGeom>
+          <a:noFill/>
+          <a:ln>
+            <a:noFill/>
+          </a:ln>
+        </p:spPr>
+      </p:pic>
+      <p:sp>
+        <p:nvSpPr>
+          <p:cNvPr id="88" name="Google Shape;88;p18"/>
+          <p:cNvSpPr txBox="1"/>
+          <p:nvPr/>
+        </p:nvSpPr>
+        <p:spPr>
+          <a:xfrm>
+            <a:off x="71275" y="154300"/>
+            <a:ext cx="4297200" cy="4963200"/>
+          </a:xfrm>
+          <a:prstGeom prst="rect">
+            <a:avLst/>
+          </a:prstGeom>
+          <a:noFill/>
+          <a:ln>
+            <a:noFill/>
+          </a:ln>
+        </p:spPr>
+        <p:txBody>
+          <a:bodyPr anchorCtr="0" anchor="t" bIns="91425" lIns="91425" spcFirstLastPara="1" rIns="91425" wrap="square" tIns="91425">
+            <a:normAutofit lnSpcReduction="20000"/>
           </a:bodyPr>
           <a:lstStyle/>
           <a:p>
@@ -14161,6 +15991,66 @@
             </a:endParaRPr>
           </a:p>
           <a:p>
+            <a:pPr indent="0" lvl="0" marL="457200" rtl="0" algn="l">
+              <a:spcBef>
+                <a:spcPts val="0"/>
+              </a:spcBef>
+              <a:spcAft>
+                <a:spcPts val="0"/>
+              </a:spcAft>
+              <a:buNone/>
+            </a:pPr>
+            <a:r>
+              <a:t/>
+            </a:r>
+            <a:endParaRPr sz="1700">
+              <a:solidFill>
+                <a:srgbClr val="002F4A"/>
+              </a:solidFill>
+              <a:latin typeface="Merriweather"/>
+              <a:ea typeface="Merriweather"/>
+              <a:cs typeface="Merriweather"/>
+              <a:sym typeface="Merriweather"/>
+            </a:endParaRPr>
+          </a:p>
+          <a:p>
+            <a:pPr indent="-336550" lvl="0" marL="457200" rtl="0" algn="l">
+              <a:spcBef>
+                <a:spcPts val="0"/>
+              </a:spcBef>
+              <a:spcAft>
+                <a:spcPts val="0"/>
+              </a:spcAft>
+              <a:buClr>
+                <a:srgbClr val="002F4A"/>
+              </a:buClr>
+              <a:buSzPts val="1700"/>
+              <a:buFont typeface="Merriweather"/>
+              <a:buChar char="-"/>
+            </a:pPr>
+            <a:r>
+              <a:rPr lang="en" sz="1700">
+                <a:solidFill>
+                  <a:srgbClr val="002F4A"/>
+                </a:solidFill>
+                <a:latin typeface="Merriweather"/>
+                <a:ea typeface="Merriweather"/>
+                <a:cs typeface="Merriweather"/>
+                <a:sym typeface="Merriweather"/>
+              </a:rPr>
+              <a:t>Determines how unknown recommended items are to users</a:t>
+            </a:r>
+            <a:endParaRPr sz="1700">
+              <a:solidFill>
+                <a:srgbClr val="002F4A"/>
+              </a:solidFill>
+              <a:latin typeface="Merriweather"/>
+              <a:ea typeface="Merriweather"/>
+              <a:cs typeface="Merriweather"/>
+              <a:sym typeface="Merriweather"/>
+            </a:endParaRPr>
+          </a:p>
+          <a:p>
             <a:pPr indent="0" lvl="0" marL="0" rtl="0" algn="l">
               <a:spcBef>
                 <a:spcPts val="0"/>
@@ -14422,7 +16312,7 @@
       </p:sp>
       <p:pic>
         <p:nvPicPr>
-          <p:cNvPr id="76" name="Google Shape;76;p16"/>
+          <p:cNvPr id="89" name="Google Shape;89;p18"/>
           <p:cNvPicPr preferRelativeResize="0"/>
           <p:nvPr/>
         </p:nvPicPr>
@@ -14456,12 +16346,12 @@
 </p:sld>
 </file>
 
-<file path=ppt/slides/slide5.xml><?xml version="1.0" encoding="utf-8"?>
+<file path=ppt/slides/slide7.xml><?xml version="1.0" encoding="utf-8"?>
 <p:sld xmlns:a="http://schemas.openxmlformats.org/drawingml/2006/main" xmlns:r="http://schemas.openxmlformats.org/officeDocument/2006/relationships" xmlns:mc="http://schemas.openxmlformats.org/markup-compatibility/2006" xmlns:mv="urn:schemas-microsoft-com:mac:vml" xmlns:p="http://schemas.openxmlformats.org/presentationml/2006/main" xmlns:c="http://schemas.openxmlformats.org/drawingml/2006/chart" xmlns:dgm="http://schemas.openxmlformats.org/drawingml/2006/diagram" xmlns:o="urn:schemas-microsoft-com:office:office" xmlns:v="urn:schemas-microsoft-com:vml" xmlns:pvml="urn:schemas-microsoft-com:office:powerpoint" xmlns:com="http://schemas.openxmlformats.org/drawingml/2006/compatibility" xmlns:p14="http://schemas.microsoft.com/office/powerpoint/2010/main" xmlns:p15="http://schemas.microsoft.com/office/powerpoint/2012/main" xmlns:ahyp="http://schemas.microsoft.com/office/drawing/2018/hyperlinkcolor">
   <p:cSld>
     <p:spTree>
       <p:nvGrpSpPr>
-        <p:cNvPr id="80" name="Shape 80"/>
+        <p:cNvPr id="93" name="Shape 93"/>
         <p:cNvGrpSpPr/>
         <p:nvPr/>
       </p:nvGrpSpPr>
@@ -14475,13 +16365,13 @@
       </p:grpSpPr>
       <p:pic>
         <p:nvPicPr>
-          <p:cNvPr id="81" name="Google Shape;81;p17"/>
+          <p:cNvPr id="94" name="Google Shape;94;p19"/>
           <p:cNvPicPr preferRelativeResize="0"/>
           <p:nvPr/>
         </p:nvPicPr>
         <p:blipFill>
           <a:blip r:embed="rId3">
-            <a:alphaModFix amt="30000"/>
+            <a:alphaModFix amt="20000"/>
           </a:blip>
           <a:stretch>
             <a:fillRect/>
@@ -14503,7 +16393,7 @@
       </p:pic>
       <p:sp>
         <p:nvSpPr>
-          <p:cNvPr id="82" name="Google Shape;82;p17"/>
+          <p:cNvPr id="95" name="Google Shape;95;p19"/>
           <p:cNvSpPr txBox="1"/>
           <p:nvPr/>
         </p:nvSpPr>
@@ -14881,76 +16771,70 @@
             </a:endParaRPr>
           </a:p>
           <a:p>
+            <a:pPr indent="0" lvl="0" marL="457200" rtl="0" algn="l">
+              <a:spcBef>
+                <a:spcPts val="0"/>
+              </a:spcBef>
+              <a:spcAft>
+                <a:spcPts val="0"/>
+              </a:spcAft>
+              <a:buNone/>
+            </a:pPr>
+            <a:r>
+              <a:t/>
+            </a:r>
+            <a:endParaRPr sz="1700">
+              <a:solidFill>
+                <a:srgbClr val="002F4A"/>
+              </a:solidFill>
+              <a:latin typeface="Merriweather"/>
+              <a:ea typeface="Merriweather"/>
+              <a:cs typeface="Merriweather"/>
+              <a:sym typeface="Merriweather"/>
+            </a:endParaRPr>
+          </a:p>
+          <a:p>
+            <a:pPr indent="-336550" lvl="0" marL="457200" rtl="0" algn="l">
+              <a:spcBef>
+                <a:spcPts val="0"/>
+              </a:spcBef>
+              <a:spcAft>
+                <a:spcPts val="0"/>
+              </a:spcAft>
+              <a:buClr>
+                <a:srgbClr val="002F4A"/>
+              </a:buClr>
+              <a:buSzPts val="1700"/>
+              <a:buFont typeface="Merriweather"/>
+              <a:buChar char="-"/>
+            </a:pPr>
+            <a:r>
+              <a:rPr lang="en" sz="1700">
+                <a:solidFill>
+                  <a:srgbClr val="002F4A"/>
+                </a:solidFill>
+                <a:latin typeface="Merriweather"/>
+                <a:ea typeface="Merriweather"/>
+                <a:cs typeface="Merriweather"/>
+                <a:sym typeface="Merriweather"/>
+              </a:rPr>
+              <a:t>A measure of the extent to which recommendations positively surprise their users</a:t>
+            </a:r>
+            <a:endParaRPr sz="1050">
+              <a:solidFill>
+                <a:srgbClr val="111111"/>
+              </a:solidFill>
+              <a:highlight>
+                <a:srgbClr val="FFFFFF"/>
+              </a:highlight>
+              <a:latin typeface="Roboto"/>
+              <a:ea typeface="Roboto"/>
+              <a:cs typeface="Roboto"/>
+              <a:sym typeface="Roboto"/>
+            </a:endParaRPr>
+          </a:p>
+          <a:p>
             <a:pPr indent="0" lvl="0" marL="0" rtl="0" algn="l">
-              <a:spcBef>
-                <a:spcPts val="0"/>
-              </a:spcBef>
-              <a:spcAft>
-                <a:spcPts val="0"/>
-              </a:spcAft>
-              <a:buNone/>
-            </a:pPr>
-            <a:r>
-              <a:t/>
-            </a:r>
-            <a:endParaRPr sz="1700">
-              <a:solidFill>
-                <a:srgbClr val="002F4A"/>
-              </a:solidFill>
-              <a:latin typeface="Merriweather"/>
-              <a:ea typeface="Merriweather"/>
-              <a:cs typeface="Merriweather"/>
-              <a:sym typeface="Merriweather"/>
-            </a:endParaRPr>
-          </a:p>
-          <a:p>
-            <a:pPr indent="0" lvl="0" marL="457200" rtl="0" algn="l">
-              <a:spcBef>
-                <a:spcPts val="0"/>
-              </a:spcBef>
-              <a:spcAft>
-                <a:spcPts val="0"/>
-              </a:spcAft>
-              <a:buNone/>
-            </a:pPr>
-            <a:r>
-              <a:t/>
-            </a:r>
-            <a:endParaRPr sz="1700">
-              <a:solidFill>
-                <a:srgbClr val="002F4A"/>
-              </a:solidFill>
-              <a:latin typeface="Merriweather"/>
-              <a:ea typeface="Merriweather"/>
-              <a:cs typeface="Merriweather"/>
-              <a:sym typeface="Merriweather"/>
-            </a:endParaRPr>
-          </a:p>
-          <a:p>
-            <a:pPr indent="0" lvl="0" marL="0" rtl="0" algn="l">
-              <a:spcBef>
-                <a:spcPts val="0"/>
-              </a:spcBef>
-              <a:spcAft>
-                <a:spcPts val="0"/>
-              </a:spcAft>
-              <a:buNone/>
-            </a:pPr>
-            <a:r>
-              <a:t/>
-            </a:r>
-            <a:endParaRPr sz="3200">
-              <a:solidFill>
-                <a:srgbClr val="002F4A"/>
-              </a:solidFill>
-              <a:latin typeface="Merriweather"/>
-              <a:ea typeface="Merriweather"/>
-              <a:cs typeface="Merriweather"/>
-              <a:sym typeface="Merriweather"/>
-            </a:endParaRPr>
-          </a:p>
-          <a:p>
-            <a:pPr indent="0" lvl="0" marL="457200" rtl="0" algn="l">
               <a:spcBef>
                 <a:spcPts val="0"/>
               </a:spcBef>
@@ -14976,7 +16860,7 @@
       </p:sp>
       <p:pic>
         <p:nvPicPr>
-          <p:cNvPr id="83" name="Google Shape;83;p17"/>
+          <p:cNvPr id="96" name="Google Shape;96;p19"/>
           <p:cNvPicPr preferRelativeResize="0"/>
           <p:nvPr/>
         </p:nvPicPr>
@@ -15010,468 +16894,6 @@
 </p:sld>
 </file>
 
-<file path=ppt/slides/slide6.xml><?xml version="1.0" encoding="utf-8"?>
-<p:sld xmlns:a="http://schemas.openxmlformats.org/drawingml/2006/main" xmlns:r="http://schemas.openxmlformats.org/officeDocument/2006/relationships" xmlns:mc="http://schemas.openxmlformats.org/markup-compatibility/2006" xmlns:mv="urn:schemas-microsoft-com:mac:vml" xmlns:p="http://schemas.openxmlformats.org/presentationml/2006/main" xmlns:c="http://schemas.openxmlformats.org/drawingml/2006/chart" xmlns:dgm="http://schemas.openxmlformats.org/drawingml/2006/diagram" xmlns:o="urn:schemas-microsoft-com:office:office" xmlns:v="urn:schemas-microsoft-com:vml" xmlns:pvml="urn:schemas-microsoft-com:office:powerpoint" xmlns:com="http://schemas.openxmlformats.org/drawingml/2006/compatibility" xmlns:p14="http://schemas.microsoft.com/office/powerpoint/2010/main" xmlns:p15="http://schemas.microsoft.com/office/powerpoint/2012/main" xmlns:ahyp="http://schemas.microsoft.com/office/drawing/2018/hyperlinkcolor">
-  <p:cSld>
-    <p:spTree>
-      <p:nvGrpSpPr>
-        <p:cNvPr id="87" name="Shape 87"/>
-        <p:cNvGrpSpPr/>
-        <p:nvPr/>
-      </p:nvGrpSpPr>
-      <p:grpSpPr>
-        <a:xfrm>
-          <a:off x="0" y="0"/>
-          <a:ext cx="0" cy="0"/>
-          <a:chOff x="0" y="0"/>
-          <a:chExt cx="0" cy="0"/>
-        </a:xfrm>
-      </p:grpSpPr>
-      <p:pic>
-        <p:nvPicPr>
-          <p:cNvPr id="88" name="Google Shape;88;p18"/>
-          <p:cNvPicPr preferRelativeResize="0"/>
-          <p:nvPr/>
-        </p:nvPicPr>
-        <p:blipFill>
-          <a:blip r:embed="rId3">
-            <a:alphaModFix amt="30000"/>
-          </a:blip>
-          <a:stretch>
-            <a:fillRect/>
-          </a:stretch>
-        </p:blipFill>
-        <p:spPr>
-          <a:xfrm>
-            <a:off x="0" y="0"/>
-            <a:ext cx="9144000" cy="5143500"/>
-          </a:xfrm>
-          <a:prstGeom prst="rect">
-            <a:avLst/>
-          </a:prstGeom>
-          <a:noFill/>
-          <a:ln>
-            <a:noFill/>
-          </a:ln>
-        </p:spPr>
-      </p:pic>
-      <p:sp>
-        <p:nvSpPr>
-          <p:cNvPr id="89" name="Google Shape;89;p18"/>
-          <p:cNvSpPr txBox="1"/>
-          <p:nvPr/>
-        </p:nvSpPr>
-        <p:spPr>
-          <a:xfrm>
-            <a:off x="71275" y="154300"/>
-            <a:ext cx="8151000" cy="4963200"/>
-          </a:xfrm>
-          <a:prstGeom prst="rect">
-            <a:avLst/>
-          </a:prstGeom>
-          <a:noFill/>
-          <a:ln>
-            <a:noFill/>
-          </a:ln>
-        </p:spPr>
-        <p:txBody>
-          <a:bodyPr anchorCtr="0" anchor="t" bIns="91425" lIns="91425" spcFirstLastPara="1" rIns="91425" wrap="square" tIns="91425">
-            <a:normAutofit/>
-          </a:bodyPr>
-          <a:lstStyle/>
-          <a:p>
-            <a:pPr indent="0" lvl="0" marL="0" rtl="0" algn="l">
-              <a:spcBef>
-                <a:spcPts val="0"/>
-              </a:spcBef>
-              <a:spcAft>
-                <a:spcPts val="0"/>
-              </a:spcAft>
-              <a:buNone/>
-            </a:pPr>
-            <a:r>
-              <a:rPr lang="en" sz="3200">
-                <a:solidFill>
-                  <a:srgbClr val="002F4A"/>
-                </a:solidFill>
-                <a:latin typeface="Merriweather"/>
-                <a:ea typeface="Merriweather"/>
-                <a:cs typeface="Merriweather"/>
-                <a:sym typeface="Merriweather"/>
-              </a:rPr>
-              <a:t>Diversity</a:t>
-            </a:r>
-            <a:endParaRPr sz="3200">
-              <a:solidFill>
-                <a:srgbClr val="002F4A"/>
-              </a:solidFill>
-              <a:latin typeface="Merriweather"/>
-              <a:ea typeface="Merriweather"/>
-              <a:cs typeface="Merriweather"/>
-              <a:sym typeface="Merriweather"/>
-            </a:endParaRPr>
-          </a:p>
-          <a:p>
-            <a:pPr indent="0" lvl="0" marL="0" rtl="0" algn="l">
-              <a:spcBef>
-                <a:spcPts val="0"/>
-              </a:spcBef>
-              <a:spcAft>
-                <a:spcPts val="0"/>
-              </a:spcAft>
-              <a:buNone/>
-            </a:pPr>
-            <a:r>
-              <a:t/>
-            </a:r>
-            <a:endParaRPr sz="3200">
-              <a:solidFill>
-                <a:srgbClr val="002F4A"/>
-              </a:solidFill>
-              <a:latin typeface="Merriweather"/>
-              <a:ea typeface="Merriweather"/>
-              <a:cs typeface="Merriweather"/>
-              <a:sym typeface="Merriweather"/>
-            </a:endParaRPr>
-          </a:p>
-          <a:p>
-            <a:pPr indent="-336550" lvl="0" marL="457200" rtl="0" algn="l">
-              <a:spcBef>
-                <a:spcPts val="0"/>
-              </a:spcBef>
-              <a:spcAft>
-                <a:spcPts val="0"/>
-              </a:spcAft>
-              <a:buClr>
-                <a:srgbClr val="002F4A"/>
-              </a:buClr>
-              <a:buSzPts val="1700"/>
-              <a:buFont typeface="Merriweather"/>
-              <a:buChar char="-"/>
-            </a:pPr>
-            <a:r>
-              <a:rPr lang="en" sz="1700">
-                <a:solidFill>
-                  <a:srgbClr val="002F4A"/>
-                </a:solidFill>
-                <a:latin typeface="Merriweather"/>
-                <a:ea typeface="Merriweather"/>
-                <a:cs typeface="Merriweather"/>
-                <a:sym typeface="Merriweather"/>
-              </a:rPr>
-              <a:t>Measures how narrow or wide the spectrum of recommended products are.</a:t>
-            </a:r>
-            <a:endParaRPr sz="1700">
-              <a:solidFill>
-                <a:srgbClr val="002F4A"/>
-              </a:solidFill>
-              <a:latin typeface="Merriweather"/>
-              <a:ea typeface="Merriweather"/>
-              <a:cs typeface="Merriweather"/>
-              <a:sym typeface="Merriweather"/>
-            </a:endParaRPr>
-          </a:p>
-          <a:p>
-            <a:pPr indent="-336550" lvl="0" marL="457200" rtl="0" algn="l">
-              <a:spcBef>
-                <a:spcPts val="0"/>
-              </a:spcBef>
-              <a:spcAft>
-                <a:spcPts val="0"/>
-              </a:spcAft>
-              <a:buClr>
-                <a:srgbClr val="002F4A"/>
-              </a:buClr>
-              <a:buSzPts val="1700"/>
-              <a:buFont typeface="Merriweather"/>
-              <a:buChar char="-"/>
-            </a:pPr>
-            <a:r>
-              <a:rPr lang="en" sz="1700">
-                <a:solidFill>
-                  <a:srgbClr val="002F4A"/>
-                </a:solidFill>
-                <a:latin typeface="Merriweather"/>
-                <a:ea typeface="Merriweather"/>
-                <a:cs typeface="Merriweather"/>
-                <a:sym typeface="Merriweather"/>
-              </a:rPr>
-              <a:t>Good diversity indicates wide range of products / genres etc.</a:t>
-            </a:r>
-            <a:endParaRPr sz="1700">
-              <a:solidFill>
-                <a:srgbClr val="002F4A"/>
-              </a:solidFill>
-              <a:latin typeface="Merriweather"/>
-              <a:ea typeface="Merriweather"/>
-              <a:cs typeface="Merriweather"/>
-              <a:sym typeface="Merriweather"/>
-            </a:endParaRPr>
-          </a:p>
-          <a:p>
-            <a:pPr indent="0" lvl="0" marL="0" rtl="0" algn="l">
-              <a:spcBef>
-                <a:spcPts val="0"/>
-              </a:spcBef>
-              <a:spcAft>
-                <a:spcPts val="0"/>
-              </a:spcAft>
-              <a:buNone/>
-            </a:pPr>
-            <a:r>
-              <a:t/>
-            </a:r>
-            <a:endParaRPr sz="1700">
-              <a:solidFill>
-                <a:srgbClr val="002F4A"/>
-              </a:solidFill>
-              <a:latin typeface="Merriweather"/>
-              <a:ea typeface="Merriweather"/>
-              <a:cs typeface="Merriweather"/>
-              <a:sym typeface="Merriweather"/>
-            </a:endParaRPr>
-          </a:p>
-          <a:p>
-            <a:pPr indent="0" lvl="0" marL="457200" rtl="0" algn="l">
-              <a:spcBef>
-                <a:spcPts val="0"/>
-              </a:spcBef>
-              <a:spcAft>
-                <a:spcPts val="0"/>
-              </a:spcAft>
-              <a:buNone/>
-            </a:pPr>
-            <a:r>
-              <a:t/>
-            </a:r>
-            <a:endParaRPr sz="1700">
-              <a:solidFill>
-                <a:srgbClr val="002F4A"/>
-              </a:solidFill>
-              <a:latin typeface="Merriweather"/>
-              <a:ea typeface="Merriweather"/>
-              <a:cs typeface="Merriweather"/>
-              <a:sym typeface="Merriweather"/>
-            </a:endParaRPr>
-          </a:p>
-          <a:p>
-            <a:pPr indent="0" lvl="0" marL="0" rtl="0" algn="l">
-              <a:spcBef>
-                <a:spcPts val="0"/>
-              </a:spcBef>
-              <a:spcAft>
-                <a:spcPts val="0"/>
-              </a:spcAft>
-              <a:buNone/>
-            </a:pPr>
-            <a:r>
-              <a:t/>
-            </a:r>
-            <a:endParaRPr sz="3200">
-              <a:solidFill>
-                <a:srgbClr val="002F4A"/>
-              </a:solidFill>
-              <a:latin typeface="Merriweather"/>
-              <a:ea typeface="Merriweather"/>
-              <a:cs typeface="Merriweather"/>
-              <a:sym typeface="Merriweather"/>
-            </a:endParaRPr>
-          </a:p>
-          <a:p>
-            <a:pPr indent="0" lvl="0" marL="457200" rtl="0" algn="l">
-              <a:spcBef>
-                <a:spcPts val="0"/>
-              </a:spcBef>
-              <a:spcAft>
-                <a:spcPts val="0"/>
-              </a:spcAft>
-              <a:buNone/>
-            </a:pPr>
-            <a:r>
-              <a:t/>
-            </a:r>
-            <a:endParaRPr sz="2100">
-              <a:solidFill>
-                <a:srgbClr val="002F4A"/>
-              </a:solidFill>
-              <a:latin typeface="Merriweather"/>
-              <a:ea typeface="Merriweather"/>
-              <a:cs typeface="Merriweather"/>
-              <a:sym typeface="Merriweather"/>
-            </a:endParaRPr>
-          </a:p>
-        </p:txBody>
-      </p:sp>
-      <p:pic>
-        <p:nvPicPr>
-          <p:cNvPr id="90" name="Google Shape;90;p18"/>
-          <p:cNvPicPr preferRelativeResize="0"/>
-          <p:nvPr/>
-        </p:nvPicPr>
-        <p:blipFill>
-          <a:blip r:embed="rId4">
-            <a:alphaModFix/>
-          </a:blip>
-          <a:stretch>
-            <a:fillRect/>
-          </a:stretch>
-        </p:blipFill>
-        <p:spPr>
-          <a:xfrm>
-            <a:off x="1509085" y="2383998"/>
-            <a:ext cx="5483476" cy="2004625"/>
-          </a:xfrm>
-          <a:prstGeom prst="rect">
-            <a:avLst/>
-          </a:prstGeom>
-          <a:noFill/>
-          <a:ln>
-            <a:noFill/>
-          </a:ln>
-        </p:spPr>
-      </p:pic>
-    </p:spTree>
-  </p:cSld>
-  <p:clrMapOvr>
-    <a:masterClrMapping/>
-  </p:clrMapOvr>
-</p:sld>
-</file>
-
-<file path=ppt/slides/slide7.xml><?xml version="1.0" encoding="utf-8"?>
-<p:sld xmlns:a="http://schemas.openxmlformats.org/drawingml/2006/main" xmlns:r="http://schemas.openxmlformats.org/officeDocument/2006/relationships" xmlns:mc="http://schemas.openxmlformats.org/markup-compatibility/2006" xmlns:mv="urn:schemas-microsoft-com:mac:vml" xmlns:p="http://schemas.openxmlformats.org/presentationml/2006/main" xmlns:c="http://schemas.openxmlformats.org/drawingml/2006/chart" xmlns:dgm="http://schemas.openxmlformats.org/drawingml/2006/diagram" xmlns:o="urn:schemas-microsoft-com:office:office" xmlns:v="urn:schemas-microsoft-com:vml" xmlns:pvml="urn:schemas-microsoft-com:office:powerpoint" xmlns:com="http://schemas.openxmlformats.org/drawingml/2006/compatibility" xmlns:p14="http://schemas.microsoft.com/office/powerpoint/2010/main" xmlns:p15="http://schemas.microsoft.com/office/powerpoint/2012/main" xmlns:ahyp="http://schemas.microsoft.com/office/drawing/2018/hyperlinkcolor">
-  <p:cSld>
-    <p:spTree>
-      <p:nvGrpSpPr>
-        <p:cNvPr id="94" name="Shape 94"/>
-        <p:cNvGrpSpPr/>
-        <p:nvPr/>
-      </p:nvGrpSpPr>
-      <p:grpSpPr>
-        <a:xfrm>
-          <a:off x="0" y="0"/>
-          <a:ext cx="0" cy="0"/>
-          <a:chOff x="0" y="0"/>
-          <a:chExt cx="0" cy="0"/>
-        </a:xfrm>
-      </p:grpSpPr>
-      <p:pic>
-        <p:nvPicPr>
-          <p:cNvPr id="95" name="Google Shape;95;p19"/>
-          <p:cNvPicPr preferRelativeResize="0"/>
-          <p:nvPr/>
-        </p:nvPicPr>
-        <p:blipFill>
-          <a:blip r:embed="rId3">
-            <a:alphaModFix amt="30000"/>
-          </a:blip>
-          <a:stretch>
-            <a:fillRect/>
-          </a:stretch>
-        </p:blipFill>
-        <p:spPr>
-          <a:xfrm>
-            <a:off x="0" y="0"/>
-            <a:ext cx="9144000" cy="5143500"/>
-          </a:xfrm>
-          <a:prstGeom prst="rect">
-            <a:avLst/>
-          </a:prstGeom>
-          <a:noFill/>
-          <a:ln>
-            <a:noFill/>
-          </a:ln>
-        </p:spPr>
-      </p:pic>
-      <p:sp>
-        <p:nvSpPr>
-          <p:cNvPr id="96" name="Google Shape;96;p19"/>
-          <p:cNvSpPr txBox="1"/>
-          <p:nvPr/>
-        </p:nvSpPr>
-        <p:spPr>
-          <a:xfrm>
-            <a:off x="1870975" y="2002500"/>
-            <a:ext cx="5097000" cy="1024500"/>
-          </a:xfrm>
-          <a:prstGeom prst="rect">
-            <a:avLst/>
-          </a:prstGeom>
-          <a:noFill/>
-          <a:ln>
-            <a:noFill/>
-          </a:ln>
-        </p:spPr>
-        <p:txBody>
-          <a:bodyPr anchorCtr="0" anchor="t" bIns="91425" lIns="91425" spcFirstLastPara="1" rIns="91425" wrap="square" tIns="91425">
-            <a:normAutofit/>
-          </a:bodyPr>
-          <a:lstStyle/>
-          <a:p>
-            <a:pPr indent="0" lvl="0" marL="0" rtl="0" algn="l">
-              <a:spcBef>
-                <a:spcPts val="0"/>
-              </a:spcBef>
-              <a:spcAft>
-                <a:spcPts val="0"/>
-              </a:spcAft>
-              <a:buNone/>
-            </a:pPr>
-            <a:r>
-              <a:rPr lang="en" sz="3200">
-                <a:solidFill>
-                  <a:srgbClr val="002F4A"/>
-                </a:solidFill>
-                <a:latin typeface="Merriweather"/>
-                <a:ea typeface="Merriweather"/>
-                <a:cs typeface="Merriweather"/>
-                <a:sym typeface="Merriweather"/>
-              </a:rPr>
-              <a:t>Data Cleaning and EDA</a:t>
-            </a:r>
-            <a:endParaRPr sz="3200">
-              <a:solidFill>
-                <a:srgbClr val="002F4A"/>
-              </a:solidFill>
-              <a:latin typeface="Merriweather"/>
-              <a:ea typeface="Merriweather"/>
-              <a:cs typeface="Merriweather"/>
-              <a:sym typeface="Merriweather"/>
-            </a:endParaRPr>
-          </a:p>
-          <a:p>
-            <a:pPr indent="0" lvl="0" marL="0" rtl="0" algn="l">
-              <a:spcBef>
-                <a:spcPts val="0"/>
-              </a:spcBef>
-              <a:spcAft>
-                <a:spcPts val="0"/>
-              </a:spcAft>
-              <a:buNone/>
-            </a:pPr>
-            <a:r>
-              <a:t/>
-            </a:r>
-            <a:endParaRPr sz="2100">
-              <a:solidFill>
-                <a:srgbClr val="002F4A"/>
-              </a:solidFill>
-              <a:latin typeface="Merriweather"/>
-              <a:ea typeface="Merriweather"/>
-              <a:cs typeface="Merriweather"/>
-              <a:sym typeface="Merriweather"/>
-            </a:endParaRPr>
-          </a:p>
-        </p:txBody>
-      </p:sp>
-    </p:spTree>
-  </p:cSld>
-  <p:clrMapOvr>
-    <a:masterClrMapping/>
-  </p:clrMapOvr>
-</p:sld>
-</file>
-
 <file path=ppt/slides/slide8.xml><?xml version="1.0" encoding="utf-8"?>
 <p:sld xmlns:a="http://schemas.openxmlformats.org/drawingml/2006/main" xmlns:r="http://schemas.openxmlformats.org/officeDocument/2006/relationships" xmlns:mc="http://schemas.openxmlformats.org/markup-compatibility/2006" xmlns:mv="urn:schemas-microsoft-com:mac:vml" xmlns:p="http://schemas.openxmlformats.org/presentationml/2006/main" xmlns:c="http://schemas.openxmlformats.org/drawingml/2006/chart" xmlns:dgm="http://schemas.openxmlformats.org/drawingml/2006/diagram" xmlns:o="urn:schemas-microsoft-com:office:office" xmlns:v="urn:schemas-microsoft-com:vml" xmlns:pvml="urn:schemas-microsoft-com:office:powerpoint" xmlns:com="http://schemas.openxmlformats.org/drawingml/2006/compatibility" xmlns:p14="http://schemas.microsoft.com/office/powerpoint/2010/main" xmlns:p15="http://schemas.microsoft.com/office/powerpoint/2012/main" xmlns:ahyp="http://schemas.microsoft.com/office/drawing/2018/hyperlinkcolor">
   <p:cSld>
@@ -15497,7 +16919,7 @@
         </p:nvPicPr>
         <p:blipFill>
           <a:blip r:embed="rId3">
-            <a:alphaModFix amt="30000"/>
+            <a:alphaModFix amt="20000"/>
           </a:blip>
           <a:stretch>
             <a:fillRect/>
@@ -15526,7 +16948,7 @@
         <p:spPr>
           <a:xfrm>
             <a:off x="71275" y="154300"/>
-            <a:ext cx="8419500" cy="4637400"/>
+            <a:ext cx="8631300" cy="4963200"/>
           </a:xfrm>
           <a:prstGeom prst="rect">
             <a:avLst/>
@@ -15561,7 +16983,7 @@
                 <a:cs typeface="Merriweather"/>
                 <a:sym typeface="Merriweather"/>
               </a:rPr>
-              <a:t>Data Cleaning and EDA</a:t>
+              <a:t>Diversity</a:t>
             </a:r>
             <a:endParaRPr sz="3200">
               <a:solidFill>
@@ -15586,28 +17008,33 @@
             <a:r>
               <a:t/>
             </a:r>
-            <a:endParaRPr sz="2100">
-              <a:solidFill>
-                <a:srgbClr val="002F4A"/>
-              </a:solidFill>
-              <a:latin typeface="Merriweather"/>
-              <a:ea typeface="Merriweather"/>
-              <a:cs typeface="Merriweather"/>
-              <a:sym typeface="Merriweather"/>
-            </a:endParaRPr>
-          </a:p>
-          <a:p>
-            <a:pPr indent="0" lvl="0" marL="0" rtl="0" algn="l">
-              <a:spcBef>
-                <a:spcPts val="0"/>
-              </a:spcBef>
-              <a:spcAft>
-                <a:spcPts val="0"/>
-              </a:spcAft>
-              <a:buNone/>
-            </a:pPr>
-            <a:r>
-              <a:rPr lang="en" sz="2100">
+            <a:endParaRPr sz="3200">
+              <a:solidFill>
+                <a:srgbClr val="002F4A"/>
+              </a:solidFill>
+              <a:latin typeface="Merriweather"/>
+              <a:ea typeface="Merriweather"/>
+              <a:cs typeface="Merriweather"/>
+              <a:sym typeface="Merriweather"/>
+            </a:endParaRPr>
+          </a:p>
+          <a:p>
+            <a:pPr indent="-336550" lvl="0" marL="457200" rtl="0" algn="l">
+              <a:spcBef>
+                <a:spcPts val="0"/>
+              </a:spcBef>
+              <a:spcAft>
+                <a:spcPts val="0"/>
+              </a:spcAft>
+              <a:buClr>
+                <a:srgbClr val="002F4A"/>
+              </a:buClr>
+              <a:buSzPts val="1700"/>
+              <a:buFont typeface="Merriweather"/>
+              <a:buChar char="-"/>
+            </a:pPr>
+            <a:r>
+              <a:rPr lang="en" sz="1700">
                 <a:solidFill>
                   <a:srgbClr val="002F4A"/>
                 </a:solidFill>
@@ -15616,30 +17043,58 @@
                 <a:cs typeface="Merriweather"/>
                 <a:sym typeface="Merriweather"/>
               </a:rPr>
-              <a:t>Datasets: anime (12,294 rows x 7 cols) - to year 2018</a:t>
-            </a:r>
-            <a:endParaRPr sz="2100">
-              <a:solidFill>
-                <a:srgbClr val="002F4A"/>
-              </a:solidFill>
-              <a:latin typeface="Merriweather"/>
-              <a:ea typeface="Merriweather"/>
-              <a:cs typeface="Merriweather"/>
-              <a:sym typeface="Merriweather"/>
-            </a:endParaRPr>
-          </a:p>
-          <a:p>
-            <a:pPr indent="0" lvl="0" marL="0" rtl="0" algn="l">
-              <a:spcBef>
-                <a:spcPts val="0"/>
-              </a:spcBef>
-              <a:spcAft>
-                <a:spcPts val="0"/>
-              </a:spcAft>
-              <a:buNone/>
-            </a:pPr>
-            <a:r>
-              <a:rPr lang="en" sz="2100">
+              <a:t>Measures how narrow or wide the spectrum of recommended products are.</a:t>
+            </a:r>
+            <a:endParaRPr sz="1700">
+              <a:solidFill>
+                <a:srgbClr val="002F4A"/>
+              </a:solidFill>
+              <a:latin typeface="Merriweather"/>
+              <a:ea typeface="Merriweather"/>
+              <a:cs typeface="Merriweather"/>
+              <a:sym typeface="Merriweather"/>
+            </a:endParaRPr>
+          </a:p>
+          <a:p>
+            <a:pPr indent="0" lvl="0" marL="914400" rtl="0" algn="l">
+              <a:spcBef>
+                <a:spcPts val="0"/>
+              </a:spcBef>
+              <a:spcAft>
+                <a:spcPts val="0"/>
+              </a:spcAft>
+              <a:buNone/>
+            </a:pPr>
+            <a:r>
+              <a:t/>
+            </a:r>
+            <a:endParaRPr sz="1700">
+              <a:solidFill>
+                <a:srgbClr val="002F4A"/>
+              </a:solidFill>
+              <a:latin typeface="Merriweather"/>
+              <a:ea typeface="Merriweather"/>
+              <a:cs typeface="Merriweather"/>
+              <a:sym typeface="Merriweather"/>
+            </a:endParaRPr>
+          </a:p>
+          <a:p>
+            <a:pPr indent="-336550" lvl="0" marL="457200" rtl="0" algn="l">
+              <a:spcBef>
+                <a:spcPts val="0"/>
+              </a:spcBef>
+              <a:spcAft>
+                <a:spcPts val="0"/>
+              </a:spcAft>
+              <a:buClr>
+                <a:srgbClr val="002F4A"/>
+              </a:buClr>
+              <a:buSzPts val="1700"/>
+              <a:buFont typeface="Merriweather"/>
+              <a:buChar char="-"/>
+            </a:pPr>
+            <a:r>
+              <a:rPr lang="en" sz="1700">
                 <a:solidFill>
                   <a:srgbClr val="002F4A"/>
                 </a:solidFill>
@@ -15648,9 +17103,9 @@
                 <a:cs typeface="Merriweather"/>
                 <a:sym typeface="Merriweather"/>
               </a:rPr>
-              <a:t>		      synopsis (16,214 rows x 5 cols)</a:t>
-            </a:r>
-            <a:endParaRPr sz="2100">
+              <a:t>Good diversity indicates wide range of products / genres etc.</a:t>
+            </a:r>
+            <a:endParaRPr sz="1700">
               <a:solidFill>
                 <a:srgbClr val="002F4A"/>
               </a:solidFill>
@@ -15671,16 +17126,76 @@
               <a:buNone/>
             </a:pPr>
             <a:r>
-              <a:rPr lang="en" sz="2100">
-                <a:solidFill>
-                  <a:srgbClr val="002F4A"/>
-                </a:solidFill>
-                <a:latin typeface="Merriweather"/>
-                <a:ea typeface="Merriweather"/>
-                <a:cs typeface="Merriweather"/>
-                <a:sym typeface="Merriweather"/>
-              </a:rPr>
-              <a:t>		      rating (7,813,737 rows x 3 cols)</a:t>
+              <a:t/>
+            </a:r>
+            <a:endParaRPr sz="1700">
+              <a:solidFill>
+                <a:srgbClr val="002F4A"/>
+              </a:solidFill>
+              <a:latin typeface="Merriweather"/>
+              <a:ea typeface="Merriweather"/>
+              <a:cs typeface="Merriweather"/>
+              <a:sym typeface="Merriweather"/>
+            </a:endParaRPr>
+          </a:p>
+          <a:p>
+            <a:pPr indent="0" lvl="0" marL="457200" rtl="0" algn="l">
+              <a:spcBef>
+                <a:spcPts val="0"/>
+              </a:spcBef>
+              <a:spcAft>
+                <a:spcPts val="0"/>
+              </a:spcAft>
+              <a:buNone/>
+            </a:pPr>
+            <a:r>
+              <a:t/>
+            </a:r>
+            <a:endParaRPr sz="1700">
+              <a:solidFill>
+                <a:srgbClr val="002F4A"/>
+              </a:solidFill>
+              <a:latin typeface="Merriweather"/>
+              <a:ea typeface="Merriweather"/>
+              <a:cs typeface="Merriweather"/>
+              <a:sym typeface="Merriweather"/>
+            </a:endParaRPr>
+          </a:p>
+          <a:p>
+            <a:pPr indent="0" lvl="0" marL="0" rtl="0" algn="l">
+              <a:spcBef>
+                <a:spcPts val="0"/>
+              </a:spcBef>
+              <a:spcAft>
+                <a:spcPts val="0"/>
+              </a:spcAft>
+              <a:buNone/>
+            </a:pPr>
+            <a:r>
+              <a:t/>
+            </a:r>
+            <a:endParaRPr sz="3200">
+              <a:solidFill>
+                <a:srgbClr val="002F4A"/>
+              </a:solidFill>
+              <a:latin typeface="Merriweather"/>
+              <a:ea typeface="Merriweather"/>
+              <a:cs typeface="Merriweather"/>
+              <a:sym typeface="Merriweather"/>
+            </a:endParaRPr>
+          </a:p>
+          <a:p>
+            <a:pPr indent="0" lvl="0" marL="457200" rtl="0" algn="l">
+              <a:spcBef>
+                <a:spcPts val="0"/>
+              </a:spcBef>
+              <a:spcAft>
+                <a:spcPts val="0"/>
+              </a:spcAft>
+              <a:buNone/>
+            </a:pPr>
+            <a:r>
+              <a:t/>
             </a:r>
             <a:endParaRPr sz="2100">
               <a:solidFill>
@@ -15710,8 +17225,8 @@
         </p:blipFill>
         <p:spPr>
           <a:xfrm>
-            <a:off x="836910" y="2255175"/>
-            <a:ext cx="6888224" cy="2536515"/>
+            <a:off x="1509085" y="2383998"/>
+            <a:ext cx="5483476" cy="2004625"/>
           </a:xfrm>
           <a:prstGeom prst="rect">
             <a:avLst/>
@@ -15755,7 +17270,7 @@
         </p:nvPicPr>
         <p:blipFill>
           <a:blip r:embed="rId3">
-            <a:alphaModFix amt="25000"/>
+            <a:alphaModFix amt="20000"/>
           </a:blip>
           <a:stretch>
             <a:fillRect/>
@@ -15783,8 +17298,8 @@
         </p:nvSpPr>
         <p:spPr>
           <a:xfrm>
-            <a:off x="71275" y="154300"/>
-            <a:ext cx="8805600" cy="4637400"/>
+            <a:off x="1870975" y="2002500"/>
+            <a:ext cx="5097000" cy="1024500"/>
           </a:xfrm>
           <a:prstGeom prst="rect">
             <a:avLst/>
@@ -15844,155 +17359,7 @@
             <a:r>
               <a:t/>
             </a:r>
-            <a:endParaRPr sz="500">
-              <a:solidFill>
-                <a:srgbClr val="002F4A"/>
-              </a:solidFill>
-              <a:latin typeface="Merriweather"/>
-              <a:ea typeface="Merriweather"/>
-              <a:cs typeface="Merriweather"/>
-              <a:sym typeface="Merriweather"/>
-            </a:endParaRPr>
-          </a:p>
-          <a:p>
-            <a:pPr indent="-355600" lvl="0" marL="457200" rtl="0" algn="l">
-              <a:spcBef>
-                <a:spcPts val="0"/>
-              </a:spcBef>
-              <a:spcAft>
-                <a:spcPts val="0"/>
-              </a:spcAft>
-              <a:buClr>
-                <a:srgbClr val="002F4A"/>
-              </a:buClr>
-              <a:buSzPts val="2000"/>
-              <a:buFont typeface="Merriweather"/>
-              <a:buChar char="-"/>
-            </a:pPr>
-            <a:r>
-              <a:rPr lang="en" sz="2000">
-                <a:solidFill>
-                  <a:srgbClr val="002F4A"/>
-                </a:solidFill>
-                <a:latin typeface="Merriweather"/>
-                <a:ea typeface="Merriweather"/>
-                <a:cs typeface="Merriweather"/>
-                <a:sym typeface="Merriweather"/>
-              </a:rPr>
-              <a:t>Genre</a:t>
-            </a:r>
-            <a:endParaRPr sz="2000">
-              <a:solidFill>
-                <a:srgbClr val="002F4A"/>
-              </a:solidFill>
-              <a:latin typeface="Merriweather"/>
-              <a:ea typeface="Merriweather"/>
-              <a:cs typeface="Merriweather"/>
-              <a:sym typeface="Merriweather"/>
-            </a:endParaRPr>
-          </a:p>
-          <a:p>
-            <a:pPr indent="0" lvl="0" marL="0" rtl="0" algn="l">
-              <a:spcBef>
-                <a:spcPts val="0"/>
-              </a:spcBef>
-              <a:spcAft>
-                <a:spcPts val="0"/>
-              </a:spcAft>
-              <a:buNone/>
-            </a:pPr>
-            <a:r>
-              <a:t/>
-            </a:r>
-            <a:endParaRPr sz="1600">
-              <a:solidFill>
-                <a:srgbClr val="002F4A"/>
-              </a:solidFill>
-              <a:latin typeface="Merriweather"/>
-              <a:ea typeface="Merriweather"/>
-              <a:cs typeface="Merriweather"/>
-              <a:sym typeface="Merriweather"/>
-            </a:endParaRPr>
-          </a:p>
-          <a:p>
-            <a:pPr indent="0" lvl="0" marL="0" rtl="0" algn="l">
-              <a:spcBef>
-                <a:spcPts val="0"/>
-              </a:spcBef>
-              <a:spcAft>
-                <a:spcPts val="0"/>
-              </a:spcAft>
-              <a:buNone/>
-            </a:pPr>
-            <a:r>
-              <a:rPr lang="en" sz="1600">
-                <a:solidFill>
-                  <a:srgbClr val="002F4A"/>
-                </a:solidFill>
-                <a:latin typeface="Merriweather"/>
-                <a:ea typeface="Merriweather"/>
-                <a:cs typeface="Merriweather"/>
-                <a:sym typeface="Merriweather"/>
-              </a:rPr>
-              <a:t>Top genres are ‘comedy’, ‘action’, ‘</a:t>
-            </a:r>
-            <a:r>
-              <a:rPr lang="en" sz="1600">
-                <a:solidFill>
-                  <a:srgbClr val="002F4A"/>
-                </a:solidFill>
-                <a:latin typeface="Merriweather"/>
-                <a:ea typeface="Merriweather"/>
-                <a:cs typeface="Merriweather"/>
-                <a:sym typeface="Merriweather"/>
-              </a:rPr>
-              <a:t>romance’,</a:t>
-            </a:r>
-            <a:r>
-              <a:rPr lang="en" sz="1600">
-                <a:solidFill>
-                  <a:srgbClr val="002F4A"/>
-                </a:solidFill>
-                <a:latin typeface="Merriweather"/>
-                <a:ea typeface="Merriweather"/>
-                <a:cs typeface="Merriweather"/>
-                <a:sym typeface="Merriweather"/>
-              </a:rPr>
-              <a:t> ‘fantasy’, and ‘drama’. </a:t>
-            </a:r>
-            <a:endParaRPr sz="1600">
-              <a:solidFill>
-                <a:srgbClr val="002F4A"/>
-              </a:solidFill>
-              <a:latin typeface="Merriweather"/>
-              <a:ea typeface="Merriweather"/>
-              <a:cs typeface="Merriweather"/>
-              <a:sym typeface="Merriweather"/>
-            </a:endParaRPr>
-          </a:p>
-          <a:p>
-            <a:pPr indent="0" lvl="0" marL="0" rtl="0" algn="l">
-              <a:spcBef>
-                <a:spcPts val="0"/>
-              </a:spcBef>
-              <a:spcAft>
-                <a:spcPts val="0"/>
-              </a:spcAft>
-              <a:buNone/>
-            </a:pPr>
-            <a:r>
-              <a:rPr lang="en" sz="1600">
-                <a:solidFill>
-                  <a:srgbClr val="002F4A"/>
-                </a:solidFill>
-                <a:latin typeface="Merriweather"/>
-                <a:ea typeface="Merriweather"/>
-                <a:cs typeface="Merriweather"/>
-                <a:sym typeface="Merriweather"/>
-              </a:rPr>
-              <a:t>		</a:t>
-            </a:r>
-            <a:endParaRPr sz="1600">
+            <a:endParaRPr sz="2100">
               <a:solidFill>
                 <a:srgbClr val="002F4A"/>
               </a:solidFill>
@@ -16004,62 +17371,6 @@
           </a:p>
         </p:txBody>
       </p:sp>
-      <p:pic>
-        <p:nvPicPr>
-          <p:cNvPr id="110" name="Google Shape;110;p21"/>
-          <p:cNvPicPr preferRelativeResize="0"/>
-          <p:nvPr/>
-        </p:nvPicPr>
-        <p:blipFill>
-          <a:blip r:embed="rId4">
-            <a:alphaModFix/>
-          </a:blip>
-          <a:stretch>
-            <a:fillRect/>
-          </a:stretch>
-        </p:blipFill>
-        <p:spPr>
-          <a:xfrm>
-            <a:off x="4596850" y="1866550"/>
-            <a:ext cx="4267850" cy="2925150"/>
-          </a:xfrm>
-          <a:prstGeom prst="rect">
-            <a:avLst/>
-          </a:prstGeom>
-          <a:noFill/>
-          <a:ln>
-            <a:noFill/>
-          </a:ln>
-        </p:spPr>
-      </p:pic>
-      <p:pic>
-        <p:nvPicPr>
-          <p:cNvPr id="111" name="Google Shape;111;p21"/>
-          <p:cNvPicPr preferRelativeResize="0"/>
-          <p:nvPr/>
-        </p:nvPicPr>
-        <p:blipFill>
-          <a:blip r:embed="rId5">
-            <a:alphaModFix/>
-          </a:blip>
-          <a:stretch>
-            <a:fillRect/>
-          </a:stretch>
-        </p:blipFill>
-        <p:spPr>
-          <a:xfrm>
-            <a:off x="167250" y="1866550"/>
-            <a:ext cx="4267850" cy="2925150"/>
-          </a:xfrm>
-          <a:prstGeom prst="rect">
-            <a:avLst/>
-          </a:prstGeom>
-          <a:noFill/>
-          <a:ln>
-            <a:noFill/>
-          </a:ln>
-        </p:spPr>
-      </p:pic>
     </p:spTree>
   </p:cSld>
   <p:clrMapOvr>
@@ -16069,6 +17380,285 @@
 </file>
 
 <file path=ppt/theme/theme1.xml><?xml version="1.0" encoding="utf-8"?>
+<a:theme xmlns:a="http://schemas.openxmlformats.org/drawingml/2006/main" xmlns:r="http://schemas.openxmlformats.org/officeDocument/2006/relationships" name="Simple Light">
+  <a:themeElements>
+    <a:clrScheme name="Simple Light">
+      <a:dk1>
+        <a:srgbClr val="000000"/>
+      </a:dk1>
+      <a:lt1>
+        <a:srgbClr val="FFFFFF"/>
+      </a:lt1>
+      <a:dk2>
+        <a:srgbClr val="595959"/>
+      </a:dk2>
+      <a:lt2>
+        <a:srgbClr val="EEEEEE"/>
+      </a:lt2>
+      <a:accent1>
+        <a:srgbClr val="4285F4"/>
+      </a:accent1>
+      <a:accent2>
+        <a:srgbClr val="212121"/>
+      </a:accent2>
+      <a:accent3>
+        <a:srgbClr val="78909C"/>
+      </a:accent3>
+      <a:accent4>
+        <a:srgbClr val="FFAB40"/>
+      </a:accent4>
+      <a:accent5>
+        <a:srgbClr val="0097A7"/>
+      </a:accent5>
+      <a:accent6>
+        <a:srgbClr val="EEFF41"/>
+      </a:accent6>
+      <a:hlink>
+        <a:srgbClr val="0097A7"/>
+      </a:hlink>
+      <a:folHlink>
+        <a:srgbClr val="0097A7"/>
+      </a:folHlink>
+    </a:clrScheme>
+    <a:fontScheme name="Office">
+      <a:majorFont>
+        <a:latin typeface="Arial"/>
+        <a:ea typeface=""/>
+        <a:cs typeface=""/>
+        <a:font script="Jpan" typeface="ＭＳ Ｐゴシック"/>
+        <a:font script="Hang" typeface="맑은 고딕"/>
+        <a:font script="Hans" typeface="宋体"/>
+        <a:font script="Hant" typeface="新細明體"/>
+        <a:font script="Arab" typeface="Times New Roman"/>
+        <a:font script="Hebr" typeface="Times New Roman"/>
+        <a:font script="Thai" typeface="Angsana New"/>
+        <a:font script="Ethi" typeface="Nyala"/>
+        <a:font script="Beng" typeface="Vrinda"/>
+        <a:font script="Gujr" typeface="Shruti"/>
+        <a:font script="Khmr" typeface="MoolBoran"/>
+        <a:font script="Knda" typeface="Tunga"/>
+        <a:font script="Guru" typeface="Raavi"/>
+        <a:font script="Cans" typeface="Euphemia"/>
+        <a:font script="Cher" typeface="Plantagenet Cherokee"/>
+        <a:font script="Yiii" typeface="Microsoft Yi Baiti"/>
+        <a:font script="Tibt" typeface="Microsoft Himalaya"/>
+        <a:font script="Thaa" typeface="MV Boli"/>
+        <a:font script="Deva" typeface="Mangal"/>
+        <a:font script="Telu" typeface="Gautami"/>
+        <a:font script="Taml" typeface="Latha"/>
+        <a:font script="Syrc" typeface="Estrangelo Edessa"/>
+        <a:font script="Orya" typeface="Kalinga"/>
+        <a:font script="Mlym" typeface="Kartika"/>
+        <a:font script="Laoo" typeface="DokChampa"/>
+        <a:font script="Sinh" typeface="Iskoola Pota"/>
+        <a:font script="Mong" typeface="Mongolian Baiti"/>
+        <a:font script="Viet" typeface="Times New Roman"/>
+        <a:font script="Uigh" typeface="Microsoft Uighur"/>
+        <a:font script="Geor" typeface="Sylfaen"/>
+      </a:majorFont>
+      <a:minorFont>
+        <a:latin typeface="Arial"/>
+        <a:ea typeface=""/>
+        <a:cs typeface=""/>
+        <a:font script="Jpan" typeface="ＭＳ Ｐゴシック"/>
+        <a:font script="Hang" typeface="맑은 고딕"/>
+        <a:font script="Hans" typeface="宋体"/>
+        <a:font script="Hant" typeface="新細明體"/>
+        <a:font script="Arab" typeface="Arial"/>
+        <a:font script="Hebr" typeface="Arial"/>
+        <a:font script="Thai" typeface="Cordia New"/>
+        <a:font script="Ethi" typeface="Nyala"/>
+        <a:font script="Beng" typeface="Vrinda"/>
+        <a:font script="Gujr" typeface="Shruti"/>
+        <a:font script="Khmr" typeface="DaunPenh"/>
+        <a:font script="Knda" typeface="Tunga"/>
+        <a:font script="Guru" typeface="Raavi"/>
+        <a:font script="Cans" typeface="Euphemia"/>
+        <a:font script="Cher" typeface="Plantagenet Cherokee"/>
+        <a:font script="Yiii" typeface="Microsoft Yi Baiti"/>
+        <a:font script="Tibt" typeface="Microsoft Himalaya"/>
+        <a:font script="Thaa" typeface="MV Boli"/>
+        <a:font script="Deva" typeface="Mangal"/>
+        <a:font script="Telu" typeface="Gautami"/>
+        <a:font script="Taml" typeface="Latha"/>
+        <a:font script="Syrc" typeface="Estrangelo Edessa"/>
+        <a:font script="Orya" typeface="Kalinga"/>
+        <a:font script="Mlym" typeface="Kartika"/>
+        <a:font script="Laoo" typeface="DokChampa"/>
+        <a:font script="Sinh" typeface="Iskoola Pota"/>
+        <a:font script="Mong" typeface="Mongolian Baiti"/>
+        <a:font script="Viet" typeface="Arial"/>
+        <a:font script="Uigh" typeface="Microsoft Uighur"/>
+        <a:font script="Geor" typeface="Sylfaen"/>
+      </a:minorFont>
+    </a:fontScheme>
+    <a:fmtScheme name="Office">
+      <a:fillStyleLst>
+        <a:solidFill>
+          <a:schemeClr val="phClr"/>
+        </a:solidFill>
+        <a:gradFill rotWithShape="1">
+          <a:gsLst>
+            <a:gs pos="0">
+              <a:schemeClr val="phClr">
+                <a:tint val="50000"/>
+                <a:satMod val="300000"/>
+              </a:schemeClr>
+            </a:gs>
+            <a:gs pos="35000">
+              <a:schemeClr val="phClr">
+                <a:tint val="37000"/>
+                <a:satMod val="300000"/>
+              </a:schemeClr>
+            </a:gs>
+            <a:gs pos="100000">
+              <a:schemeClr val="phClr">
+                <a:tint val="15000"/>
+                <a:satMod val="350000"/>
+              </a:schemeClr>
+            </a:gs>
+          </a:gsLst>
+          <a:lin ang="16200000" scaled="1"/>
+        </a:gradFill>
+        <a:gradFill rotWithShape="1">
+          <a:gsLst>
+            <a:gs pos="0">
+              <a:schemeClr val="phClr">
+                <a:tint val="100000"/>
+                <a:shade val="100000"/>
+                <a:satMod val="130000"/>
+              </a:schemeClr>
+            </a:gs>
+            <a:gs pos="100000">
+              <a:schemeClr val="phClr">
+                <a:tint val="50000"/>
+                <a:shade val="100000"/>
+                <a:satMod val="350000"/>
+              </a:schemeClr>
+            </a:gs>
+          </a:gsLst>
+          <a:lin ang="16200000" scaled="0"/>
+        </a:gradFill>
+      </a:fillStyleLst>
+      <a:lnStyleLst>
+        <a:ln w="9525" cap="flat" cmpd="sng" algn="ctr">
+          <a:solidFill>
+            <a:schemeClr val="phClr">
+              <a:shade val="95000"/>
+              <a:satMod val="105000"/>
+            </a:schemeClr>
+          </a:solidFill>
+          <a:prstDash val="solid"/>
+        </a:ln>
+        <a:ln w="25400" cap="flat" cmpd="sng" algn="ctr">
+          <a:solidFill>
+            <a:schemeClr val="phClr"/>
+          </a:solidFill>
+          <a:prstDash val="solid"/>
+        </a:ln>
+        <a:ln w="38100" cap="flat" cmpd="sng" algn="ctr">
+          <a:solidFill>
+            <a:schemeClr val="phClr"/>
+          </a:solidFill>
+          <a:prstDash val="solid"/>
+        </a:ln>
+      </a:lnStyleLst>
+      <a:effectStyleLst>
+        <a:effectStyle>
+          <a:effectLst>
+            <a:outerShdw blurRad="40000" dist="20000" dir="5400000" rotWithShape="0">
+              <a:srgbClr val="000000">
+                <a:alpha val="38000"/>
+              </a:srgbClr>
+            </a:outerShdw>
+          </a:effectLst>
+        </a:effectStyle>
+        <a:effectStyle>
+          <a:effectLst>
+            <a:outerShdw blurRad="40000" dist="23000" dir="5400000" rotWithShape="0">
+              <a:srgbClr val="000000">
+                <a:alpha val="35000"/>
+              </a:srgbClr>
+            </a:outerShdw>
+          </a:effectLst>
+        </a:effectStyle>
+        <a:effectStyle>
+          <a:effectLst>
+            <a:outerShdw blurRad="40000" dist="23000" dir="5400000" rotWithShape="0">
+              <a:srgbClr val="000000">
+                <a:alpha val="35000"/>
+              </a:srgbClr>
+            </a:outerShdw>
+          </a:effectLst>
+          <a:scene3d>
+            <a:camera prst="orthographicFront">
+              <a:rot lat="0" lon="0" rev="0"/>
+            </a:camera>
+            <a:lightRig rig="threePt" dir="t">
+              <a:rot lat="0" lon="0" rev="1200000"/>
+            </a:lightRig>
+          </a:scene3d>
+          <a:sp3d>
+            <a:bevelT w="63500" h="25400"/>
+          </a:sp3d>
+        </a:effectStyle>
+      </a:effectStyleLst>
+      <a:bgFillStyleLst>
+        <a:solidFill>
+          <a:schemeClr val="phClr"/>
+        </a:solidFill>
+        <a:gradFill rotWithShape="1">
+          <a:gsLst>
+            <a:gs pos="0">
+              <a:schemeClr val="phClr">
+                <a:tint val="40000"/>
+                <a:satMod val="350000"/>
+              </a:schemeClr>
+            </a:gs>
+            <a:gs pos="40000">
+              <a:schemeClr val="phClr">
+                <a:tint val="45000"/>
+                <a:shade val="99000"/>
+                <a:satMod val="350000"/>
+              </a:schemeClr>
+            </a:gs>
+            <a:gs pos="100000">
+              <a:schemeClr val="phClr">
+                <a:shade val="20000"/>
+                <a:satMod val="255000"/>
+              </a:schemeClr>
+            </a:gs>
+          </a:gsLst>
+          <a:path path="circle">
+            <a:fillToRect l="50000" t="-80000" r="50000" b="180000"/>
+          </a:path>
+        </a:gradFill>
+        <a:gradFill rotWithShape="1">
+          <a:gsLst>
+            <a:gs pos="0">
+              <a:schemeClr val="phClr">
+                <a:tint val="80000"/>
+                <a:satMod val="300000"/>
+              </a:schemeClr>
+            </a:gs>
+            <a:gs pos="100000">
+              <a:schemeClr val="phClr">
+                <a:shade val="30000"/>
+                <a:satMod val="200000"/>
+              </a:schemeClr>
+            </a:gs>
+          </a:gsLst>
+          <a:path path="circle">
+            <a:fillToRect l="50000" t="50000" r="50000" b="50000"/>
+          </a:path>
+        </a:gradFill>
+      </a:bgFillStyleLst>
+    </a:fmtScheme>
+  </a:themeElements>
+</a:theme>
+</file>
+
+<file path=ppt/theme/theme2.xml><?xml version="1.0" encoding="utf-8"?>
 <a:theme xmlns:a="http://schemas.openxmlformats.org/drawingml/2006/main" xmlns:r="http://schemas.openxmlformats.org/officeDocument/2006/relationships">
   <a:themeElements>
     <a:clrScheme name="Default">
@@ -16345,283 +17935,4 @@
     </a:fmtScheme>
   </a:themeElements>
 </a:theme>
-</file>
-
-<file path=ppt/theme/theme2.xml><?xml version="1.0" encoding="utf-8"?>
-<a:theme xmlns:a="http://schemas.openxmlformats.org/drawingml/2006/main" xmlns:r="http://schemas.openxmlformats.org/officeDocument/2006/relationships" name="Simple Light">
-  <a:themeElements>
-    <a:clrScheme name="Simple Light">
-      <a:dk1>
-        <a:srgbClr val="000000"/>
-      </a:dk1>
-      <a:lt1>
-        <a:srgbClr val="FFFFFF"/>
-      </a:lt1>
-      <a:dk2>
-        <a:srgbClr val="595959"/>
-      </a:dk2>
-      <a:lt2>
-        <a:srgbClr val="EEEEEE"/>
-      </a:lt2>
-      <a:accent1>
-        <a:srgbClr val="4285F4"/>
-      </a:accent1>
-      <a:accent2>
-        <a:srgbClr val="212121"/>
-      </a:accent2>
-      <a:accent3>
-        <a:srgbClr val="78909C"/>
-      </a:accent3>
-      <a:accent4>
-        <a:srgbClr val="FFAB40"/>
-      </a:accent4>
-      <a:accent5>
-        <a:srgbClr val="0097A7"/>
-      </a:accent5>
-      <a:accent6>
-        <a:srgbClr val="EEFF41"/>
-      </a:accent6>
-      <a:hlink>
-        <a:srgbClr val="0097A7"/>
-      </a:hlink>
-      <a:folHlink>
-        <a:srgbClr val="0097A7"/>
-      </a:folHlink>
-    </a:clrScheme>
-    <a:fontScheme name="Office">
-      <a:majorFont>
-        <a:latin typeface="Arial"/>
-        <a:ea typeface=""/>
-        <a:cs typeface=""/>
-        <a:font script="Jpan" typeface="ＭＳ Ｐゴシック"/>
-        <a:font script="Hang" typeface="맑은 고딕"/>
-        <a:font script="Hans" typeface="宋体"/>
-        <a:font script="Hant" typeface="新細明體"/>
-        <a:font script="Arab" typeface="Times New Roman"/>
-        <a:font script="Hebr" typeface="Times New Roman"/>
-        <a:font script="Thai" typeface="Angsana New"/>
-        <a:font script="Ethi" typeface="Nyala"/>
-        <a:font script="Beng" typeface="Vrinda"/>
-        <a:font script="Gujr" typeface="Shruti"/>
-        <a:font script="Khmr" typeface="MoolBoran"/>
-        <a:font script="Knda" typeface="Tunga"/>
-        <a:font script="Guru" typeface="Raavi"/>
-        <a:font script="Cans" typeface="Euphemia"/>
-        <a:font script="Cher" typeface="Plantagenet Cherokee"/>
-        <a:font script="Yiii" typeface="Microsoft Yi Baiti"/>
-        <a:font script="Tibt" typeface="Microsoft Himalaya"/>
-        <a:font script="Thaa" typeface="MV Boli"/>
-        <a:font script="Deva" typeface="Mangal"/>
-        <a:font script="Telu" typeface="Gautami"/>
-        <a:font script="Taml" typeface="Latha"/>
-        <a:font script="Syrc" typeface="Estrangelo Edessa"/>
-        <a:font script="Orya" typeface="Kalinga"/>
-        <a:font script="Mlym" typeface="Kartika"/>
-        <a:font script="Laoo" typeface="DokChampa"/>
-        <a:font script="Sinh" typeface="Iskoola Pota"/>
-        <a:font script="Mong" typeface="Mongolian Baiti"/>
-        <a:font script="Viet" typeface="Times New Roman"/>
-        <a:font script="Uigh" typeface="Microsoft Uighur"/>
-        <a:font script="Geor" typeface="Sylfaen"/>
-      </a:majorFont>
-      <a:minorFont>
-        <a:latin typeface="Arial"/>
-        <a:ea typeface=""/>
-        <a:cs typeface=""/>
-        <a:font script="Jpan" typeface="ＭＳ Ｐゴシック"/>
-        <a:font script="Hang" typeface="맑은 고딕"/>
-        <a:font script="Hans" typeface="宋体"/>
-        <a:font script="Hant" typeface="新細明體"/>
-        <a:font script="Arab" typeface="Arial"/>
-        <a:font script="Hebr" typeface="Arial"/>
-        <a:font script="Thai" typeface="Cordia New"/>
-        <a:font script="Ethi" typeface="Nyala"/>
-        <a:font script="Beng" typeface="Vrinda"/>
-        <a:font script="Gujr" typeface="Shruti"/>
-        <a:font script="Khmr" typeface="DaunPenh"/>
-        <a:font script="Knda" typeface="Tunga"/>
-        <a:font script="Guru" typeface="Raavi"/>
-        <a:font script="Cans" typeface="Euphemia"/>
-        <a:font script="Cher" typeface="Plantagenet Cherokee"/>
-        <a:font script="Yiii" typeface="Microsoft Yi Baiti"/>
-        <a:font script="Tibt" typeface="Microsoft Himalaya"/>
-        <a:font script="Thaa" typeface="MV Boli"/>
-        <a:font script="Deva" typeface="Mangal"/>
-        <a:font script="Telu" typeface="Gautami"/>
-        <a:font script="Taml" typeface="Latha"/>
-        <a:font script="Syrc" typeface="Estrangelo Edessa"/>
-        <a:font script="Orya" typeface="Kalinga"/>
-        <a:font script="Mlym" typeface="Kartika"/>
-        <a:font script="Laoo" typeface="DokChampa"/>
-        <a:font script="Sinh" typeface="Iskoola Pota"/>
-        <a:font script="Mong" typeface="Mongolian Baiti"/>
-        <a:font script="Viet" typeface="Arial"/>
-        <a:font script="Uigh" typeface="Microsoft Uighur"/>
-        <a:font script="Geor" typeface="Sylfaen"/>
-      </a:minorFont>
-    </a:fontScheme>
-    <a:fmtScheme name="Office">
-      <a:fillStyleLst>
-        <a:solidFill>
-          <a:schemeClr val="phClr"/>
-        </a:solidFill>
-        <a:gradFill rotWithShape="1">
-          <a:gsLst>
-            <a:gs pos="0">
-              <a:schemeClr val="phClr">
-                <a:tint val="50000"/>
-                <a:satMod val="300000"/>
-              </a:schemeClr>
-            </a:gs>
-            <a:gs pos="35000">
-              <a:schemeClr val="phClr">
-                <a:tint val="37000"/>
-                <a:satMod val="300000"/>
-              </a:schemeClr>
-            </a:gs>
-            <a:gs pos="100000">
-              <a:schemeClr val="phClr">
-                <a:tint val="15000"/>
-                <a:satMod val="350000"/>
-              </a:schemeClr>
-            </a:gs>
-          </a:gsLst>
-          <a:lin ang="16200000" scaled="1"/>
-        </a:gradFill>
-        <a:gradFill rotWithShape="1">
-          <a:gsLst>
-            <a:gs pos="0">
-              <a:schemeClr val="phClr">
-                <a:tint val="100000"/>
-                <a:shade val="100000"/>
-                <a:satMod val="130000"/>
-              </a:schemeClr>
-            </a:gs>
-            <a:gs pos="100000">
-              <a:schemeClr val="phClr">
-                <a:tint val="50000"/>
-                <a:shade val="100000"/>
-                <a:satMod val="350000"/>
-              </a:schemeClr>
-            </a:gs>
-          </a:gsLst>
-          <a:lin ang="16200000" scaled="0"/>
-        </a:gradFill>
-      </a:fillStyleLst>
-      <a:lnStyleLst>
-        <a:ln w="9525" cap="flat" cmpd="sng" algn="ctr">
-          <a:solidFill>
-            <a:schemeClr val="phClr">
-              <a:shade val="95000"/>
-              <a:satMod val="105000"/>
-            </a:schemeClr>
-          </a:solidFill>
-          <a:prstDash val="solid"/>
-        </a:ln>
-        <a:ln w="25400" cap="flat" cmpd="sng" algn="ctr">
-          <a:solidFill>
-            <a:schemeClr val="phClr"/>
-          </a:solidFill>
-          <a:prstDash val="solid"/>
-        </a:ln>
-        <a:ln w="38100" cap="flat" cmpd="sng" algn="ctr">
-          <a:solidFill>
-            <a:schemeClr val="phClr"/>
-          </a:solidFill>
-          <a:prstDash val="solid"/>
-        </a:ln>
-      </a:lnStyleLst>
-      <a:effectStyleLst>
-        <a:effectStyle>
-          <a:effectLst>
-            <a:outerShdw blurRad="40000" dist="20000" dir="5400000" rotWithShape="0">
-              <a:srgbClr val="000000">
-                <a:alpha val="38000"/>
-              </a:srgbClr>
-            </a:outerShdw>
-          </a:effectLst>
-        </a:effectStyle>
-        <a:effectStyle>
-          <a:effectLst>
-            <a:outerShdw blurRad="40000" dist="23000" dir="5400000" rotWithShape="0">
-              <a:srgbClr val="000000">
-                <a:alpha val="35000"/>
-              </a:srgbClr>
-            </a:outerShdw>
-          </a:effectLst>
-        </a:effectStyle>
-        <a:effectStyle>
-          <a:effectLst>
-            <a:outerShdw blurRad="40000" dist="23000" dir="5400000" rotWithShape="0">
-              <a:srgbClr val="000000">
-                <a:alpha val="35000"/>
-              </a:srgbClr>
-            </a:outerShdw>
-          </a:effectLst>
-          <a:scene3d>
-            <a:camera prst="orthographicFront">
-              <a:rot lat="0" lon="0" rev="0"/>
-            </a:camera>
-            <a:lightRig rig="threePt" dir="t">
-              <a:rot lat="0" lon="0" rev="1200000"/>
-            </a:lightRig>
-          </a:scene3d>
-          <a:sp3d>
-            <a:bevelT w="63500" h="25400"/>
-          </a:sp3d>
-        </a:effectStyle>
-      </a:effectStyleLst>
-      <a:bgFillStyleLst>
-        <a:solidFill>
-          <a:schemeClr val="phClr"/>
-        </a:solidFill>
-        <a:gradFill rotWithShape="1">
-          <a:gsLst>
-            <a:gs pos="0">
-              <a:schemeClr val="phClr">
-                <a:tint val="40000"/>
-                <a:satMod val="350000"/>
-              </a:schemeClr>
-            </a:gs>
-            <a:gs pos="40000">
-              <a:schemeClr val="phClr">
-                <a:tint val="45000"/>
-                <a:shade val="99000"/>
-                <a:satMod val="350000"/>
-              </a:schemeClr>
-            </a:gs>
-            <a:gs pos="100000">
-              <a:schemeClr val="phClr">
-                <a:shade val="20000"/>
-                <a:satMod val="255000"/>
-              </a:schemeClr>
-            </a:gs>
-          </a:gsLst>
-          <a:path path="circle">
-            <a:fillToRect l="50000" t="-80000" r="50000" b="180000"/>
-          </a:path>
-        </a:gradFill>
-        <a:gradFill rotWithShape="1">
-          <a:gsLst>
-            <a:gs pos="0">
-              <a:schemeClr val="phClr">
-                <a:tint val="80000"/>
-                <a:satMod val="300000"/>
-              </a:schemeClr>
-            </a:gs>
-            <a:gs pos="100000">
-              <a:schemeClr val="phClr">
-                <a:shade val="30000"/>
-                <a:satMod val="200000"/>
-              </a:schemeClr>
-            </a:gs>
-          </a:gsLst>
-          <a:path path="circle">
-            <a:fillToRect l="50000" t="50000" r="50000" b="50000"/>
-          </a:path>
-        </a:gradFill>
-      </a:bgFillStyleLst>
-    </a:fmtScheme>
-  </a:themeElements>
-</a:theme>
 </file>